--- a/docs/presentation.pptx
+++ b/docs/presentation.pptx
@@ -1,6 +1,6 @@
 
 <file path=ppt/presentation.xml><?xml version="1.0" encoding="utf-8"?>
-<p:presentation xmlns:a="http://schemas.openxmlformats.org/drawingml/2006/main" xmlns:r="http://schemas.openxmlformats.org/officeDocument/2006/relationships" xmlns:p="http://schemas.openxmlformats.org/presentationml/2006/main" saveSubsetFonts="1" autoCompressPictures="0">
+<p:presentation xmlns:a="http://schemas.openxmlformats.org/drawingml/2006/main" xmlns:p="http://schemas.openxmlformats.org/presentationml/2006/main" xmlns:r="http://schemas.openxmlformats.org/officeDocument/2006/relationships" autoCompressPictures="0" saveSubsetFonts="1">
   <p:sldMasterIdLst>
     <p:sldMasterId id="2147483648" r:id="rId1"/>
   </p:sldMasterIdLst>
@@ -15,22 +15,25 @@
     <p:sldId id="263" r:id="rId9"/>
     <p:sldId id="264" r:id="rId10"/>
     <p:sldId id="265" r:id="rId11"/>
-    <p:sldId id="267" r:id="rId12"/>
-    <p:sldId id="269" r:id="rId13"/>
-    <p:sldId id="271" r:id="rId14"/>
-    <p:sldId id="272" r:id="rId15"/>
-    <p:sldId id="273" r:id="rId16"/>
-    <p:sldId id="275" r:id="rId17"/>
-    <p:sldId id="277" r:id="rId18"/>
-    <p:sldId id="278" r:id="rId19"/>
-    <p:sldId id="279" r:id="rId20"/>
-    <p:sldId id="280" r:id="rId21"/>
-    <p:sldId id="281" r:id="rId22"/>
-    <p:sldId id="283" r:id="rId23"/>
-    <p:sldId id="284" r:id="rId24"/>
-    <p:sldId id="286" r:id="rId25"/>
-    <p:sldId id="288" r:id="rId26"/>
-    <p:sldId id="289" r:id="rId27"/>
+    <p:sldId id="266" r:id="rId12"/>
+    <p:sldId id="267" r:id="rId13"/>
+    <p:sldId id="268" r:id="rId14"/>
+    <p:sldId id="269" r:id="rId15"/>
+    <p:sldId id="270" r:id="rId16"/>
+    <p:sldId id="271" r:id="rId17"/>
+    <p:sldId id="272" r:id="rId18"/>
+    <p:sldId id="273" r:id="rId19"/>
+    <p:sldId id="274" r:id="rId20"/>
+    <p:sldId id="275" r:id="rId21"/>
+    <p:sldId id="276" r:id="rId22"/>
+    <p:sldId id="277" r:id="rId23"/>
+    <p:sldId id="278" r:id="rId24"/>
+    <p:sldId id="279" r:id="rId25"/>
+    <p:sldId id="280" r:id="rId26"/>
+    <p:sldId id="281" r:id="rId27"/>
+    <p:sldId id="282" r:id="rId28"/>
+    <p:sldId id="283" r:id="rId29"/>
+    <p:sldId id="284" r:id="rId30"/>
   </p:sldIdLst>
   <p:sldSz cx="9144000" cy="5143500" type="screen16x9"/>
   <p:notesSz cx="6858000" cy="9144000"/>
@@ -38,8 +41,8 @@
     <a:defPPr>
       <a:defRPr lang="en-US"/>
     </a:defPPr>
-    <a:lvl1pPr marL="0" algn="l" defTabSz="457200" rtl="0" eaLnBrk="1" latinLnBrk="0" hangingPunct="1">
-      <a:defRPr sz="1800" kern="1200">
+    <a:lvl1pPr algn="l" defTabSz="457200" eaLnBrk="1" hangingPunct="1" latinLnBrk="0" marL="0" rtl="0">
+      <a:defRPr kern="1200" sz="1800">
         <a:solidFill>
           <a:schemeClr val="tx1"/>
         </a:solidFill>
@@ -48,8 +51,8 @@
         <a:cs typeface="+mn-cs"/>
       </a:defRPr>
     </a:lvl1pPr>
-    <a:lvl2pPr marL="457200" algn="l" defTabSz="457200" rtl="0" eaLnBrk="1" latinLnBrk="0" hangingPunct="1">
-      <a:defRPr sz="1800" kern="1200">
+    <a:lvl2pPr algn="l" defTabSz="457200" eaLnBrk="1" hangingPunct="1" latinLnBrk="0" marL="457200" rtl="0">
+      <a:defRPr kern="1200" sz="1800">
         <a:solidFill>
           <a:schemeClr val="tx1"/>
         </a:solidFill>
@@ -58,8 +61,8 @@
         <a:cs typeface="+mn-cs"/>
       </a:defRPr>
     </a:lvl2pPr>
-    <a:lvl3pPr marL="914400" algn="l" defTabSz="457200" rtl="0" eaLnBrk="1" latinLnBrk="0" hangingPunct="1">
-      <a:defRPr sz="1800" kern="1200">
+    <a:lvl3pPr algn="l" defTabSz="457200" eaLnBrk="1" hangingPunct="1" latinLnBrk="0" marL="914400" rtl="0">
+      <a:defRPr kern="1200" sz="1800">
         <a:solidFill>
           <a:schemeClr val="tx1"/>
         </a:solidFill>
@@ -68,8 +71,8 @@
         <a:cs typeface="+mn-cs"/>
       </a:defRPr>
     </a:lvl3pPr>
-    <a:lvl4pPr marL="1371600" algn="l" defTabSz="457200" rtl="0" eaLnBrk="1" latinLnBrk="0" hangingPunct="1">
-      <a:defRPr sz="1800" kern="1200">
+    <a:lvl4pPr algn="l" defTabSz="457200" eaLnBrk="1" hangingPunct="1" latinLnBrk="0" marL="1371600" rtl="0">
+      <a:defRPr kern="1200" sz="1800">
         <a:solidFill>
           <a:schemeClr val="tx1"/>
         </a:solidFill>
@@ -78,8 +81,8 @@
         <a:cs typeface="+mn-cs"/>
       </a:defRPr>
     </a:lvl4pPr>
-    <a:lvl5pPr marL="1828800" algn="l" defTabSz="457200" rtl="0" eaLnBrk="1" latinLnBrk="0" hangingPunct="1">
-      <a:defRPr sz="1800" kern="1200">
+    <a:lvl5pPr algn="l" defTabSz="457200" eaLnBrk="1" hangingPunct="1" latinLnBrk="0" marL="1828800" rtl="0">
+      <a:defRPr kern="1200" sz="1800">
         <a:solidFill>
           <a:schemeClr val="tx1"/>
         </a:solidFill>
@@ -88,8 +91,8 @@
         <a:cs typeface="+mn-cs"/>
       </a:defRPr>
     </a:lvl5pPr>
-    <a:lvl6pPr marL="2286000" algn="l" defTabSz="457200" rtl="0" eaLnBrk="1" latinLnBrk="0" hangingPunct="1">
-      <a:defRPr sz="1800" kern="1200">
+    <a:lvl6pPr algn="l" defTabSz="457200" eaLnBrk="1" hangingPunct="1" latinLnBrk="0" marL="2286000" rtl="0">
+      <a:defRPr kern="1200" sz="1800">
         <a:solidFill>
           <a:schemeClr val="tx1"/>
         </a:solidFill>
@@ -98,8 +101,8 @@
         <a:cs typeface="+mn-cs"/>
       </a:defRPr>
     </a:lvl6pPr>
-    <a:lvl7pPr marL="2743200" algn="l" defTabSz="457200" rtl="0" eaLnBrk="1" latinLnBrk="0" hangingPunct="1">
-      <a:defRPr sz="1800" kern="1200">
+    <a:lvl7pPr algn="l" defTabSz="457200" eaLnBrk="1" hangingPunct="1" latinLnBrk="0" marL="2743200" rtl="0">
+      <a:defRPr kern="1200" sz="1800">
         <a:solidFill>
           <a:schemeClr val="tx1"/>
         </a:solidFill>
@@ -108,8 +111,8 @@
         <a:cs typeface="+mn-cs"/>
       </a:defRPr>
     </a:lvl7pPr>
-    <a:lvl8pPr marL="3200400" algn="l" defTabSz="457200" rtl="0" eaLnBrk="1" latinLnBrk="0" hangingPunct="1">
-      <a:defRPr sz="1800" kern="1200">
+    <a:lvl8pPr algn="l" defTabSz="457200" eaLnBrk="1" hangingPunct="1" latinLnBrk="0" marL="3200400" rtl="0">
+      <a:defRPr kern="1200" sz="1800">
         <a:solidFill>
           <a:schemeClr val="tx1"/>
         </a:solidFill>
@@ -118,8 +121,8 @@
         <a:cs typeface="+mn-cs"/>
       </a:defRPr>
     </a:lvl8pPr>
-    <a:lvl9pPr marL="3657600" algn="l" defTabSz="457200" rtl="0" eaLnBrk="1" latinLnBrk="0" hangingPunct="1">
-      <a:defRPr sz="1800" kern="1200">
+    <a:lvl9pPr algn="l" defTabSz="457200" eaLnBrk="1" hangingPunct="1" latinLnBrk="0" marL="3657600" rtl="0">
+      <a:defRPr kern="1200" sz="1800">
         <a:solidFill>
           <a:schemeClr val="tx1"/>
         </a:solidFill>
@@ -327,7 +330,7 @@
           <a:p>
             <a:fld id="{241EB5C9-1307-BA42-ABA2-0BC069CD8E7F}" type="datetimeFigureOut">
               <a:rPr lang="en-US" smtClean="0"/>
-              <a:t>2/16/26</a:t>
+              <a:t>1/2/22</a:t>
             </a:fld>
             <a:endParaRPr lang="en-US"/>
           </a:p>
@@ -495,7 +498,7 @@
           <a:p>
             <a:fld id="{241EB5C9-1307-BA42-ABA2-0BC069CD8E7F}" type="datetimeFigureOut">
               <a:rPr lang="en-US" smtClean="0"/>
-              <a:t>2/16/26</a:t>
+              <a:t>1/2/22</a:t>
             </a:fld>
             <a:endParaRPr lang="en-US"/>
           </a:p>
@@ -673,7 +676,7 @@
           <a:p>
             <a:fld id="{241EB5C9-1307-BA42-ABA2-0BC069CD8E7F}" type="datetimeFigureOut">
               <a:rPr lang="en-US" smtClean="0"/>
-              <a:t>2/16/26</a:t>
+              <a:t>1/2/22</a:t>
             </a:fld>
             <a:endParaRPr lang="en-US"/>
           </a:p>
@@ -841,7 +844,7 @@
           <a:p>
             <a:fld id="{241EB5C9-1307-BA42-ABA2-0BC069CD8E7F}" type="datetimeFigureOut">
               <a:rPr lang="en-US" smtClean="0"/>
-              <a:t>2/16/26</a:t>
+              <a:t>1/2/22</a:t>
             </a:fld>
             <a:endParaRPr lang="en-US"/>
           </a:p>
@@ -1086,7 +1089,7 @@
           <a:p>
             <a:fld id="{241EB5C9-1307-BA42-ABA2-0BC069CD8E7F}" type="datetimeFigureOut">
               <a:rPr lang="en-US" smtClean="0"/>
-              <a:t>2/16/26</a:t>
+              <a:t>1/2/22</a:t>
             </a:fld>
             <a:endParaRPr lang="en-US"/>
           </a:p>
@@ -1371,7 +1374,7 @@
           <a:p>
             <a:fld id="{241EB5C9-1307-BA42-ABA2-0BC069CD8E7F}" type="datetimeFigureOut">
               <a:rPr lang="en-US" smtClean="0"/>
-              <a:t>2/16/26</a:t>
+              <a:t>1/2/22</a:t>
             </a:fld>
             <a:endParaRPr lang="en-US"/>
           </a:p>
@@ -1790,7 +1793,7 @@
           <a:p>
             <a:fld id="{241EB5C9-1307-BA42-ABA2-0BC069CD8E7F}" type="datetimeFigureOut">
               <a:rPr lang="en-US" smtClean="0"/>
-              <a:t>2/16/26</a:t>
+              <a:t>1/2/22</a:t>
             </a:fld>
             <a:endParaRPr lang="en-US"/>
           </a:p>
@@ -1907,7 +1910,7 @@
           <a:p>
             <a:fld id="{241EB5C9-1307-BA42-ABA2-0BC069CD8E7F}" type="datetimeFigureOut">
               <a:rPr lang="en-US" smtClean="0"/>
-              <a:t>2/16/26</a:t>
+              <a:t>1/2/22</a:t>
             </a:fld>
             <a:endParaRPr lang="en-US"/>
           </a:p>
@@ -2002,7 +2005,7 @@
           <a:p>
             <a:fld id="{241EB5C9-1307-BA42-ABA2-0BC069CD8E7F}" type="datetimeFigureOut">
               <a:rPr lang="en-US" smtClean="0"/>
-              <a:t>2/16/26</a:t>
+              <a:t>1/2/22</a:t>
             </a:fld>
             <a:endParaRPr lang="en-US"/>
           </a:p>
@@ -2277,7 +2280,7 @@
           <a:p>
             <a:fld id="{241EB5C9-1307-BA42-ABA2-0BC069CD8E7F}" type="datetimeFigureOut">
               <a:rPr lang="en-US" smtClean="0"/>
-              <a:t>2/16/26</a:t>
+              <a:t>1/2/22</a:t>
             </a:fld>
             <a:endParaRPr lang="en-US"/>
           </a:p>
@@ -2529,7 +2532,7 @@
           <a:p>
             <a:fld id="{241EB5C9-1307-BA42-ABA2-0BC069CD8E7F}" type="datetimeFigureOut">
               <a:rPr lang="en-US" smtClean="0"/>
-              <a:t>2/16/26</a:t>
+              <a:t>1/2/22</a:t>
             </a:fld>
             <a:endParaRPr lang="en-US"/>
           </a:p>
@@ -2591,7 +2594,7 @@
 </file>
 
 <file path=ppt/slideMasters/slideMaster1.xml><?xml version="1.0" encoding="utf-8"?>
-<p:sldMaster xmlns:a="http://schemas.openxmlformats.org/drawingml/2006/main" xmlns:r="http://schemas.openxmlformats.org/officeDocument/2006/relationships" xmlns:p="http://schemas.openxmlformats.org/presentationml/2006/main">
+<p:sldMaster xmlns:a="http://schemas.openxmlformats.org/drawingml/2006/main" xmlns:p="http://schemas.openxmlformats.org/presentationml/2006/main" xmlns:r="http://schemas.openxmlformats.org/officeDocument/2006/relationships">
   <p:cSld>
     <p:bg>
       <p:bgRef idx="1001">
@@ -2632,7 +2635,7 @@
           </a:prstGeom>
         </p:spPr>
         <p:txBody>
-          <a:bodyPr vert="horz" lIns="91440" tIns="45720" rIns="91440" bIns="45720" rtlCol="0" anchor="ctr">
+          <a:bodyPr anchor="ctr" bIns="45720" lIns="91440" rIns="91440" rtlCol="0" tIns="45720" vert="horz">
             <a:normAutofit/>
           </a:bodyPr>
           <a:lstStyle/>
@@ -2651,7 +2654,7 @@
             <a:spLocks noGrp="1"/>
           </p:cNvSpPr>
           <p:nvPr>
-            <p:ph type="body" idx="1"/>
+            <p:ph idx="1" type="body"/>
           </p:nvPr>
         </p:nvSpPr>
         <p:spPr>
@@ -2664,7 +2667,7 @@
           </a:prstGeom>
         </p:spPr>
         <p:txBody>
-          <a:bodyPr vert="horz" lIns="91440" tIns="45720" rIns="91440" bIns="45720" rtlCol="0">
+          <a:bodyPr bIns="45720" lIns="91440" rIns="91440" rtlCol="0" tIns="45720" vert="horz">
             <a:normAutofit/>
           </a:bodyPr>
           <a:lstStyle/>
@@ -2712,7 +2715,7 @@
             <a:spLocks noGrp="1"/>
           </p:cNvSpPr>
           <p:nvPr>
-            <p:ph type="dt" sz="half" idx="2"/>
+            <p:ph idx="2" sz="half" type="dt"/>
           </p:nvPr>
         </p:nvSpPr>
         <p:spPr>
@@ -2725,7 +2728,7 @@
           </a:prstGeom>
         </p:spPr>
         <p:txBody>
-          <a:bodyPr vert="horz" lIns="91440" tIns="45720" rIns="91440" bIns="45720" rtlCol="0" anchor="ctr"/>
+          <a:bodyPr anchor="ctr" bIns="45720" lIns="91440" rIns="91440" rtlCol="0" tIns="45720" vert="horz"/>
           <a:lstStyle>
             <a:lvl1pPr algn="l">
               <a:defRPr sz="900">
@@ -2740,7 +2743,7 @@
           <a:p>
             <a:fld id="{241EB5C9-1307-BA42-ABA2-0BC069CD8E7F}" type="datetimeFigureOut">
               <a:rPr lang="en-US" smtClean="0"/>
-              <a:t>2/16/26</a:t>
+              <a:t>1/2/22</a:t>
             </a:fld>
             <a:endParaRPr lang="en-US"/>
           </a:p>
@@ -2753,7 +2756,7 @@
             <a:spLocks noGrp="1"/>
           </p:cNvSpPr>
           <p:nvPr>
-            <p:ph type="ftr" sz="quarter" idx="3"/>
+            <p:ph idx="3" sz="quarter" type="ftr"/>
           </p:nvPr>
         </p:nvSpPr>
         <p:spPr>
@@ -2766,7 +2769,7 @@
           </a:prstGeom>
         </p:spPr>
         <p:txBody>
-          <a:bodyPr vert="horz" lIns="91440" tIns="45720" rIns="91440" bIns="45720" rtlCol="0" anchor="ctr"/>
+          <a:bodyPr anchor="ctr" bIns="45720" lIns="91440" rIns="91440" rtlCol="0" tIns="45720" vert="horz"/>
           <a:lstStyle>
             <a:lvl1pPr algn="ctr">
               <a:defRPr sz="900">
@@ -2790,7 +2793,7 @@
             <a:spLocks noGrp="1"/>
           </p:cNvSpPr>
           <p:nvPr>
-            <p:ph type="sldNum" sz="quarter" idx="4"/>
+            <p:ph idx="4" sz="quarter" type="sldNum"/>
           </p:nvPr>
         </p:nvSpPr>
         <p:spPr>
@@ -2803,7 +2806,7 @@
           </a:prstGeom>
         </p:spPr>
         <p:txBody>
-          <a:bodyPr vert="horz" lIns="91440" tIns="45720" rIns="91440" bIns="45720" rtlCol="0" anchor="ctr"/>
+          <a:bodyPr anchor="ctr" bIns="45720" lIns="91440" rIns="91440" rtlCol="0" tIns="45720" vert="horz"/>
           <a:lstStyle>
             <a:lvl1pPr algn="r">
               <a:defRPr sz="900">
@@ -2831,7 +2834,7 @@
       </p:ext>
     </p:extLst>
   </p:cSld>
-  <p:clrMap bg1="lt1" tx1="dk1" bg2="lt2" tx2="dk2" accent1="accent1" accent2="accent2" accent3="accent3" accent4="accent4" accent5="accent5" accent6="accent6" hlink="hlink" folHlink="folHlink"/>
+  <p:clrMap accent1="accent1" accent2="accent2" accent3="accent3" accent4="accent4" accent5="accent5" accent6="accent6" bg1="lt1" bg2="lt2" folHlink="folHlink" hlink="hlink" tx1="dk1" tx2="dk2"/>
   <p:sldLayoutIdLst>
     <p:sldLayoutId id="2147483649" r:id="rId1"/>
     <p:sldLayoutId id="2147483650" r:id="rId2"/>
@@ -2847,12 +2850,12 @@
   </p:sldLayoutIdLst>
   <p:txStyles>
     <p:titleStyle>
-      <a:lvl1pPr algn="ctr" defTabSz="342900" rtl="0" eaLnBrk="1" latinLnBrk="0" hangingPunct="1">
+      <a:lvl1pPr algn="ctr" defTabSz="342900" eaLnBrk="1" hangingPunct="1" latinLnBrk="0" rtl="0">
         <a:spcBef>
           <a:spcPct val="0"/>
         </a:spcBef>
         <a:buNone/>
-        <a:defRPr sz="3300" kern="1200">
+        <a:defRPr kern="1200" sz="3300">
           <a:solidFill>
             <a:schemeClr val="tx1"/>
           </a:solidFill>
@@ -2863,13 +2866,13 @@
       </a:lvl1pPr>
     </p:titleStyle>
     <p:bodyStyle>
-      <a:lvl1pPr marL="342900" indent="-342900" algn="l" defTabSz="342900" rtl="0" eaLnBrk="1" latinLnBrk="0" hangingPunct="1">
+      <a:lvl1pPr algn="l" defTabSz="342900" eaLnBrk="1" hangingPunct="1" indent="-342900" latinLnBrk="0" marL="342900" rtl="0">
         <a:spcBef>
           <a:spcPct val="20000"/>
         </a:spcBef>
         <a:buFont typeface="Arial"/>
         <a:buChar char="•"/>
-        <a:defRPr sz="2400" kern="1200">
+        <a:defRPr kern="1200" sz="2400">
           <a:solidFill>
             <a:schemeClr val="tx1"/>
           </a:solidFill>
@@ -2878,13 +2881,13 @@
           <a:cs typeface="+mn-cs"/>
         </a:defRPr>
       </a:lvl1pPr>
-      <a:lvl2pPr marL="685800" indent="-342900" algn="l" defTabSz="342900" rtl="0" eaLnBrk="1" latinLnBrk="0" hangingPunct="1">
+      <a:lvl2pPr algn="l" defTabSz="342900" eaLnBrk="1" hangingPunct="1" indent="-342900" latinLnBrk="0" marL="685800" rtl="0">
         <a:spcBef>
           <a:spcPct val="20000"/>
         </a:spcBef>
         <a:buFont typeface="Arial"/>
         <a:buChar char="–"/>
-        <a:defRPr sz="2100" kern="1200">
+        <a:defRPr kern="1200" sz="2100">
           <a:solidFill>
             <a:schemeClr val="tx1"/>
           </a:solidFill>
@@ -2893,13 +2896,13 @@
           <a:cs typeface="+mn-cs"/>
         </a:defRPr>
       </a:lvl2pPr>
-      <a:lvl3pPr marL="1028700" indent="-342900" algn="l" defTabSz="342900" rtl="0" eaLnBrk="1" latinLnBrk="0" hangingPunct="1">
+      <a:lvl3pPr algn="l" defTabSz="342900" eaLnBrk="1" hangingPunct="1" indent="-342900" latinLnBrk="0" marL="1028700" rtl="0">
         <a:spcBef>
           <a:spcPct val="20000"/>
         </a:spcBef>
         <a:buFont typeface="Arial"/>
         <a:buChar char="•"/>
-        <a:defRPr sz="1800" kern="1200">
+        <a:defRPr kern="1200" sz="1800">
           <a:solidFill>
             <a:schemeClr val="tx1"/>
           </a:solidFill>
@@ -2908,13 +2911,13 @@
           <a:cs typeface="+mn-cs"/>
         </a:defRPr>
       </a:lvl3pPr>
-      <a:lvl4pPr marL="1371600" indent="-342900" algn="l" defTabSz="342900" rtl="0" eaLnBrk="1" latinLnBrk="0" hangingPunct="1">
+      <a:lvl4pPr algn="l" defTabSz="342900" eaLnBrk="1" hangingPunct="1" indent="-342900" latinLnBrk="0" marL="1371600" rtl="0">
         <a:spcBef>
           <a:spcPct val="20000"/>
         </a:spcBef>
         <a:buFont typeface="Arial"/>
         <a:buChar char="–"/>
-        <a:defRPr sz="1500" kern="1200">
+        <a:defRPr kern="1200" sz="1500">
           <a:solidFill>
             <a:schemeClr val="tx1"/>
           </a:solidFill>
@@ -2923,13 +2926,13 @@
           <a:cs typeface="+mn-cs"/>
         </a:defRPr>
       </a:lvl4pPr>
-      <a:lvl5pPr marL="1714500" indent="-342900" algn="l" defTabSz="342900" rtl="0" eaLnBrk="1" latinLnBrk="0" hangingPunct="1">
+      <a:lvl5pPr algn="l" defTabSz="342900" eaLnBrk="1" hangingPunct="1" indent="-342900" latinLnBrk="0" marL="1714500" rtl="0">
         <a:spcBef>
           <a:spcPct val="20000"/>
         </a:spcBef>
         <a:buFont typeface="Arial"/>
         <a:buChar char="»"/>
-        <a:defRPr sz="1500" kern="1200">
+        <a:defRPr kern="1200" sz="1500">
           <a:solidFill>
             <a:schemeClr val="tx1"/>
           </a:solidFill>
@@ -2938,13 +2941,13 @@
           <a:cs typeface="+mn-cs"/>
         </a:defRPr>
       </a:lvl5pPr>
-      <a:lvl6pPr marL="2057400" indent="-342900" algn="l" defTabSz="342900" rtl="0" eaLnBrk="1" latinLnBrk="0" hangingPunct="1">
+      <a:lvl6pPr algn="l" defTabSz="342900" eaLnBrk="1" hangingPunct="1" indent="-342900" latinLnBrk="0" marL="2057400" rtl="0">
         <a:spcBef>
           <a:spcPct val="20000"/>
         </a:spcBef>
         <a:buFont typeface="Arial"/>
         <a:buChar char="•"/>
-        <a:defRPr sz="1500" kern="1200">
+        <a:defRPr kern="1200" sz="1500">
           <a:solidFill>
             <a:schemeClr val="tx1"/>
           </a:solidFill>
@@ -2953,13 +2956,13 @@
           <a:cs typeface="+mn-cs"/>
         </a:defRPr>
       </a:lvl6pPr>
-      <a:lvl7pPr marL="2400300" indent="-342900" algn="l" defTabSz="342900" rtl="0" eaLnBrk="1" latinLnBrk="0" hangingPunct="1">
+      <a:lvl7pPr algn="l" defTabSz="342900" eaLnBrk="1" hangingPunct="1" indent="-342900" latinLnBrk="0" marL="2400300" rtl="0">
         <a:spcBef>
           <a:spcPct val="20000"/>
         </a:spcBef>
         <a:buFont typeface="Arial"/>
         <a:buChar char="•"/>
-        <a:defRPr sz="1500" kern="1200">
+        <a:defRPr kern="1200" sz="1500">
           <a:solidFill>
             <a:schemeClr val="tx1"/>
           </a:solidFill>
@@ -2968,13 +2971,13 @@
           <a:cs typeface="+mn-cs"/>
         </a:defRPr>
       </a:lvl7pPr>
-      <a:lvl8pPr marL="2743200" indent="-342900" algn="l" defTabSz="342900" rtl="0" eaLnBrk="1" latinLnBrk="0" hangingPunct="1">
+      <a:lvl8pPr algn="l" defTabSz="342900" eaLnBrk="1" hangingPunct="1" indent="-342900" latinLnBrk="0" marL="2743200" rtl="0">
         <a:spcBef>
           <a:spcPct val="20000"/>
         </a:spcBef>
         <a:buFont typeface="Arial"/>
         <a:buChar char="•"/>
-        <a:defRPr sz="1500" kern="1200">
+        <a:defRPr kern="1200" sz="1500">
           <a:solidFill>
             <a:schemeClr val="tx1"/>
           </a:solidFill>
@@ -2983,13 +2986,13 @@
           <a:cs typeface="+mn-cs"/>
         </a:defRPr>
       </a:lvl8pPr>
-      <a:lvl9pPr marL="3086100" indent="-342900" algn="l" defTabSz="342900" rtl="0" eaLnBrk="1" latinLnBrk="0" hangingPunct="1">
+      <a:lvl9pPr algn="l" defTabSz="342900" eaLnBrk="1" hangingPunct="1" indent="-342900" latinLnBrk="0" marL="3086100" rtl="0">
         <a:spcBef>
           <a:spcPct val="20000"/>
         </a:spcBef>
         <a:buFont typeface="Arial"/>
         <a:buChar char="•"/>
-        <a:defRPr sz="1500" kern="1200">
+        <a:defRPr kern="1200" sz="1500">
           <a:solidFill>
             <a:schemeClr val="tx1"/>
           </a:solidFill>
@@ -3003,8 +3006,8 @@
       <a:defPPr>
         <a:defRPr lang="en-US"/>
       </a:defPPr>
-      <a:lvl1pPr marL="0" algn="l" defTabSz="342900" rtl="0" eaLnBrk="1" latinLnBrk="0" hangingPunct="1">
-        <a:defRPr sz="1350" kern="1200">
+      <a:lvl1pPr algn="l" defTabSz="342900" eaLnBrk="1" hangingPunct="1" latinLnBrk="0" marL="0" rtl="0">
+        <a:defRPr kern="1200" sz="1350">
           <a:solidFill>
             <a:schemeClr val="tx1"/>
           </a:solidFill>
@@ -3013,8 +3016,8 @@
           <a:cs typeface="+mn-cs"/>
         </a:defRPr>
       </a:lvl1pPr>
-      <a:lvl2pPr marL="342900" algn="l" defTabSz="342900" rtl="0" eaLnBrk="1" latinLnBrk="0" hangingPunct="1">
-        <a:defRPr sz="1350" kern="1200">
+      <a:lvl2pPr algn="l" defTabSz="342900" eaLnBrk="1" hangingPunct="1" latinLnBrk="0" marL="342900" rtl="0">
+        <a:defRPr kern="1200" sz="1350">
           <a:solidFill>
             <a:schemeClr val="tx1"/>
           </a:solidFill>
@@ -3023,8 +3026,8 @@
           <a:cs typeface="+mn-cs"/>
         </a:defRPr>
       </a:lvl2pPr>
-      <a:lvl3pPr marL="685800" algn="l" defTabSz="342900" rtl="0" eaLnBrk="1" latinLnBrk="0" hangingPunct="1">
-        <a:defRPr sz="1350" kern="1200">
+      <a:lvl3pPr algn="l" defTabSz="342900" eaLnBrk="1" hangingPunct="1" latinLnBrk="0" marL="685800" rtl="0">
+        <a:defRPr kern="1200" sz="1350">
           <a:solidFill>
             <a:schemeClr val="tx1"/>
           </a:solidFill>
@@ -3033,8 +3036,8 @@
           <a:cs typeface="+mn-cs"/>
         </a:defRPr>
       </a:lvl3pPr>
-      <a:lvl4pPr marL="1028700" algn="l" defTabSz="342900" rtl="0" eaLnBrk="1" latinLnBrk="0" hangingPunct="1">
-        <a:defRPr sz="1350" kern="1200">
+      <a:lvl4pPr algn="l" defTabSz="342900" eaLnBrk="1" hangingPunct="1" latinLnBrk="0" marL="1028700" rtl="0">
+        <a:defRPr kern="1200" sz="1350">
           <a:solidFill>
             <a:schemeClr val="tx1"/>
           </a:solidFill>
@@ -3043,8 +3046,8 @@
           <a:cs typeface="+mn-cs"/>
         </a:defRPr>
       </a:lvl4pPr>
-      <a:lvl5pPr marL="1371600" algn="l" defTabSz="342900" rtl="0" eaLnBrk="1" latinLnBrk="0" hangingPunct="1">
-        <a:defRPr sz="1350" kern="1200">
+      <a:lvl5pPr algn="l" defTabSz="342900" eaLnBrk="1" hangingPunct="1" latinLnBrk="0" marL="1371600" rtl="0">
+        <a:defRPr kern="1200" sz="1350">
           <a:solidFill>
             <a:schemeClr val="tx1"/>
           </a:solidFill>
@@ -3053,8 +3056,8 @@
           <a:cs typeface="+mn-cs"/>
         </a:defRPr>
       </a:lvl5pPr>
-      <a:lvl6pPr marL="1714500" algn="l" defTabSz="342900" rtl="0" eaLnBrk="1" latinLnBrk="0" hangingPunct="1">
-        <a:defRPr sz="1350" kern="1200">
+      <a:lvl6pPr algn="l" defTabSz="342900" eaLnBrk="1" hangingPunct="1" latinLnBrk="0" marL="1714500" rtl="0">
+        <a:defRPr kern="1200" sz="1350">
           <a:solidFill>
             <a:schemeClr val="tx1"/>
           </a:solidFill>
@@ -3063,8 +3066,8 @@
           <a:cs typeface="+mn-cs"/>
         </a:defRPr>
       </a:lvl6pPr>
-      <a:lvl7pPr marL="2057400" algn="l" defTabSz="342900" rtl="0" eaLnBrk="1" latinLnBrk="0" hangingPunct="1">
-        <a:defRPr sz="1350" kern="1200">
+      <a:lvl7pPr algn="l" defTabSz="342900" eaLnBrk="1" hangingPunct="1" latinLnBrk="0" marL="2057400" rtl="0">
+        <a:defRPr kern="1200" sz="1350">
           <a:solidFill>
             <a:schemeClr val="tx1"/>
           </a:solidFill>
@@ -3073,8 +3076,8 @@
           <a:cs typeface="+mn-cs"/>
         </a:defRPr>
       </a:lvl7pPr>
-      <a:lvl8pPr marL="2400300" algn="l" defTabSz="342900" rtl="0" eaLnBrk="1" latinLnBrk="0" hangingPunct="1">
-        <a:defRPr sz="1350" kern="1200">
+      <a:lvl8pPr algn="l" defTabSz="342900" eaLnBrk="1" hangingPunct="1" latinLnBrk="0" marL="2400300" rtl="0">
+        <a:defRPr kern="1200" sz="1350">
           <a:solidFill>
             <a:schemeClr val="tx1"/>
           </a:solidFill>
@@ -3083,8 +3086,8 @@
           <a:cs typeface="+mn-cs"/>
         </a:defRPr>
       </a:lvl8pPr>
-      <a:lvl9pPr marL="2743200" algn="l" defTabSz="342900" rtl="0" eaLnBrk="1" latinLnBrk="0" hangingPunct="1">
-        <a:defRPr sz="1350" kern="1200">
+      <a:lvl9pPr algn="l" defTabSz="342900" eaLnBrk="1" hangingPunct="1" latinLnBrk="0" marL="2743200" rtl="0">
+        <a:defRPr kern="1200" sz="1350">
           <a:solidFill>
             <a:schemeClr val="tx1"/>
           </a:solidFill>
@@ -3135,10 +3138,11 @@
           <a:bodyPr/>
           <a:lstStyle/>
           <a:p>
-            <a:pPr marL="0" lvl="0" indent="0">
-              <a:buNone/>
-            </a:pPr>
-            <a:r>
+            <a:pPr lvl="0" indent="0" marL="0">
+              <a:buNone/>
+            </a:pPr>
+            <a:r>
+              <a:rPr/>
               <a:t>Public support for welfare and redistributive policies in Ireland</a:t>
             </a:r>
           </a:p>
@@ -3151,7 +3155,7 @@
             <a:spLocks noGrp="1"/>
           </p:cNvSpPr>
           <p:nvPr>
-            <p:ph type="subTitle" idx="1"/>
+            <p:ph idx="1" type="subTitle"/>
           </p:nvPr>
         </p:nvSpPr>
         <p:spPr>
@@ -3164,12 +3168,13 @@
           <a:bodyPr/>
           <a:lstStyle/>
           <a:p>
-            <a:pPr marL="0" lvl="0" indent="0">
+            <a:pPr lvl="0" indent="0" marL="0">
               <a:buNone/>
             </a:pPr>
             <a:br/>
             <a:br/>
             <a:r>
+              <a:rPr/>
               <a:t>Daniel Capistrano, Bertrand Maître and Helen Russell</a:t>
             </a:r>
           </a:p>
@@ -3182,18 +3187,19 @@
             <a:spLocks noGrp="1"/>
           </p:cNvSpPr>
           <p:nvPr>
-            <p:ph type="dt" sz="half" idx="10"/>
-          </p:nvPr>
-        </p:nvSpPr>
-        <p:spPr/>
-        <p:txBody>
-          <a:bodyPr/>
-          <a:lstStyle/>
-          <a:p>
-            <a:pPr marL="0" lvl="0" indent="0">
-              <a:buNone/>
-            </a:pPr>
-            <a:r>
+            <p:ph idx="10" sz="half" type="dt"/>
+          </p:nvPr>
+        </p:nvSpPr>
+        <p:spPr/>
+        <p:txBody>
+          <a:bodyPr/>
+          <a:lstStyle/>
+          <a:p>
+            <a:pPr lvl="0" indent="0" marL="0">
+              <a:buNone/>
+            </a:pPr>
+            <a:r>
+              <a:rPr/>
               <a:t>February 2026</a:t>
             </a:r>
           </a:p>
@@ -3201,9 +3207,6 @@
       </p:sp>
     </p:spTree>
   </p:cSld>
-  <p:clrMapOvr>
-    <a:masterClrMapping/>
-  </p:clrMapOvr>
 </p:sld>
 </file>
 
@@ -3226,2216 +3229,32 @@
       </p:grpSpPr>
       <p:sp>
         <p:nvSpPr>
-          <p:cNvPr id="2" name="Title 1"/>
-          <p:cNvSpPr>
-            <a:spLocks noGrp="1"/>
-          </p:cNvSpPr>
-          <p:nvPr>
-            <p:ph type="title"/>
-          </p:nvPr>
-        </p:nvSpPr>
-        <p:spPr/>
-        <p:txBody>
-          <a:bodyPr/>
-          <a:lstStyle/>
-          <a:p>
-            <a:pPr marL="0" lvl="0" indent="0">
-              <a:buNone/>
-            </a:pPr>
-            <a:r>
-              <a:t>Support for government action</a:t>
-            </a:r>
-          </a:p>
-        </p:txBody>
-      </p:sp>
-      <p:sp>
-        <p:nvSpPr>
           <p:cNvPr id="3" name="Content Placeholder 2"/>
           <p:cNvSpPr>
             <a:spLocks noGrp="1"/>
           </p:cNvSpPr>
           <p:nvPr>
-            <p:ph sz="half" idx="1"/>
-          </p:nvPr>
-        </p:nvSpPr>
-        <p:spPr/>
-        <p:txBody>
-          <a:bodyPr/>
-          <a:lstStyle/>
-          <a:p>
-            <a:pPr marL="0" lvl="0" indent="0">
-              <a:buNone/>
-            </a:pPr>
-            <a:r>
-              <a:t>3 in 4</a:t>
-            </a:r>
-            <a:br/>
-            <a:r>
-              <a:t>Irish residents agree that the </a:t>
-            </a:r>
-            <a:r>
-              <a:rPr i="1"/>
-              <a:t>government should reduce differences in income</a:t>
-            </a:r>
-            <a:r>
-              <a:t>.</a:t>
+            <p:ph idx="1" sz="half"/>
+          </p:nvPr>
+        </p:nvSpPr>
+        <p:spPr/>
+        <p:txBody>
+          <a:bodyPr/>
+          <a:lstStyle/>
+          <a:p>
+            <a:pPr lvl="0" indent="0" marL="0">
+              <a:buNone/>
+            </a:pPr>
+            <a:r>
+              <a:rPr/>
+              <a:t>The analysis by social class, household income, or “financial situation” show a negative relationship between SES and support for redistribution. But remains over 60% in all groups.</a:t>
             </a:r>
           </a:p>
         </p:txBody>
       </p:sp>
       <p:pic>
         <p:nvPicPr>
-          <p:cNvPr id="4" name="Picture 1" descr="./img/fig_c2_eumap.svg"/>
-          <p:cNvPicPr>
-            <a:picLocks noGrp="1" noChangeAspect="1"/>
-          </p:cNvPicPr>
-          <p:nvPr/>
-        </p:nvPicPr>
-        <p:blipFill>
-          <a:blip r:embed="rId2">
-            <a:extLst>
-              <a:ext uri="{96DAC541-7B7A-43D3-8B79-37D633B846F1}">
-                <asvg:svgBlip xmlns:asvg="http://schemas.microsoft.com/office/drawing/2016/SVG/main" r:embed="rId3"/>
-              </a:ext>
-            </a:extLst>
-          </a:blip>
-          <a:stretch>
-            <a:fillRect/>
-          </a:stretch>
-        </p:blipFill>
-        <p:spPr bwMode="auto">
-          <a:xfrm>
-            <a:off x="4648200" y="1574800"/>
-            <a:ext cx="4038600" cy="2616200"/>
-          </a:xfrm>
-          <a:prstGeom prst="rect">
-            <a:avLst/>
-          </a:prstGeom>
-          <a:noFill/>
-          <a:ln w="9525">
-            <a:noFill/>
-            <a:headEnd/>
-            <a:tailEnd/>
-          </a:ln>
-        </p:spPr>
-      </p:pic>
-    </p:spTree>
-  </p:cSld>
-  <p:clrMapOvr>
-    <a:masterClrMapping/>
-  </p:clrMapOvr>
-</p:sld>
-</file>
-
-<file path=ppt/slides/slide11.xml><?xml version="1.0" encoding="utf-8"?>
-<p:sld xmlns:a="http://schemas.openxmlformats.org/drawingml/2006/main" xmlns:r="http://schemas.openxmlformats.org/officeDocument/2006/relationships" xmlns:p="http://schemas.openxmlformats.org/presentationml/2006/main">
-  <p:cSld>
-    <p:spTree>
-      <p:nvGrpSpPr>
-        <p:cNvPr id="1" name=""/>
-        <p:cNvGrpSpPr/>
-        <p:nvPr/>
-      </p:nvGrpSpPr>
-      <p:grpSpPr>
-        <a:xfrm>
-          <a:off x="0" y="0"/>
-          <a:ext cx="0" cy="0"/>
-          <a:chOff x="0" y="0"/>
-          <a:chExt cx="0" cy="0"/>
-        </a:xfrm>
-      </p:grpSpPr>
-      <p:sp>
-        <p:nvSpPr>
-          <p:cNvPr id="2" name="Title 1"/>
-          <p:cNvSpPr>
-            <a:spLocks noGrp="1"/>
-          </p:cNvSpPr>
-          <p:nvPr>
-            <p:ph type="title"/>
-          </p:nvPr>
-        </p:nvSpPr>
-        <p:spPr/>
-        <p:txBody>
-          <a:bodyPr/>
-          <a:lstStyle/>
-          <a:p>
-            <a:pPr marL="0" lvl="0" indent="0">
-              <a:buNone/>
-            </a:pPr>
-            <a:r>
-              <a:t>Agreement by sex 2002–2024</a:t>
-            </a:r>
-          </a:p>
-        </p:txBody>
-      </p:sp>
-      <p:sp>
-        <p:nvSpPr>
-          <p:cNvPr id="3" name="Content Placeholder 2"/>
-          <p:cNvSpPr>
-            <a:spLocks noGrp="1"/>
-          </p:cNvSpPr>
-          <p:nvPr>
-            <p:ph sz="half" idx="1"/>
-          </p:nvPr>
-        </p:nvSpPr>
-        <p:spPr/>
-        <p:txBody>
-          <a:bodyPr/>
-          <a:lstStyle/>
-          <a:p>
-            <a:pPr marL="0" lvl="0" indent="0">
-              <a:buNone/>
-            </a:pPr>
-            <a:r>
-              <a:t>Considering all 11 rounds of the ESS together, there is a significantly higher support for redistribution among female respondents compared to male respondents.</a:t>
-            </a:r>
-          </a:p>
-        </p:txBody>
-      </p:sp>
-      <p:pic>
-        <p:nvPicPr>
-          <p:cNvPr id="4" name="Picture 1" descr="./img/fig_c2_sex.svg"/>
-          <p:cNvPicPr>
-            <a:picLocks noGrp="1" noChangeAspect="1"/>
-          </p:cNvPicPr>
-          <p:nvPr/>
-        </p:nvPicPr>
-        <p:blipFill>
-          <a:blip r:embed="rId2">
-            <a:extLst>
-              <a:ext uri="{96DAC541-7B7A-43D3-8B79-37D633B846F1}">
-                <asvg:svgBlip xmlns:asvg="http://schemas.microsoft.com/office/drawing/2016/SVG/main" r:embed="rId3"/>
-              </a:ext>
-            </a:extLst>
-          </a:blip>
-          <a:stretch>
-            <a:fillRect/>
-          </a:stretch>
-        </p:blipFill>
-        <p:spPr bwMode="auto">
-          <a:xfrm>
-            <a:off x="4648200" y="1206500"/>
-            <a:ext cx="4038600" cy="3365500"/>
-          </a:xfrm>
-          <a:prstGeom prst="rect">
-            <a:avLst/>
-          </a:prstGeom>
-          <a:noFill/>
-          <a:ln w="9525">
-            <a:noFill/>
-            <a:headEnd/>
-            <a:tailEnd/>
-          </a:ln>
-        </p:spPr>
-      </p:pic>
-    </p:spTree>
-  </p:cSld>
-  <p:clrMapOvr>
-    <a:masterClrMapping/>
-  </p:clrMapOvr>
-</p:sld>
-</file>
-
-<file path=ppt/slides/slide12.xml><?xml version="1.0" encoding="utf-8"?>
-<p:sld xmlns:a="http://schemas.openxmlformats.org/drawingml/2006/main" xmlns:r="http://schemas.openxmlformats.org/officeDocument/2006/relationships" xmlns:p="http://schemas.openxmlformats.org/presentationml/2006/main">
-  <p:cSld>
-    <p:spTree>
-      <p:nvGrpSpPr>
-        <p:cNvPr id="1" name=""/>
-        <p:cNvGrpSpPr/>
-        <p:nvPr/>
-      </p:nvGrpSpPr>
-      <p:grpSpPr>
-        <a:xfrm>
-          <a:off x="0" y="0"/>
-          <a:ext cx="0" cy="0"/>
-          <a:chOff x="0" y="0"/>
-          <a:chExt cx="0" cy="0"/>
-        </a:xfrm>
-      </p:grpSpPr>
-      <p:sp>
-        <p:nvSpPr>
-          <p:cNvPr id="2" name="Title 1"/>
-          <p:cNvSpPr>
-            <a:spLocks noGrp="1"/>
-          </p:cNvSpPr>
-          <p:nvPr>
-            <p:ph type="title"/>
-          </p:nvPr>
-        </p:nvSpPr>
-        <p:spPr/>
-        <p:txBody>
-          <a:bodyPr/>
-          <a:lstStyle/>
-          <a:p>
-            <a:pPr marL="0" lvl="0" indent="0">
-              <a:buNone/>
-            </a:pPr>
-            <a:r>
-              <a:t>Agreement by SES 2002-2024</a:t>
-            </a:r>
-          </a:p>
-        </p:txBody>
-      </p:sp>
-      <p:sp>
-        <p:nvSpPr>
-          <p:cNvPr id="3" name="Content Placeholder 2"/>
-          <p:cNvSpPr>
-            <a:spLocks noGrp="1"/>
-          </p:cNvSpPr>
-          <p:nvPr>
-            <p:ph sz="half" idx="1"/>
-          </p:nvPr>
-        </p:nvSpPr>
-        <p:spPr/>
-        <p:txBody>
-          <a:bodyPr/>
-          <a:lstStyle/>
-          <a:p>
-            <a:pPr marL="0" lvl="0" indent="0">
-              <a:buNone/>
-            </a:pPr>
-            <a:r>
-              <a:t>the analysis by social class, household income, or “financial situation” show a negative relationship between SES and support for redistribution.</a:t>
-            </a:r>
-          </a:p>
-        </p:txBody>
-      </p:sp>
-      <p:pic>
-        <p:nvPicPr>
-          <p:cNvPr id="4" name="Picture 1" descr="./img/fig_c2_class.svg"/>
-          <p:cNvPicPr>
-            <a:picLocks noGrp="1" noChangeAspect="1"/>
-          </p:cNvPicPr>
-          <p:nvPr/>
-        </p:nvPicPr>
-        <p:blipFill>
-          <a:blip r:embed="rId2">
-            <a:extLst>
-              <a:ext uri="{96DAC541-7B7A-43D3-8B79-37D633B846F1}">
-                <asvg:svgBlip xmlns:asvg="http://schemas.microsoft.com/office/drawing/2016/SVG/main" r:embed="rId3"/>
-              </a:ext>
-            </a:extLst>
-          </a:blip>
-          <a:stretch>
-            <a:fillRect/>
-          </a:stretch>
-        </p:blipFill>
-        <p:spPr bwMode="auto">
-          <a:xfrm>
-            <a:off x="4978400" y="1193800"/>
-            <a:ext cx="3390900" cy="3390900"/>
-          </a:xfrm>
-          <a:prstGeom prst="rect">
-            <a:avLst/>
-          </a:prstGeom>
-          <a:noFill/>
-          <a:ln w="9525">
-            <a:noFill/>
-            <a:headEnd/>
-            <a:tailEnd/>
-          </a:ln>
-        </p:spPr>
-      </p:pic>
-    </p:spTree>
-  </p:cSld>
-  <p:clrMapOvr>
-    <a:masterClrMapping/>
-  </p:clrMapOvr>
-</p:sld>
-</file>
-
-<file path=ppt/slides/slide13.xml><?xml version="1.0" encoding="utf-8"?>
-<p:sld xmlns:a="http://schemas.openxmlformats.org/drawingml/2006/main" xmlns:r="http://schemas.openxmlformats.org/officeDocument/2006/relationships" xmlns:p="http://schemas.openxmlformats.org/presentationml/2006/main">
-  <p:cSld>
-    <p:spTree>
-      <p:nvGrpSpPr>
-        <p:cNvPr id="1" name=""/>
-        <p:cNvGrpSpPr/>
-        <p:nvPr/>
-      </p:nvGrpSpPr>
-      <p:grpSpPr>
-        <a:xfrm>
-          <a:off x="0" y="0"/>
-          <a:ext cx="0" cy="0"/>
-          <a:chOff x="0" y="0"/>
-          <a:chExt cx="0" cy="0"/>
-        </a:xfrm>
-      </p:grpSpPr>
-      <p:sp>
-        <p:nvSpPr>
-          <p:cNvPr id="2" name="Title 1"/>
-          <p:cNvSpPr>
-            <a:spLocks noGrp="1"/>
-          </p:cNvSpPr>
-          <p:nvPr>
-            <p:ph type="title"/>
-          </p:nvPr>
-        </p:nvSpPr>
-        <p:spPr/>
-        <p:txBody>
-          <a:bodyPr/>
-          <a:lstStyle/>
-          <a:p>
-            <a:pPr marL="0" lvl="0" indent="0">
-              <a:buNone/>
-            </a:pPr>
-            <a:r>
-              <a:t>Other positive associations</a:t>
-            </a:r>
-          </a:p>
-        </p:txBody>
-      </p:sp>
-      <p:sp>
-        <p:nvSpPr>
-          <p:cNvPr id="3" name="Content Placeholder 2"/>
-          <p:cNvSpPr>
-            <a:spLocks noGrp="1"/>
-          </p:cNvSpPr>
-          <p:nvPr>
-            <p:ph idx="1"/>
-          </p:nvPr>
-        </p:nvSpPr>
-        <p:spPr/>
-        <p:txBody>
-          <a:bodyPr/>
-          <a:lstStyle/>
-          <a:p>
-            <a:pPr lvl="0"/>
-            <a:r>
-              <a:rPr dirty="0"/>
-              <a:t>Born in Ireland</a:t>
-            </a:r>
-          </a:p>
-          <a:p>
-            <a:pPr lvl="0"/>
-            <a:r>
-              <a:rPr dirty="0"/>
-              <a:t>Younger</a:t>
-            </a:r>
-          </a:p>
-          <a:p>
-            <a:pPr lvl="0"/>
-            <a:r>
-              <a:rPr dirty="0"/>
-              <a:t>Left of the political scale</a:t>
-            </a:r>
-          </a:p>
-        </p:txBody>
-      </p:sp>
-    </p:spTree>
-  </p:cSld>
-  <p:clrMapOvr>
-    <a:masterClrMapping/>
-  </p:clrMapOvr>
-</p:sld>
-</file>
-
-<file path=ppt/slides/slide14.xml><?xml version="1.0" encoding="utf-8"?>
-<p:sld xmlns:a="http://schemas.openxmlformats.org/drawingml/2006/main" xmlns:r="http://schemas.openxmlformats.org/officeDocument/2006/relationships" xmlns:p="http://schemas.openxmlformats.org/presentationml/2006/main">
-  <p:cSld>
-    <p:spTree>
-      <p:nvGrpSpPr>
-        <p:cNvPr id="1" name=""/>
-        <p:cNvGrpSpPr/>
-        <p:nvPr/>
-      </p:nvGrpSpPr>
-      <p:grpSpPr>
-        <a:xfrm>
-          <a:off x="0" y="0"/>
-          <a:ext cx="0" cy="0"/>
-          <a:chOff x="0" y="0"/>
-          <a:chExt cx="0" cy="0"/>
-        </a:xfrm>
-      </p:grpSpPr>
-      <p:sp>
-        <p:nvSpPr>
-          <p:cNvPr id="2" name="Title 1"/>
-          <p:cNvSpPr>
-            <a:spLocks noGrp="1"/>
-          </p:cNvSpPr>
-          <p:nvPr>
-            <p:ph type="title"/>
-          </p:nvPr>
-        </p:nvSpPr>
-        <p:spPr>
-          <a:xfrm>
-            <a:off x="722313" y="3305176"/>
-            <a:ext cx="7772400" cy="1021556"/>
-          </a:xfrm>
-        </p:spPr>
-        <p:txBody>
-          <a:bodyPr/>
-          <a:lstStyle/>
-          <a:p>
-            <a:pPr marL="0" lvl="0" indent="0">
-              <a:buNone/>
-            </a:pPr>
-            <a:r>
-              <a:t>Deservingness and beliefs</a:t>
-            </a:r>
-          </a:p>
-        </p:txBody>
-      </p:sp>
-    </p:spTree>
-  </p:cSld>
-  <p:clrMapOvr>
-    <a:masterClrMapping/>
-  </p:clrMapOvr>
-</p:sld>
-</file>
-
-<file path=ppt/slides/slide15.xml><?xml version="1.0" encoding="utf-8"?>
-<p:sld xmlns:a="http://schemas.openxmlformats.org/drawingml/2006/main" xmlns:r="http://schemas.openxmlformats.org/officeDocument/2006/relationships" xmlns:p="http://schemas.openxmlformats.org/presentationml/2006/main">
-  <p:cSld>
-    <p:spTree>
-      <p:nvGrpSpPr>
-        <p:cNvPr id="1" name=""/>
-        <p:cNvGrpSpPr/>
-        <p:nvPr/>
-      </p:nvGrpSpPr>
-      <p:grpSpPr>
-        <a:xfrm>
-          <a:off x="0" y="0"/>
-          <a:ext cx="0" cy="0"/>
-          <a:chOff x="0" y="0"/>
-          <a:chExt cx="0" cy="0"/>
-        </a:xfrm>
-      </p:grpSpPr>
-      <p:sp>
-        <p:nvSpPr>
-          <p:cNvPr id="2" name="Title 1"/>
-          <p:cNvSpPr>
-            <a:spLocks noGrp="1"/>
-          </p:cNvSpPr>
-          <p:nvPr>
-            <p:ph type="title"/>
-          </p:nvPr>
-        </p:nvSpPr>
-        <p:spPr/>
-        <p:txBody>
-          <a:bodyPr/>
-          <a:lstStyle/>
-          <a:p>
-            <a:pPr marL="0" lvl="0" indent="0">
-              <a:buNone/>
-            </a:pPr>
-            <a:r>
-              <a:t>Who should receive higher priority from the government</a:t>
-            </a:r>
-          </a:p>
-        </p:txBody>
-      </p:sp>
-      <p:sp>
-        <p:nvSpPr>
-          <p:cNvPr id="3" name="Content Placeholder 2"/>
-          <p:cNvSpPr>
-            <a:spLocks noGrp="1"/>
-          </p:cNvSpPr>
-          <p:nvPr>
-            <p:ph sz="half" idx="1"/>
-          </p:nvPr>
-        </p:nvSpPr>
-        <p:spPr/>
-        <p:txBody>
-          <a:bodyPr/>
-          <a:lstStyle/>
-          <a:p>
-            <a:pPr marL="0" lvl="0" indent="0">
-              <a:buNone/>
-            </a:pPr>
-            <a:r>
-              <a:t>…government should be least responsible for the unemployed compared to working parents and older citizens.</a:t>
-            </a:r>
-          </a:p>
-        </p:txBody>
-      </p:sp>
-      <p:pic>
-        <p:nvPicPr>
-          <p:cNvPr id="4" name="Picture 1" descr="./img/fig_c3_deservingness.svg"/>
-          <p:cNvPicPr>
-            <a:picLocks noGrp="1" noChangeAspect="1"/>
-          </p:cNvPicPr>
-          <p:nvPr/>
-        </p:nvPicPr>
-        <p:blipFill>
-          <a:blip r:embed="rId2">
-            <a:extLst>
-              <a:ext uri="{96DAC541-7B7A-43D3-8B79-37D633B846F1}">
-                <asvg:svgBlip xmlns:asvg="http://schemas.microsoft.com/office/drawing/2016/SVG/main" r:embed="rId3"/>
-              </a:ext>
-            </a:extLst>
-          </a:blip>
-          <a:stretch>
-            <a:fillRect/>
-          </a:stretch>
-        </p:blipFill>
-        <p:spPr bwMode="auto">
-          <a:xfrm>
-            <a:off x="4800600" y="1193800"/>
-            <a:ext cx="3733800" cy="3390900"/>
-          </a:xfrm>
-          <a:prstGeom prst="rect">
-            <a:avLst/>
-          </a:prstGeom>
-          <a:noFill/>
-          <a:ln w="9525">
-            <a:noFill/>
-            <a:headEnd/>
-            <a:tailEnd/>
-          </a:ln>
-        </p:spPr>
-      </p:pic>
-    </p:spTree>
-  </p:cSld>
-  <p:clrMapOvr>
-    <a:masterClrMapping/>
-  </p:clrMapOvr>
-</p:sld>
-</file>
-
-<file path=ppt/slides/slide16.xml><?xml version="1.0" encoding="utf-8"?>
-<p:sld xmlns:a="http://schemas.openxmlformats.org/drawingml/2006/main" xmlns:r="http://schemas.openxmlformats.org/officeDocument/2006/relationships" xmlns:p="http://schemas.openxmlformats.org/presentationml/2006/main">
-  <p:cSld>
-    <p:spTree>
-      <p:nvGrpSpPr>
-        <p:cNvPr id="1" name=""/>
-        <p:cNvGrpSpPr/>
-        <p:nvPr/>
-      </p:nvGrpSpPr>
-      <p:grpSpPr>
-        <a:xfrm>
-          <a:off x="0" y="0"/>
-          <a:ext cx="0" cy="0"/>
-          <a:chOff x="0" y="0"/>
-          <a:chExt cx="0" cy="0"/>
-        </a:xfrm>
-      </p:grpSpPr>
-      <p:sp>
-        <p:nvSpPr>
-          <p:cNvPr id="2" name="Title 1"/>
-          <p:cNvSpPr>
-            <a:spLocks noGrp="1"/>
-          </p:cNvSpPr>
-          <p:nvPr>
-            <p:ph type="title"/>
-          </p:nvPr>
-        </p:nvSpPr>
-        <p:spPr/>
-        <p:txBody>
-          <a:bodyPr/>
-          <a:lstStyle/>
-          <a:p>
-            <a:pPr marL="0" lvl="0" indent="0">
-              <a:buNone/>
-            </a:pPr>
-            <a:r>
-              <a:t>Beliefs about social benefits</a:t>
-            </a:r>
-          </a:p>
-        </p:txBody>
-      </p:sp>
-      <p:pic>
-        <p:nvPicPr>
-          <p:cNvPr id="3" name="Picture 1" descr="./img/fig_c3_benefits.svg"/>
-          <p:cNvPicPr>
-            <a:picLocks noGrp="1" noChangeAspect="1"/>
-          </p:cNvPicPr>
-          <p:nvPr/>
-        </p:nvPicPr>
-        <p:blipFill>
-          <a:blip r:embed="rId2">
-            <a:extLst>
-              <a:ext uri="{96DAC541-7B7A-43D3-8B79-37D633B846F1}">
-                <asvg:svgBlip xmlns:asvg="http://schemas.microsoft.com/office/drawing/2016/SVG/main" r:embed="rId3"/>
-              </a:ext>
-            </a:extLst>
-          </a:blip>
-          <a:stretch>
-            <a:fillRect/>
-          </a:stretch>
-        </p:blipFill>
-        <p:spPr bwMode="auto">
-          <a:xfrm>
-            <a:off x="1524000" y="1193800"/>
-            <a:ext cx="6108700" cy="3390900"/>
-          </a:xfrm>
-          <a:prstGeom prst="rect">
-            <a:avLst/>
-          </a:prstGeom>
-          <a:noFill/>
-          <a:ln w="9525">
-            <a:noFill/>
-            <a:headEnd/>
-            <a:tailEnd/>
-          </a:ln>
-        </p:spPr>
-      </p:pic>
-    </p:spTree>
-  </p:cSld>
-  <p:clrMapOvr>
-    <a:masterClrMapping/>
-  </p:clrMapOvr>
-</p:sld>
-</file>
-
-<file path=ppt/slides/slide17.xml><?xml version="1.0" encoding="utf-8"?>
-<p:sld xmlns:a="http://schemas.openxmlformats.org/drawingml/2006/main" xmlns:r="http://schemas.openxmlformats.org/officeDocument/2006/relationships" xmlns:p="http://schemas.openxmlformats.org/presentationml/2006/main">
-  <p:cSld>
-    <p:spTree>
-      <p:nvGrpSpPr>
-        <p:cNvPr id="1" name=""/>
-        <p:cNvGrpSpPr/>
-        <p:nvPr/>
-      </p:nvGrpSpPr>
-      <p:grpSpPr>
-        <a:xfrm>
-          <a:off x="0" y="0"/>
-          <a:ext cx="0" cy="0"/>
-          <a:chOff x="0" y="0"/>
-          <a:chExt cx="0" cy="0"/>
-        </a:xfrm>
-      </p:grpSpPr>
-      <p:sp>
-        <p:nvSpPr>
-          <p:cNvPr id="2" name="Title 1"/>
-          <p:cNvSpPr>
-            <a:spLocks noGrp="1"/>
-          </p:cNvSpPr>
-          <p:nvPr>
-            <p:ph type="title"/>
-          </p:nvPr>
-        </p:nvSpPr>
-        <p:spPr/>
-        <p:txBody>
-          <a:bodyPr/>
-          <a:lstStyle/>
-          <a:p>
-            <a:pPr marL="0" lvl="0" indent="0">
-              <a:buNone/>
-            </a:pPr>
-            <a:r>
-              <a:t>Perceptions on fairness</a:t>
-            </a:r>
-          </a:p>
-        </p:txBody>
-      </p:sp>
-      <p:pic>
-        <p:nvPicPr>
-          <p:cNvPr id="3" name="Picture 1" descr="./img/fig_c3_fairness.svg"/>
-          <p:cNvPicPr>
-            <a:picLocks noGrp="1" noChangeAspect="1"/>
-          </p:cNvPicPr>
-          <p:nvPr/>
-        </p:nvPicPr>
-        <p:blipFill>
-          <a:blip r:embed="rId2">
-            <a:extLst>
-              <a:ext uri="{96DAC541-7B7A-43D3-8B79-37D633B846F1}">
-                <asvg:svgBlip xmlns:asvg="http://schemas.microsoft.com/office/drawing/2016/SVG/main" r:embed="rId3"/>
-              </a:ext>
-            </a:extLst>
-          </a:blip>
-          <a:stretch>
-            <a:fillRect/>
-          </a:stretch>
-        </p:blipFill>
-        <p:spPr bwMode="auto">
-          <a:xfrm>
-            <a:off x="2540000" y="1193800"/>
-            <a:ext cx="4064000" cy="3390900"/>
-          </a:xfrm>
-          <a:prstGeom prst="rect">
-            <a:avLst/>
-          </a:prstGeom>
-          <a:noFill/>
-          <a:ln w="9525">
-            <a:noFill/>
-            <a:headEnd/>
-            <a:tailEnd/>
-          </a:ln>
-        </p:spPr>
-      </p:pic>
-    </p:spTree>
-  </p:cSld>
-  <p:clrMapOvr>
-    <a:masterClrMapping/>
-  </p:clrMapOvr>
-</p:sld>
-</file>
-
-<file path=ppt/slides/slide18.xml><?xml version="1.0" encoding="utf-8"?>
-<p:sld xmlns:a="http://schemas.openxmlformats.org/drawingml/2006/main" xmlns:r="http://schemas.openxmlformats.org/officeDocument/2006/relationships" xmlns:p="http://schemas.openxmlformats.org/presentationml/2006/main">
-  <p:cSld>
-    <p:spTree>
-      <p:nvGrpSpPr>
-        <p:cNvPr id="1" name=""/>
-        <p:cNvGrpSpPr/>
-        <p:nvPr/>
-      </p:nvGrpSpPr>
-      <p:grpSpPr>
-        <a:xfrm>
-          <a:off x="0" y="0"/>
-          <a:ext cx="0" cy="0"/>
-          <a:chOff x="0" y="0"/>
-          <a:chExt cx="0" cy="0"/>
-        </a:xfrm>
-      </p:grpSpPr>
-      <p:sp>
-        <p:nvSpPr>
-          <p:cNvPr id="2" name="Title 1"/>
-          <p:cNvSpPr>
-            <a:spLocks noGrp="1"/>
-          </p:cNvSpPr>
-          <p:nvPr>
-            <p:ph type="title"/>
-          </p:nvPr>
-        </p:nvSpPr>
-        <p:spPr/>
-        <p:txBody>
-          <a:bodyPr/>
-          <a:lstStyle/>
-          <a:p>
-            <a:pPr marL="0" lvl="0" indent="0">
-              <a:buNone/>
-            </a:pPr>
-            <a:r>
-              <a:t>Taxes</a:t>
-            </a:r>
-          </a:p>
-        </p:txBody>
-      </p:sp>
-      <p:sp>
-        <p:nvSpPr>
-          <p:cNvPr id="3" name="Content Placeholder 2"/>
-          <p:cNvSpPr>
-            <a:spLocks noGrp="1"/>
-          </p:cNvSpPr>
-          <p:nvPr>
-            <p:ph idx="1"/>
-          </p:nvPr>
-        </p:nvSpPr>
-        <p:spPr/>
-        <p:txBody>
-          <a:bodyPr/>
-          <a:lstStyle/>
-          <a:p>
-            <a:pPr marL="0" lvl="0" indent="0">
-              <a:buNone/>
-            </a:pPr>
-            <a:r>
-              <a:t>1 in 3</a:t>
-            </a:r>
-            <a:br/>
-            <a:r>
-              <a:t>Irish residents indicated that they </a:t>
-            </a:r>
-            <a:r>
-              <a:rPr i="1"/>
-              <a:t>agree with higher taxes if it means more or better public services</a:t>
-            </a:r>
-            <a:r>
-              <a:t>. This is the 6th highest percentage across 27 EU countries.</a:t>
-            </a:r>
-          </a:p>
-          <a:p>
-            <a:pPr marL="0" lvl="0" indent="0">
-              <a:buNone/>
-            </a:pPr>
-            <a:r>
-              <a:t>Source: Authors’ own analysis of the Eurobarometer Flash Survey 2025.</a:t>
-            </a:r>
-          </a:p>
-        </p:txBody>
-      </p:sp>
-    </p:spTree>
-  </p:cSld>
-  <p:clrMapOvr>
-    <a:masterClrMapping/>
-  </p:clrMapOvr>
-</p:sld>
-</file>
-
-<file path=ppt/slides/slide19.xml><?xml version="1.0" encoding="utf-8"?>
-<p:sld xmlns:a="http://schemas.openxmlformats.org/drawingml/2006/main" xmlns:r="http://schemas.openxmlformats.org/officeDocument/2006/relationships" xmlns:p="http://schemas.openxmlformats.org/presentationml/2006/main">
-  <p:cSld>
-    <p:spTree>
-      <p:nvGrpSpPr>
-        <p:cNvPr id="1" name=""/>
-        <p:cNvGrpSpPr/>
-        <p:nvPr/>
-      </p:nvGrpSpPr>
-      <p:grpSpPr>
-        <a:xfrm>
-          <a:off x="0" y="0"/>
-          <a:ext cx="0" cy="0"/>
-          <a:chOff x="0" y="0"/>
-          <a:chExt cx="0" cy="0"/>
-        </a:xfrm>
-      </p:grpSpPr>
-      <p:sp>
-        <p:nvSpPr>
-          <p:cNvPr id="2" name="Title 1"/>
-          <p:cNvSpPr>
-            <a:spLocks noGrp="1"/>
-          </p:cNvSpPr>
-          <p:nvPr>
-            <p:ph type="title"/>
-          </p:nvPr>
-        </p:nvSpPr>
-        <p:spPr>
-          <a:xfrm>
-            <a:off x="722313" y="3305176"/>
-            <a:ext cx="7772400" cy="1021556"/>
-          </a:xfrm>
-        </p:spPr>
-        <p:txBody>
-          <a:bodyPr/>
-          <a:lstStyle/>
-          <a:p>
-            <a:pPr marL="0" lvl="0" indent="0">
-              <a:buNone/>
-            </a:pPr>
-            <a:r>
-              <a:t>Change over time</a:t>
-            </a:r>
-          </a:p>
-        </p:txBody>
-      </p:sp>
-    </p:spTree>
-  </p:cSld>
-  <p:clrMapOvr>
-    <a:masterClrMapping/>
-  </p:clrMapOvr>
-</p:sld>
-</file>
-
-<file path=ppt/slides/slide2.xml><?xml version="1.0" encoding="utf-8"?>
-<p:sld xmlns:a="http://schemas.openxmlformats.org/drawingml/2006/main" xmlns:r="http://schemas.openxmlformats.org/officeDocument/2006/relationships" xmlns:p="http://schemas.openxmlformats.org/presentationml/2006/main">
-  <p:cSld>
-    <p:spTree>
-      <p:nvGrpSpPr>
-        <p:cNvPr id="1" name=""/>
-        <p:cNvGrpSpPr/>
-        <p:nvPr/>
-      </p:nvGrpSpPr>
-      <p:grpSpPr>
-        <a:xfrm>
-          <a:off x="0" y="0"/>
-          <a:ext cx="0" cy="0"/>
-          <a:chOff x="0" y="0"/>
-          <a:chExt cx="0" cy="0"/>
-        </a:xfrm>
-      </p:grpSpPr>
-      <p:sp>
-        <p:nvSpPr>
-          <p:cNvPr id="2" name="Title 1"/>
-          <p:cNvSpPr>
-            <a:spLocks noGrp="1"/>
-          </p:cNvSpPr>
-          <p:nvPr>
-            <p:ph type="title"/>
-          </p:nvPr>
-        </p:nvSpPr>
-        <p:spPr>
-          <a:xfrm>
-            <a:off x="722313" y="3305176"/>
-            <a:ext cx="7772400" cy="1021556"/>
-          </a:xfrm>
-        </p:spPr>
-        <p:txBody>
-          <a:bodyPr/>
-          <a:lstStyle/>
-          <a:p>
-            <a:pPr marL="0" lvl="0" indent="0">
-              <a:buNone/>
-            </a:pPr>
-            <a:r>
-              <a:t>Why?</a:t>
-            </a:r>
-          </a:p>
-        </p:txBody>
-      </p:sp>
-    </p:spTree>
-  </p:cSld>
-  <p:clrMapOvr>
-    <a:masterClrMapping/>
-  </p:clrMapOvr>
-</p:sld>
-</file>
-
-<file path=ppt/slides/slide20.xml><?xml version="1.0" encoding="utf-8"?>
-<p:sld xmlns:a="http://schemas.openxmlformats.org/drawingml/2006/main" xmlns:r="http://schemas.openxmlformats.org/officeDocument/2006/relationships" xmlns:p="http://schemas.openxmlformats.org/presentationml/2006/main">
-  <p:cSld>
-    <p:spTree>
-      <p:nvGrpSpPr>
-        <p:cNvPr id="1" name=""/>
-        <p:cNvGrpSpPr/>
-        <p:nvPr/>
-      </p:nvGrpSpPr>
-      <p:grpSpPr>
-        <a:xfrm>
-          <a:off x="0" y="0"/>
-          <a:ext cx="0" cy="0"/>
-          <a:chOff x="0" y="0"/>
-          <a:chExt cx="0" cy="0"/>
-        </a:xfrm>
-      </p:grpSpPr>
-      <p:sp>
-        <p:nvSpPr>
-          <p:cNvPr id="2" name="Title 1"/>
-          <p:cNvSpPr>
-            <a:spLocks noGrp="1"/>
-          </p:cNvSpPr>
-          <p:nvPr>
-            <p:ph type="title"/>
-          </p:nvPr>
-        </p:nvSpPr>
-        <p:spPr/>
-        <p:txBody>
-          <a:bodyPr/>
-          <a:lstStyle/>
-          <a:p>
-            <a:pPr marL="0" lvl="0" indent="0">
-              <a:buNone/>
-            </a:pPr>
-            <a:r>
-              <a:t>Support for government action</a:t>
-            </a:r>
-          </a:p>
-        </p:txBody>
-      </p:sp>
-      <p:pic>
-        <p:nvPicPr>
-          <p:cNvPr id="3" name="Picture 1" descr="./img/fig_c4_eutime.svg"/>
-          <p:cNvPicPr>
-            <a:picLocks noGrp="1" noChangeAspect="1"/>
-          </p:cNvPicPr>
-          <p:nvPr/>
-        </p:nvPicPr>
-        <p:blipFill>
-          <a:blip r:embed="rId2">
-            <a:extLst>
-              <a:ext uri="{96DAC541-7B7A-43D3-8B79-37D633B846F1}">
-                <asvg:svgBlip xmlns:asvg="http://schemas.microsoft.com/office/drawing/2016/SVG/main" r:embed="rId3"/>
-              </a:ext>
-            </a:extLst>
-          </a:blip>
-          <a:stretch>
-            <a:fillRect/>
-          </a:stretch>
-        </p:blipFill>
-        <p:spPr bwMode="auto">
-          <a:xfrm>
-            <a:off x="2197100" y="1193800"/>
-            <a:ext cx="4749800" cy="3390900"/>
-          </a:xfrm>
-          <a:prstGeom prst="rect">
-            <a:avLst/>
-          </a:prstGeom>
-          <a:noFill/>
-          <a:ln w="9525">
-            <a:noFill/>
-            <a:headEnd/>
-            <a:tailEnd/>
-          </a:ln>
-        </p:spPr>
-      </p:pic>
-    </p:spTree>
-  </p:cSld>
-  <p:clrMapOvr>
-    <a:masterClrMapping/>
-  </p:clrMapOvr>
-</p:sld>
-</file>
-
-<file path=ppt/slides/slide21.xml><?xml version="1.0" encoding="utf-8"?>
-<p:sld xmlns:a="http://schemas.openxmlformats.org/drawingml/2006/main" xmlns:r="http://schemas.openxmlformats.org/officeDocument/2006/relationships" xmlns:p="http://schemas.openxmlformats.org/presentationml/2006/main">
-  <p:cSld>
-    <p:spTree>
-      <p:nvGrpSpPr>
-        <p:cNvPr id="1" name=""/>
-        <p:cNvGrpSpPr/>
-        <p:nvPr/>
-      </p:nvGrpSpPr>
-      <p:grpSpPr>
-        <a:xfrm>
-          <a:off x="0" y="0"/>
-          <a:ext cx="0" cy="0"/>
-          <a:chOff x="0" y="0"/>
-          <a:chExt cx="0" cy="0"/>
-        </a:xfrm>
-      </p:grpSpPr>
-      <p:sp>
-        <p:nvSpPr>
-          <p:cNvPr id="2" name="Title 1"/>
-          <p:cNvSpPr>
-            <a:spLocks noGrp="1"/>
-          </p:cNvSpPr>
-          <p:nvPr>
-            <p:ph type="title"/>
-          </p:nvPr>
-        </p:nvSpPr>
-        <p:spPr/>
-        <p:txBody>
-          <a:bodyPr/>
-          <a:lstStyle/>
-          <a:p>
-            <a:pPr marL="0" lvl="0" indent="0">
-              <a:buNone/>
-            </a:pPr>
-            <a:r>
-              <a:t>COVID19</a:t>
-            </a:r>
-          </a:p>
-        </p:txBody>
-      </p:sp>
-      <p:sp>
-        <p:nvSpPr>
-          <p:cNvPr id="3" name="Content Placeholder 2"/>
-          <p:cNvSpPr>
-            <a:spLocks noGrp="1"/>
-          </p:cNvSpPr>
-          <p:nvPr>
-            <p:ph sz="half" idx="1"/>
-          </p:nvPr>
-        </p:nvSpPr>
-        <p:spPr/>
-        <p:txBody>
-          <a:bodyPr/>
-          <a:lstStyle/>
-          <a:p>
-            <a:pPr marL="0" lvl="0" indent="0">
-              <a:buNone/>
-            </a:pPr>
-            <a:br/>
-            <a:r>
-              <a:t>Those who experienced job loss during the COVID19 pandemic are more supportive of redistribution, regardless of their financial situation or social class.</a:t>
-            </a:r>
-          </a:p>
-        </p:txBody>
-      </p:sp>
-      <p:pic>
-        <p:nvPicPr>
-          <p:cNvPr id="4" name="Picture 1" descr="./img/fig_c4_covid.svg"/>
-          <p:cNvPicPr>
-            <a:picLocks noGrp="1" noChangeAspect="1"/>
-          </p:cNvPicPr>
-          <p:nvPr/>
-        </p:nvPicPr>
-        <p:blipFill>
-          <a:blip r:embed="rId2">
-            <a:extLst>
-              <a:ext uri="{96DAC541-7B7A-43D3-8B79-37D633B846F1}">
-                <asvg:svgBlip xmlns:asvg="http://schemas.microsoft.com/office/drawing/2016/SVG/main" r:embed="rId3"/>
-              </a:ext>
-            </a:extLst>
-          </a:blip>
-          <a:stretch>
-            <a:fillRect/>
-          </a:stretch>
-        </p:blipFill>
-        <p:spPr bwMode="auto">
-          <a:xfrm>
-            <a:off x="4648200" y="1206500"/>
-            <a:ext cx="4038600" cy="3365500"/>
-          </a:xfrm>
-          <a:prstGeom prst="rect">
-            <a:avLst/>
-          </a:prstGeom>
-          <a:noFill/>
-          <a:ln w="9525">
-            <a:noFill/>
-            <a:headEnd/>
-            <a:tailEnd/>
-          </a:ln>
-        </p:spPr>
-      </p:pic>
-    </p:spTree>
-  </p:cSld>
-  <p:clrMapOvr>
-    <a:masterClrMapping/>
-  </p:clrMapOvr>
-</p:sld>
-</file>
-
-<file path=ppt/slides/slide22.xml><?xml version="1.0" encoding="utf-8"?>
-<p:sld xmlns:a="http://schemas.openxmlformats.org/drawingml/2006/main" xmlns:r="http://schemas.openxmlformats.org/officeDocument/2006/relationships" xmlns:p="http://schemas.openxmlformats.org/presentationml/2006/main">
-  <p:cSld>
-    <p:spTree>
-      <p:nvGrpSpPr>
-        <p:cNvPr id="1" name=""/>
-        <p:cNvGrpSpPr/>
-        <p:nvPr/>
-      </p:nvGrpSpPr>
-      <p:grpSpPr>
-        <a:xfrm>
-          <a:off x="0" y="0"/>
-          <a:ext cx="0" cy="0"/>
-          <a:chOff x="0" y="0"/>
-          <a:chExt cx="0" cy="0"/>
-        </a:xfrm>
-      </p:grpSpPr>
-      <p:sp>
-        <p:nvSpPr>
-          <p:cNvPr id="2" name="Title 1"/>
-          <p:cNvSpPr>
-            <a:spLocks noGrp="1"/>
-          </p:cNvSpPr>
-          <p:nvPr>
-            <p:ph type="title"/>
-          </p:nvPr>
-        </p:nvSpPr>
-        <p:spPr/>
-        <p:txBody>
-          <a:bodyPr/>
-          <a:lstStyle/>
-          <a:p>
-            <a:pPr marL="0" lvl="0" indent="0">
-              <a:buNone/>
-            </a:pPr>
-            <a:r>
-              <a:t>Government campaign</a:t>
-            </a:r>
-          </a:p>
-        </p:txBody>
-      </p:sp>
-      <p:pic>
-        <p:nvPicPr>
-          <p:cNvPr id="3" name="Picture 1" descr="./img/dsp_bus.jpg"/>
-          <p:cNvPicPr>
-            <a:picLocks noGrp="1" noChangeAspect="1"/>
-          </p:cNvPicPr>
-          <p:nvPr/>
-        </p:nvPicPr>
-        <p:blipFill>
-          <a:blip r:embed="rId2"/>
-          <a:stretch>
-            <a:fillRect/>
-          </a:stretch>
-        </p:blipFill>
-        <p:spPr bwMode="auto">
-          <a:xfrm>
-            <a:off x="2006600" y="1193800"/>
-            <a:ext cx="5130800" cy="3390900"/>
-          </a:xfrm>
-          <a:prstGeom prst="rect">
-            <a:avLst/>
-          </a:prstGeom>
-          <a:noFill/>
-          <a:ln w="9525">
-            <a:noFill/>
-            <a:headEnd/>
-            <a:tailEnd/>
-          </a:ln>
-        </p:spPr>
-      </p:pic>
-    </p:spTree>
-  </p:cSld>
-  <p:clrMapOvr>
-    <a:masterClrMapping/>
-  </p:clrMapOvr>
-</p:sld>
-</file>
-
-<file path=ppt/slides/slide23.xml><?xml version="1.0" encoding="utf-8"?>
-<p:sld xmlns:a="http://schemas.openxmlformats.org/drawingml/2006/main" xmlns:r="http://schemas.openxmlformats.org/officeDocument/2006/relationships" xmlns:p="http://schemas.openxmlformats.org/presentationml/2006/main">
-  <p:cSld>
-    <p:spTree>
-      <p:nvGrpSpPr>
-        <p:cNvPr id="1" name=""/>
-        <p:cNvGrpSpPr/>
-        <p:nvPr/>
-      </p:nvGrpSpPr>
-      <p:grpSpPr>
-        <a:xfrm>
-          <a:off x="0" y="0"/>
-          <a:ext cx="0" cy="0"/>
-          <a:chOff x="0" y="0"/>
-          <a:chExt cx="0" cy="0"/>
-        </a:xfrm>
-      </p:grpSpPr>
-      <p:sp>
-        <p:nvSpPr>
-          <p:cNvPr id="2" name="Title 1"/>
-          <p:cNvSpPr>
-            <a:spLocks noGrp="1"/>
-          </p:cNvSpPr>
-          <p:nvPr>
-            <p:ph type="title"/>
-          </p:nvPr>
-        </p:nvSpPr>
-        <p:spPr/>
-        <p:txBody>
-          <a:bodyPr/>
-          <a:lstStyle/>
-          <a:p>
-            <a:pPr marL="0" lvl="0" indent="0">
-              <a:buNone/>
-            </a:pPr>
-            <a:r>
-              <a:t>Government campaign</a:t>
-            </a:r>
-          </a:p>
-        </p:txBody>
-      </p:sp>
-      <p:sp>
-        <p:nvSpPr>
-          <p:cNvPr id="3" name="Content Placeholder 2"/>
-          <p:cNvSpPr>
-            <a:spLocks noGrp="1"/>
-          </p:cNvSpPr>
-          <p:nvPr>
-            <p:ph sz="half" idx="1"/>
-          </p:nvPr>
-        </p:nvSpPr>
-        <p:spPr/>
-        <p:txBody>
-          <a:bodyPr/>
-          <a:lstStyle/>
-          <a:p>
-            <a:pPr marL="0" lvl="0" indent="0">
-              <a:buNone/>
-            </a:pPr>
-            <a:r>
-              <a:t>… seven-day exponential moving average of three variables in the 30-day time window around the launch of the campaign on 17 April 2017.</a:t>
-            </a:r>
-          </a:p>
-        </p:txBody>
-      </p:sp>
-      <p:pic>
-        <p:nvPicPr>
-          <p:cNvPr id="4" name="Picture 1" descr="./img/fig_c4_dsp_mean.svg"/>
-          <p:cNvPicPr>
-            <a:picLocks noGrp="1" noChangeAspect="1"/>
-          </p:cNvPicPr>
-          <p:nvPr/>
-        </p:nvPicPr>
-        <p:blipFill>
-          <a:blip r:embed="rId2">
-            <a:extLst>
-              <a:ext uri="{96DAC541-7B7A-43D3-8B79-37D633B846F1}">
-                <asvg:svgBlip xmlns:asvg="http://schemas.microsoft.com/office/drawing/2016/SVG/main" r:embed="rId3"/>
-              </a:ext>
-            </a:extLst>
-          </a:blip>
-          <a:stretch>
-            <a:fillRect/>
-          </a:stretch>
-        </p:blipFill>
-        <p:spPr bwMode="auto">
-          <a:xfrm>
-            <a:off x="5461000" y="1193800"/>
-            <a:ext cx="2425700" cy="3390900"/>
-          </a:xfrm>
-          <a:prstGeom prst="rect">
-            <a:avLst/>
-          </a:prstGeom>
-          <a:noFill/>
-          <a:ln w="9525">
-            <a:noFill/>
-            <a:headEnd/>
-            <a:tailEnd/>
-          </a:ln>
-        </p:spPr>
-      </p:pic>
-    </p:spTree>
-  </p:cSld>
-  <p:clrMapOvr>
-    <a:masterClrMapping/>
-  </p:clrMapOvr>
-</p:sld>
-</file>
-
-<file path=ppt/slides/slide24.xml><?xml version="1.0" encoding="utf-8"?>
-<p:sld xmlns:a="http://schemas.openxmlformats.org/drawingml/2006/main" xmlns:r="http://schemas.openxmlformats.org/officeDocument/2006/relationships" xmlns:p="http://schemas.openxmlformats.org/presentationml/2006/main">
-  <p:cSld>
-    <p:spTree>
-      <p:nvGrpSpPr>
-        <p:cNvPr id="1" name=""/>
-        <p:cNvGrpSpPr/>
-        <p:nvPr/>
-      </p:nvGrpSpPr>
-      <p:grpSpPr>
-        <a:xfrm>
-          <a:off x="0" y="0"/>
-          <a:ext cx="0" cy="0"/>
-          <a:chOff x="0" y="0"/>
-          <a:chExt cx="0" cy="0"/>
-        </a:xfrm>
-      </p:grpSpPr>
-      <p:sp>
-        <p:nvSpPr>
-          <p:cNvPr id="2" name="Title 1"/>
-          <p:cNvSpPr>
-            <a:spLocks noGrp="1"/>
-          </p:cNvSpPr>
-          <p:nvPr>
-            <p:ph type="title"/>
-          </p:nvPr>
-        </p:nvSpPr>
-        <p:spPr/>
-        <p:txBody>
-          <a:bodyPr/>
-          <a:lstStyle/>
-          <a:p>
-            <a:pPr marL="0" lvl="0" indent="0">
-              <a:buNone/>
-            </a:pPr>
-            <a:r>
-              <a:t>Government campaign</a:t>
-            </a:r>
-          </a:p>
-        </p:txBody>
-      </p:sp>
-      <p:sp>
-        <p:nvSpPr>
-          <p:cNvPr id="3" name="Content Placeholder 2"/>
-          <p:cNvSpPr>
-            <a:spLocks noGrp="1"/>
-          </p:cNvSpPr>
-          <p:nvPr>
-            <p:ph sz="half" idx="1"/>
-          </p:nvPr>
-        </p:nvSpPr>
-        <p:spPr/>
-        <p:txBody>
-          <a:bodyPr/>
-          <a:lstStyle/>
-          <a:p>
-            <a:pPr marL="0" lvl="0" indent="0">
-              <a:buNone/>
-            </a:pPr>
-            <a:r>
-              <a:t>statistically significant decrease on the level of agreement that social benefits prevents poverty among interviews conducted after the launch of the campaign compared to those interviewed before the launch.</a:t>
-            </a:r>
-          </a:p>
-        </p:txBody>
-      </p:sp>
-      <p:pic>
-        <p:nvPicPr>
-          <p:cNvPr id="4" name="Picture 1" descr="./img/fig_c4_dsp_model.svg"/>
-          <p:cNvPicPr>
-            <a:picLocks noGrp="1" noChangeAspect="1"/>
-          </p:cNvPicPr>
-          <p:nvPr/>
-        </p:nvPicPr>
-        <p:blipFill>
-          <a:blip r:embed="rId2">
-            <a:extLst>
-              <a:ext uri="{96DAC541-7B7A-43D3-8B79-37D633B846F1}">
-                <asvg:svgBlip xmlns:asvg="http://schemas.microsoft.com/office/drawing/2016/SVG/main" r:embed="rId3"/>
-              </a:ext>
-            </a:extLst>
-          </a:blip>
-          <a:stretch>
-            <a:fillRect/>
-          </a:stretch>
-        </p:blipFill>
-        <p:spPr bwMode="auto">
-          <a:xfrm>
-            <a:off x="4800600" y="1193800"/>
-            <a:ext cx="3733800" cy="3390900"/>
-          </a:xfrm>
-          <a:prstGeom prst="rect">
-            <a:avLst/>
-          </a:prstGeom>
-          <a:noFill/>
-          <a:ln w="9525">
-            <a:noFill/>
-            <a:headEnd/>
-            <a:tailEnd/>
-          </a:ln>
-        </p:spPr>
-      </p:pic>
-    </p:spTree>
-  </p:cSld>
-  <p:clrMapOvr>
-    <a:masterClrMapping/>
-  </p:clrMapOvr>
-</p:sld>
-</file>
-
-<file path=ppt/slides/slide25.xml><?xml version="1.0" encoding="utf-8"?>
-<p:sld xmlns:a="http://schemas.openxmlformats.org/drawingml/2006/main" xmlns:r="http://schemas.openxmlformats.org/officeDocument/2006/relationships" xmlns:p="http://schemas.openxmlformats.org/presentationml/2006/main">
-  <p:cSld>
-    <p:spTree>
-      <p:nvGrpSpPr>
-        <p:cNvPr id="1" name=""/>
-        <p:cNvGrpSpPr/>
-        <p:nvPr/>
-      </p:nvGrpSpPr>
-      <p:grpSpPr>
-        <a:xfrm>
-          <a:off x="0" y="0"/>
-          <a:ext cx="0" cy="0"/>
-          <a:chOff x="0" y="0"/>
-          <a:chExt cx="0" cy="0"/>
-        </a:xfrm>
-      </p:grpSpPr>
-      <p:sp>
-        <p:nvSpPr>
-          <p:cNvPr id="2" name="Title 1"/>
-          <p:cNvSpPr>
-            <a:spLocks noGrp="1"/>
-          </p:cNvSpPr>
-          <p:nvPr>
-            <p:ph type="title"/>
-          </p:nvPr>
-        </p:nvSpPr>
-        <p:spPr/>
-        <p:txBody>
-          <a:bodyPr/>
-          <a:lstStyle/>
-          <a:p>
-            <a:pPr marL="0" lvl="0" indent="0">
-              <a:buNone/>
-            </a:pPr>
-            <a:r>
-              <a:t>Conclusions</a:t>
-            </a:r>
-          </a:p>
-        </p:txBody>
-      </p:sp>
-      <p:sp>
-        <p:nvSpPr>
-          <p:cNvPr id="3" name="Content Placeholder 2"/>
-          <p:cNvSpPr>
-            <a:spLocks noGrp="1"/>
-          </p:cNvSpPr>
-          <p:nvPr>
-            <p:ph idx="1"/>
-          </p:nvPr>
-        </p:nvSpPr>
-        <p:spPr/>
-        <p:txBody>
-          <a:bodyPr/>
-          <a:lstStyle/>
-          <a:p>
-            <a:pPr lvl="0"/>
-            <a:r>
-              <a:t>High support for government action to reduce income differences</a:t>
-            </a:r>
-            <a:br/>
-            <a:endParaRPr/>
-          </a:p>
-          <a:p>
-            <a:pPr lvl="0"/>
-            <a:r>
-              <a:t>Negative stereotypes about welfare recipients may undermine this support</a:t>
-            </a:r>
-            <a:br/>
-            <a:endParaRPr/>
-          </a:p>
-        </p:txBody>
-      </p:sp>
-    </p:spTree>
-  </p:cSld>
-  <p:clrMapOvr>
-    <a:masterClrMapping/>
-  </p:clrMapOvr>
-</p:sld>
-</file>
-
-<file path=ppt/slides/slide26.xml><?xml version="1.0" encoding="utf-8"?>
-<p:sld xmlns:a="http://schemas.openxmlformats.org/drawingml/2006/main" xmlns:r="http://schemas.openxmlformats.org/officeDocument/2006/relationships" xmlns:p="http://schemas.openxmlformats.org/presentationml/2006/main">
-  <p:cSld>
-    <p:spTree>
-      <p:nvGrpSpPr>
-        <p:cNvPr id="1" name=""/>
-        <p:cNvGrpSpPr/>
-        <p:nvPr/>
-      </p:nvGrpSpPr>
-      <p:grpSpPr>
-        <a:xfrm>
-          <a:off x="0" y="0"/>
-          <a:ext cx="0" cy="0"/>
-          <a:chOff x="0" y="0"/>
-          <a:chExt cx="0" cy="0"/>
-        </a:xfrm>
-      </p:grpSpPr>
-      <p:sp>
-        <p:nvSpPr>
-          <p:cNvPr id="2" name="Title 1"/>
-          <p:cNvSpPr>
-            <a:spLocks noGrp="1"/>
-          </p:cNvSpPr>
-          <p:nvPr>
-            <p:ph type="title"/>
-          </p:nvPr>
-        </p:nvSpPr>
-        <p:spPr/>
-        <p:txBody>
-          <a:bodyPr/>
-          <a:lstStyle/>
-          <a:p>
-            <a:pPr marL="0" lvl="0" indent="0">
-              <a:buNone/>
-            </a:pPr>
-            <a:r>
-              <a:t>References</a:t>
-            </a:r>
-          </a:p>
-        </p:txBody>
-      </p:sp>
-      <p:sp>
-        <p:nvSpPr>
-          <p:cNvPr id="3" name="Content Placeholder 2"/>
-          <p:cNvSpPr>
-            <a:spLocks noGrp="1"/>
-          </p:cNvSpPr>
-          <p:nvPr>
-            <p:ph idx="1"/>
-          </p:nvPr>
-        </p:nvSpPr>
-        <p:spPr/>
-        <p:txBody>
-          <a:bodyPr/>
-          <a:lstStyle/>
-          <a:p>
-            <a:pPr marL="0" lvl="0" indent="0">
-              <a:buNone/>
-            </a:pPr>
-            <a:r>
-              <a:t>Finseraas, Henning. 2009. “Income Inequality and Demand for Redistribution: A Multilevel Analysis of European Public Opinion.” </a:t>
-            </a:r>
-            <a:r>
-              <a:rPr i="1"/>
-              <a:t>Scandinavian Political Studies</a:t>
-            </a:r>
-            <a:r>
-              <a:t> 32 (1): 94–119. </a:t>
-            </a:r>
-            <a:r>
-              <a:rPr>
-                <a:hlinkClick r:id="rId2"/>
-              </a:rPr>
-              <a:t>https://doi.org/10.1111/j.1467-9477.2008.00211.x</a:t>
-            </a:r>
-            <a:r>
-              <a:t>.</a:t>
-            </a:r>
-          </a:p>
-          <a:p>
-            <a:pPr marL="0" lvl="0" indent="0">
-              <a:buNone/>
-            </a:pPr>
-            <a:r>
-              <a:t>Grasso, Maria, and Rosalind Shorrocks. 2025. “Are New Generations of Women More Left-Wing Than Men? Generations and Gender Gaps in Attitudes to Inequality and Social Services.” </a:t>
-            </a:r>
-            <a:r>
-              <a:rPr i="1"/>
-              <a:t>Journal of European Public Policy</a:t>
-            </a:r>
-            <a:r>
-              <a:t>, April, 1–28. </a:t>
-            </a:r>
-            <a:r>
-              <a:rPr>
-                <a:hlinkClick r:id="rId3"/>
-              </a:rPr>
-              <a:t>https://doi.org/10.1080/13501763.2025.2490811</a:t>
-            </a:r>
-            <a:r>
-              <a:t>.</a:t>
-            </a:r>
-          </a:p>
-          <a:p>
-            <a:pPr marL="0" lvl="0" indent="0">
-              <a:buNone/>
-            </a:pPr>
-            <a:r>
-              <a:t>Inglehart, Ronald F. 2018. </a:t>
-            </a:r>
-            <a:r>
-              <a:rPr i="1"/>
-              <a:t>Cultural Evolution: People’s Motivations Are Changing, and Reshaping the World</a:t>
-            </a:r>
-            <a:r>
-              <a:t>. 1st ed. Cambridge University Press. </a:t>
-            </a:r>
-            <a:r>
-              <a:rPr>
-                <a:hlinkClick r:id="rId4"/>
-              </a:rPr>
-              <a:t>https://doi.org/10.1017/9781108613880</a:t>
-            </a:r>
-            <a:r>
-              <a:t>.</a:t>
-            </a:r>
-          </a:p>
-          <a:p>
-            <a:pPr marL="0" lvl="0" indent="0">
-              <a:buNone/>
-            </a:pPr>
-            <a:r>
-              <a:t>Lupu, Noam, and Jonas Pontusson, eds. 2023. </a:t>
-            </a:r>
-            <a:r>
-              <a:rPr i="1"/>
-              <a:t>Unequal Democracies: Public Policy, Responsiveness, and Redistribution in an Era of Rising Economic Inequality</a:t>
-            </a:r>
-            <a:r>
-              <a:t>. 1st ed. Cambridge University Press. </a:t>
-            </a:r>
-            <a:r>
-              <a:rPr>
-                <a:hlinkClick r:id="rId5"/>
-              </a:rPr>
-              <a:t>https://doi.org/10.1017/9781009428682</a:t>
-            </a:r>
-            <a:r>
-              <a:t>.</a:t>
-            </a:r>
-          </a:p>
-          <a:p>
-            <a:pPr marL="0" lvl="0" indent="0">
-              <a:buNone/>
-            </a:pPr>
-            <a:r>
-              <a:t>Oorschot, Wim van, and Femke Roosma. 2017. “The Social Legitimacy of Differently Targeted Benefits.”</a:t>
-            </a:r>
-          </a:p>
-          <a:p>
-            <a:pPr marL="0" lvl="0" indent="0">
-              <a:buNone/>
-            </a:pPr>
-            <a:r>
-              <a:t>Shorrocks, Rosalind, and Maria T. Grasso. 2020. “The Attitudinal Gender Gap Across Generations: Support for Redistribution and Government Spending in Contexts of High and Low Welfare Provision.” </a:t>
-            </a:r>
-            <a:r>
-              <a:rPr i="1"/>
-              <a:t>European Political Science Review</a:t>
-            </a:r>
-            <a:r>
-              <a:t> 12 (3): 289–306. </a:t>
-            </a:r>
-            <a:r>
-              <a:rPr>
-                <a:hlinkClick r:id="rId6"/>
-              </a:rPr>
-              <a:t>https://doi.org/10.1017/S1755773920000120</a:t>
-            </a:r>
-            <a:r>
-              <a:t>.</a:t>
-            </a:r>
-          </a:p>
-          <a:p>
-            <a:pPr marL="0" lvl="0" indent="0">
-              <a:buNone/>
-            </a:pPr>
-            <a:r>
-              <a:t>Steele, Liza G., Joseph Nathan Cohen, and Joseph R. Van Der Naald. 2022. “Wealth, Income, and Preferences for Redistribution: Evidence from 30 Countries.” </a:t>
-            </a:r>
-            <a:r>
-              <a:rPr i="1"/>
-              <a:t>Social Science Research</a:t>
-            </a:r>
-            <a:r>
-              <a:t> 108 (November): 102746. </a:t>
-            </a:r>
-            <a:r>
-              <a:rPr>
-                <a:hlinkClick r:id="rId7"/>
-              </a:rPr>
-              <a:t>https://doi.org/10.1016/j.ssresearch.2022.102746</a:t>
-            </a:r>
-            <a:r>
-              <a:t>.</a:t>
-            </a:r>
-          </a:p>
-          <a:p>
-            <a:pPr marL="0" lvl="0" indent="0">
-              <a:buNone/>
-            </a:pPr>
-            <a:r>
-              <a:t>Velev, Valentin, and Alexander W Schmidt-Catran. 2024. “Economic Inequality and Public Support for Redistribution in Europe: A Cross-Sectional and Longitudinal Multilevel Analysis.” </a:t>
-            </a:r>
-            <a:r>
-              <a:rPr i="1"/>
-              <a:t>International Journal of Public Opinion Research</a:t>
-            </a:r>
-            <a:r>
-              <a:t> 36 (4): edae055. </a:t>
-            </a:r>
-            <a:r>
-              <a:rPr>
-                <a:hlinkClick r:id="rId8"/>
-              </a:rPr>
-              <a:t>https://doi.org/10.1093/ijpor/edae055</a:t>
-            </a:r>
-            <a:r>
-              <a:t>.</a:t>
-            </a:r>
-          </a:p>
-        </p:txBody>
-      </p:sp>
-    </p:spTree>
-  </p:cSld>
-  <p:clrMapOvr>
-    <a:masterClrMapping/>
-  </p:clrMapOvr>
-</p:sld>
-</file>
-
-<file path=ppt/slides/slide3.xml><?xml version="1.0" encoding="utf-8"?>
-<p:sld xmlns:a="http://schemas.openxmlformats.org/drawingml/2006/main" xmlns:r="http://schemas.openxmlformats.org/officeDocument/2006/relationships" xmlns:p="http://schemas.openxmlformats.org/presentationml/2006/main">
-  <p:cSld>
-    <p:spTree>
-      <p:nvGrpSpPr>
-        <p:cNvPr id="1" name=""/>
-        <p:cNvGrpSpPr/>
-        <p:nvPr/>
-      </p:nvGrpSpPr>
-      <p:grpSpPr>
-        <a:xfrm>
-          <a:off x="0" y="0"/>
-          <a:ext cx="0" cy="0"/>
-          <a:chOff x="0" y="0"/>
-          <a:chExt cx="0" cy="0"/>
-        </a:xfrm>
-      </p:grpSpPr>
-      <p:sp>
-        <p:nvSpPr>
-          <p:cNvPr id="2" name="Title 1"/>
-          <p:cNvSpPr>
-            <a:spLocks noGrp="1"/>
-          </p:cNvSpPr>
-          <p:nvPr>
-            <p:ph type="title"/>
-          </p:nvPr>
-        </p:nvSpPr>
-        <p:spPr/>
-        <p:txBody>
-          <a:bodyPr/>
-          <a:lstStyle/>
-          <a:p>
-            <a:pPr marL="0" lvl="0" indent="0">
-              <a:buNone/>
-            </a:pPr>
-            <a:r>
-              <a:t>Questions</a:t>
-            </a:r>
-          </a:p>
-        </p:txBody>
-      </p:sp>
-      <p:sp>
-        <p:nvSpPr>
-          <p:cNvPr id="3" name="Content Placeholder 2"/>
-          <p:cNvSpPr>
-            <a:spLocks noGrp="1"/>
-          </p:cNvSpPr>
-          <p:nvPr>
-            <p:ph idx="1"/>
-          </p:nvPr>
-        </p:nvSpPr>
-        <p:spPr/>
-        <p:txBody>
-          <a:bodyPr/>
-          <a:lstStyle/>
-          <a:p>
-            <a:pPr lvl="0"/>
-            <a:r>
-              <a:t>Is there public support for reducing income differences in Ireland?</a:t>
-            </a:r>
-          </a:p>
-          <a:p>
-            <a:pPr lvl="1"/>
-            <a:r>
-              <a:t>Who supports more?</a:t>
-            </a:r>
-            <a:br/>
-            <a:endParaRPr/>
-          </a:p>
-          <a:p>
-            <a:pPr lvl="1"/>
-            <a:r>
-              <a:t>Who should benefit?</a:t>
-            </a:r>
-            <a:br/>
-            <a:endParaRPr/>
-          </a:p>
-          <a:p>
-            <a:pPr lvl="1"/>
-            <a:r>
-              <a:t>Can support change?</a:t>
-            </a:r>
-          </a:p>
-        </p:txBody>
-      </p:sp>
-    </p:spTree>
-  </p:cSld>
-  <p:clrMapOvr>
-    <a:masterClrMapping/>
-  </p:clrMapOvr>
-</p:sld>
-</file>
-
-<file path=ppt/slides/slide4.xml><?xml version="1.0" encoding="utf-8"?>
-<p:sld xmlns:a="http://schemas.openxmlformats.org/drawingml/2006/main" xmlns:r="http://schemas.openxmlformats.org/officeDocument/2006/relationships" xmlns:p="http://schemas.openxmlformats.org/presentationml/2006/main">
-  <p:cSld>
-    <p:spTree>
-      <p:nvGrpSpPr>
-        <p:cNvPr id="1" name=""/>
-        <p:cNvGrpSpPr/>
-        <p:nvPr/>
-      </p:nvGrpSpPr>
-      <p:grpSpPr>
-        <a:xfrm>
-          <a:off x="0" y="0"/>
-          <a:ext cx="0" cy="0"/>
-          <a:chOff x="0" y="0"/>
-          <a:chExt cx="0" cy="0"/>
-        </a:xfrm>
-      </p:grpSpPr>
-      <p:sp>
-        <p:nvSpPr>
-          <p:cNvPr id="2" name="Title 1"/>
-          <p:cNvSpPr>
-            <a:spLocks noGrp="1"/>
-          </p:cNvSpPr>
-          <p:nvPr>
-            <p:ph type="title"/>
-          </p:nvPr>
-        </p:nvSpPr>
-        <p:spPr>
-          <a:xfrm>
-            <a:off x="722313" y="3305176"/>
-            <a:ext cx="7772400" cy="1021556"/>
-          </a:xfrm>
-        </p:spPr>
-        <p:txBody>
-          <a:bodyPr/>
-          <a:lstStyle/>
-          <a:p>
-            <a:pPr marL="0" lvl="0" indent="0">
-              <a:buNone/>
-            </a:pPr>
-            <a:r>
-              <a:t>Literature</a:t>
-            </a:r>
-          </a:p>
-        </p:txBody>
-      </p:sp>
-    </p:spTree>
-  </p:cSld>
-  <p:clrMapOvr>
-    <a:masterClrMapping/>
-  </p:clrMapOvr>
-</p:sld>
-</file>
-
-<file path=ppt/slides/slide5.xml><?xml version="1.0" encoding="utf-8"?>
-<p:sld xmlns:a="http://schemas.openxmlformats.org/drawingml/2006/main" xmlns:r="http://schemas.openxmlformats.org/officeDocument/2006/relationships" xmlns:p="http://schemas.openxmlformats.org/presentationml/2006/main">
-  <p:cSld>
-    <p:spTree>
-      <p:nvGrpSpPr>
-        <p:cNvPr id="1" name=""/>
-        <p:cNvGrpSpPr/>
-        <p:nvPr/>
-      </p:nvGrpSpPr>
-      <p:grpSpPr>
-        <a:xfrm>
-          <a:off x="0" y="0"/>
-          <a:ext cx="0" cy="0"/>
-          <a:chOff x="0" y="0"/>
-          <a:chExt cx="0" cy="0"/>
-        </a:xfrm>
-      </p:grpSpPr>
-      <p:sp>
-        <p:nvSpPr>
-          <p:cNvPr id="2" name="Title 1"/>
-          <p:cNvSpPr>
-            <a:spLocks noGrp="1"/>
-          </p:cNvSpPr>
-          <p:nvPr>
-            <p:ph type="title"/>
-          </p:nvPr>
-        </p:nvSpPr>
-        <p:spPr/>
-        <p:txBody>
-          <a:bodyPr/>
-          <a:lstStyle/>
-          <a:p>
-            <a:pPr marL="0" lvl="0" indent="0">
-              <a:buNone/>
-            </a:pPr>
-            <a:r>
-              <a:t>Societal level influences</a:t>
-            </a:r>
-          </a:p>
-        </p:txBody>
-      </p:sp>
-      <p:sp>
-        <p:nvSpPr>
-          <p:cNvPr id="3" name="Content Placeholder 2"/>
-          <p:cNvSpPr>
-            <a:spLocks noGrp="1"/>
-          </p:cNvSpPr>
-          <p:nvPr>
-            <p:ph idx="1"/>
-          </p:nvPr>
-        </p:nvSpPr>
-        <p:spPr/>
-        <p:txBody>
-          <a:bodyPr/>
-          <a:lstStyle/>
-          <a:p>
-            <a:pPr lvl="0"/>
-            <a:r>
-              <a:t>Higher support for redistribution in countries with higher inequality (Velev and Schmidt-Catran 2024; Finseraas 2009)</a:t>
-            </a:r>
-          </a:p>
-          <a:p>
-            <a:pPr lvl="0"/>
-            <a:r>
-              <a:t>Support for redistribution remained apparently stable over time (Lupu and Pontusson 2023) and could be related to lack of major political reaction to income inequality.</a:t>
-            </a:r>
-          </a:p>
-          <a:p>
-            <a:pPr lvl="0"/>
-            <a:r>
-              <a:t>Oorschot and Roosma (2017) note that support for welfare policies, social transfers and redistribution is conditional on the social legitimacy of these policies’ target groups</a:t>
-            </a:r>
-          </a:p>
-        </p:txBody>
-      </p:sp>
-    </p:spTree>
-  </p:cSld>
-  <p:clrMapOvr>
-    <a:masterClrMapping/>
-  </p:clrMapOvr>
-</p:sld>
-</file>
-
-<file path=ppt/slides/slide6.xml><?xml version="1.0" encoding="utf-8"?>
-<p:sld xmlns:a="http://schemas.openxmlformats.org/drawingml/2006/main" xmlns:r="http://schemas.openxmlformats.org/officeDocument/2006/relationships" xmlns:p="http://schemas.openxmlformats.org/presentationml/2006/main">
-  <p:cSld>
-    <p:spTree>
-      <p:nvGrpSpPr>
-        <p:cNvPr id="1" name=""/>
-        <p:cNvGrpSpPr/>
-        <p:nvPr/>
-      </p:nvGrpSpPr>
-      <p:grpSpPr>
-        <a:xfrm>
-          <a:off x="0" y="0"/>
-          <a:ext cx="0" cy="0"/>
-          <a:chOff x="0" y="0"/>
-          <a:chExt cx="0" cy="0"/>
-        </a:xfrm>
-      </p:grpSpPr>
-      <p:sp>
-        <p:nvSpPr>
-          <p:cNvPr id="2" name="Title 1"/>
-          <p:cNvSpPr>
-            <a:spLocks noGrp="1"/>
-          </p:cNvSpPr>
-          <p:nvPr>
-            <p:ph type="title"/>
-          </p:nvPr>
-        </p:nvSpPr>
-        <p:spPr/>
-        <p:txBody>
-          <a:bodyPr/>
-          <a:lstStyle/>
-          <a:p>
-            <a:pPr marL="0" lvl="0" indent="0">
-              <a:buNone/>
-            </a:pPr>
-            <a:r>
-              <a:t>Socio-demographic predictors</a:t>
-            </a:r>
-          </a:p>
-        </p:txBody>
-      </p:sp>
-      <p:sp>
-        <p:nvSpPr>
-          <p:cNvPr id="3" name="Content Placeholder 2"/>
-          <p:cNvSpPr>
-            <a:spLocks noGrp="1"/>
-          </p:cNvSpPr>
-          <p:nvPr>
-            <p:ph idx="1"/>
-          </p:nvPr>
-        </p:nvSpPr>
-        <p:spPr/>
-        <p:txBody>
-          <a:bodyPr/>
-          <a:lstStyle/>
-          <a:p>
-            <a:pPr lvl="0"/>
-            <a:r>
-              <a:t>Women are more progressive in relation to policy preferences and support for redistribution (Shorrocks and Grasso 2020; Inglehart 2018; Grasso and Shorrocks 2025)</a:t>
-            </a:r>
-          </a:p>
-          <a:p>
-            <a:pPr lvl="0"/>
-            <a:r>
-              <a:t>Steele, Cohen, and Van Der Naald (2022) find that older respondents are more favourable of income redistribution.</a:t>
-            </a:r>
-          </a:p>
-          <a:p>
-            <a:pPr lvl="0"/>
-            <a:r>
-              <a:t>Grasso and Shorrocks (2025) highlights the association between gender and generation, with the cohorts of women born after 1946 being more supportive of redistribution compared to men in their cohorts</a:t>
-            </a:r>
-          </a:p>
-        </p:txBody>
-      </p:sp>
-    </p:spTree>
-  </p:cSld>
-  <p:clrMapOvr>
-    <a:masterClrMapping/>
-  </p:clrMapOvr>
-</p:sld>
-</file>
-
-<file path=ppt/slides/slide7.xml><?xml version="1.0" encoding="utf-8"?>
-<p:sld xmlns:a="http://schemas.openxmlformats.org/drawingml/2006/main" xmlns:r="http://schemas.openxmlformats.org/officeDocument/2006/relationships" xmlns:p="http://schemas.openxmlformats.org/presentationml/2006/main">
-  <p:cSld>
-    <p:spTree>
-      <p:nvGrpSpPr>
-        <p:cNvPr id="1" name=""/>
-        <p:cNvGrpSpPr/>
-        <p:nvPr/>
-      </p:nvGrpSpPr>
-      <p:grpSpPr>
-        <a:xfrm>
-          <a:off x="0" y="0"/>
-          <a:ext cx="0" cy="0"/>
-          <a:chOff x="0" y="0"/>
-          <a:chExt cx="0" cy="0"/>
-        </a:xfrm>
-      </p:grpSpPr>
-      <p:sp>
-        <p:nvSpPr>
-          <p:cNvPr id="2" name="Title 1"/>
-          <p:cNvSpPr>
-            <a:spLocks noGrp="1"/>
-          </p:cNvSpPr>
-          <p:nvPr>
-            <p:ph type="title"/>
-          </p:nvPr>
-        </p:nvSpPr>
-        <p:spPr>
-          <a:xfrm>
-            <a:off x="722313" y="3305176"/>
-            <a:ext cx="7772400" cy="1021556"/>
-          </a:xfrm>
-        </p:spPr>
-        <p:txBody>
-          <a:bodyPr/>
-          <a:lstStyle/>
-          <a:p>
-            <a:pPr marL="0" lvl="0" indent="0">
-              <a:buNone/>
-            </a:pPr>
-            <a:r>
-              <a:t>Methods</a:t>
-            </a:r>
-          </a:p>
-        </p:txBody>
-      </p:sp>
-    </p:spTree>
-  </p:cSld>
-  <p:clrMapOvr>
-    <a:masterClrMapping/>
-  </p:clrMapOvr>
-</p:sld>
-</file>
-
-<file path=ppt/slides/slide8.xml><?xml version="1.0" encoding="utf-8"?>
-<p:sld xmlns:a="http://schemas.openxmlformats.org/drawingml/2006/main" xmlns:r="http://schemas.openxmlformats.org/officeDocument/2006/relationships" xmlns:p="http://schemas.openxmlformats.org/presentationml/2006/main">
-  <p:cSld>
-    <p:spTree>
-      <p:nvGrpSpPr>
-        <p:cNvPr id="1" name=""/>
-        <p:cNvGrpSpPr/>
-        <p:nvPr/>
-      </p:nvGrpSpPr>
-      <p:grpSpPr>
-        <a:xfrm>
-          <a:off x="0" y="0"/>
-          <a:ext cx="0" cy="0"/>
-          <a:chOff x="0" y="0"/>
-          <a:chExt cx="0" cy="0"/>
-        </a:xfrm>
-      </p:grpSpPr>
-      <p:sp>
-        <p:nvSpPr>
-          <p:cNvPr id="2" name="Title 1"/>
-          <p:cNvSpPr>
-            <a:spLocks noGrp="1"/>
-          </p:cNvSpPr>
-          <p:nvPr>
-            <p:ph type="title"/>
-          </p:nvPr>
-        </p:nvSpPr>
-        <p:spPr/>
-        <p:txBody>
-          <a:bodyPr/>
-          <a:lstStyle/>
-          <a:p>
-            <a:pPr marL="0" lvl="0" indent="0">
-              <a:buNone/>
-            </a:pPr>
-            <a:r>
-              <a:t>Data sources</a:t>
-            </a:r>
-          </a:p>
-        </p:txBody>
-      </p:sp>
-      <p:sp>
-        <p:nvSpPr>
-          <p:cNvPr id="3" name="Content Placeholder 2"/>
-          <p:cNvSpPr>
-            <a:spLocks noGrp="1"/>
-          </p:cNvSpPr>
-          <p:nvPr>
-            <p:ph sz="half" idx="1"/>
-          </p:nvPr>
-        </p:nvSpPr>
-        <p:spPr/>
-        <p:txBody>
-          <a:bodyPr/>
-          <a:lstStyle/>
-          <a:p>
-            <a:pPr lvl="0"/>
-            <a:r>
-              <a:rPr b="1"/>
-              <a:t>European Social Survey (2002 - 2024)</a:t>
-            </a:r>
-            <a:br/>
-            <a:endParaRPr/>
-          </a:p>
-          <a:p>
-            <a:pPr lvl="0"/>
-            <a:r>
-              <a:t>European Election Studies - Voter Survey</a:t>
-            </a:r>
-            <a:br/>
-            <a:endParaRPr/>
-          </a:p>
-          <a:p>
-            <a:pPr lvl="0"/>
-            <a:r>
-              <a:t>Eurobarometer</a:t>
-            </a:r>
-            <a:br/>
-            <a:endParaRPr/>
-          </a:p>
-          <a:p>
-            <a:pPr lvl="0"/>
-            <a:r>
-              <a:t>National Election and Democracy Study</a:t>
-            </a:r>
-          </a:p>
-        </p:txBody>
-      </p:sp>
-      <p:pic>
-        <p:nvPicPr>
-          <p:cNvPr id="4" name="Picture 1" descr="./img/illu_ess.jpg"/>
+          <p:cNvPr descr="./img/fig_c2_class.svg" id="0" name="Picture 1"/>
           <p:cNvPicPr>
             <a:picLocks noGrp="1" noChangeAspect="1"/>
           </p:cNvPicPr>
@@ -5465,9 +3284,2520 @@
       </p:pic>
     </p:spTree>
   </p:cSld>
-  <p:clrMapOvr>
-    <a:masterClrMapping/>
-  </p:clrMapOvr>
+</p:sld>
+</file>
+
+<file path=ppt/slides/slide11.xml><?xml version="1.0" encoding="utf-8"?>
+<p:sld xmlns:a="http://schemas.openxmlformats.org/drawingml/2006/main" xmlns:r="http://schemas.openxmlformats.org/officeDocument/2006/relationships" xmlns:p="http://schemas.openxmlformats.org/presentationml/2006/main">
+  <p:cSld>
+    <p:spTree>
+      <p:nvGrpSpPr>
+        <p:cNvPr id="1" name=""/>
+        <p:cNvGrpSpPr/>
+        <p:nvPr/>
+      </p:nvGrpSpPr>
+      <p:grpSpPr>
+        <a:xfrm>
+          <a:off x="0" y="0"/>
+          <a:ext cx="0" cy="0"/>
+          <a:chOff x="0" y="0"/>
+          <a:chExt cx="0" cy="0"/>
+        </a:xfrm>
+      </p:grpSpPr>
+      <p:sp>
+        <p:nvSpPr>
+          <p:cNvPr id="3" name="Content Placeholder 2"/>
+          <p:cNvSpPr>
+            <a:spLocks noGrp="1"/>
+          </p:cNvSpPr>
+          <p:nvPr>
+            <p:ph idx="1"/>
+          </p:nvPr>
+        </p:nvSpPr>
+        <p:spPr/>
+        <p:txBody>
+          <a:bodyPr/>
+          <a:lstStyle/>
+          <a:p>
+            <a:pPr lvl="0" indent="0" marL="0">
+              <a:buNone/>
+            </a:pPr>
+            <a:r>
+              <a:rPr/>
+              <a:t>Source: European Social Survey</a:t>
+            </a:r>
+          </a:p>
+          <a:p>
+            <a:pPr lvl="0" indent="0" marL="0">
+              <a:spcBef>
+                <a:spcPts val="3000"/>
+              </a:spcBef>
+              <a:buNone/>
+            </a:pPr>
+            <a:r>
+              <a:rPr b="1"/>
+              <a:t>Other positive associations</a:t>
+            </a:r>
+          </a:p>
+          <a:p>
+            <a:pPr lvl="0"/>
+            <a:r>
+              <a:rPr/>
+              <a:t>Born in Ireland</a:t>
+            </a:r>
+            <a:br/>
+          </a:p>
+          <a:p>
+            <a:pPr lvl="0"/>
+            <a:r>
+              <a:rPr/>
+              <a:t>Younger</a:t>
+            </a:r>
+          </a:p>
+          <a:p>
+            <a:pPr lvl="0"/>
+            <a:r>
+              <a:rPr/>
+              <a:t>Left of the political scale</a:t>
+            </a:r>
+          </a:p>
+        </p:txBody>
+      </p:sp>
+    </p:spTree>
+  </p:cSld>
+</p:sld>
+</file>
+
+<file path=ppt/slides/slide12.xml><?xml version="1.0" encoding="utf-8"?>
+<p:sld xmlns:a="http://schemas.openxmlformats.org/drawingml/2006/main" xmlns:r="http://schemas.openxmlformats.org/officeDocument/2006/relationships" xmlns:p="http://schemas.openxmlformats.org/presentationml/2006/main">
+  <p:cSld>
+    <p:spTree>
+      <p:nvGrpSpPr>
+        <p:cNvPr id="1" name=""/>
+        <p:cNvGrpSpPr/>
+        <p:nvPr/>
+      </p:nvGrpSpPr>
+      <p:grpSpPr>
+        <a:xfrm>
+          <a:off x="0" y="0"/>
+          <a:ext cx="0" cy="0"/>
+          <a:chOff x="0" y="0"/>
+          <a:chExt cx="0" cy="0"/>
+        </a:xfrm>
+      </p:grpSpPr>
+      <p:sp>
+        <p:nvSpPr>
+          <p:cNvPr id="2" name="Title 1"/>
+          <p:cNvSpPr>
+            <a:spLocks noGrp="1"/>
+          </p:cNvSpPr>
+          <p:nvPr>
+            <p:ph type="title"/>
+          </p:nvPr>
+        </p:nvSpPr>
+        <p:spPr/>
+        <p:txBody>
+          <a:bodyPr/>
+          <a:lstStyle/>
+          <a:p>
+            <a:pPr lvl="0" indent="0" marL="0">
+              <a:buNone/>
+            </a:pPr>
+            <a:r>
+              <a:rPr/>
+              <a:t>Welfare for whom?</a:t>
+            </a:r>
+          </a:p>
+        </p:txBody>
+      </p:sp>
+      <p:sp>
+        <p:nvSpPr>
+          <p:cNvPr id="3" name="Content Placeholder 2"/>
+          <p:cNvSpPr>
+            <a:spLocks noGrp="1"/>
+          </p:cNvSpPr>
+          <p:nvPr>
+            <p:ph idx="1"/>
+          </p:nvPr>
+        </p:nvSpPr>
+        <p:spPr/>
+        <p:txBody>
+          <a:bodyPr/>
+          <a:lstStyle/>
+          <a:p>
+            <a:pPr lvl="0" indent="0" marL="0">
+              <a:buNone/>
+            </a:pPr>
+            <a:r>
+              <a:rPr/>
+              <a:t>Perceptions of deservingness and beliefs about the role of social supports</a:t>
+            </a:r>
+          </a:p>
+          <a:p>
+            <a:pPr lvl="0" indent="0" marL="0">
+              <a:spcBef>
+                <a:spcPts val="3000"/>
+              </a:spcBef>
+              <a:buNone/>
+            </a:pPr>
+            <a:r>
+              <a:rPr b="1"/>
+              <a:t>Who should receive higher priority from the government</a:t>
+            </a:r>
+          </a:p>
+        </p:txBody>
+      </p:sp>
+    </p:spTree>
+  </p:cSld>
+</p:sld>
+</file>
+
+<file path=ppt/slides/slide13.xml><?xml version="1.0" encoding="utf-8"?>
+<p:sld xmlns:a="http://schemas.openxmlformats.org/drawingml/2006/main" xmlns:r="http://schemas.openxmlformats.org/officeDocument/2006/relationships" xmlns:p="http://schemas.openxmlformats.org/presentationml/2006/main">
+  <p:cSld>
+    <p:spTree>
+      <p:nvGrpSpPr>
+        <p:cNvPr id="1" name=""/>
+        <p:cNvGrpSpPr/>
+        <p:nvPr/>
+      </p:nvGrpSpPr>
+      <p:grpSpPr>
+        <a:xfrm>
+          <a:off x="0" y="0"/>
+          <a:ext cx="0" cy="0"/>
+          <a:chOff x="0" y="0"/>
+          <a:chExt cx="0" cy="0"/>
+        </a:xfrm>
+      </p:grpSpPr>
+      <p:sp>
+        <p:nvSpPr>
+          <p:cNvPr id="3" name="Content Placeholder 2"/>
+          <p:cNvSpPr>
+            <a:spLocks noGrp="1"/>
+          </p:cNvSpPr>
+          <p:nvPr>
+            <p:ph idx="1" sz="half"/>
+          </p:nvPr>
+        </p:nvSpPr>
+        <p:spPr/>
+        <p:txBody>
+          <a:bodyPr/>
+          <a:lstStyle/>
+          <a:p>
+            <a:pPr lvl="0" indent="0" marL="0">
+              <a:buNone/>
+            </a:pPr>
+            <a:r>
+              <a:rPr/>
+              <a:t>…higher agreement for gov. support for working parents and older citizens.</a:t>
+            </a:r>
+          </a:p>
+          <a:p>
+            <a:pPr lvl="0" indent="0" marL="0">
+              <a:buNone/>
+            </a:pPr>
+            <a:r>
+              <a:rPr/>
+              <a:t>…lower agreement for govt supports for the unemployed</a:t>
+            </a:r>
+          </a:p>
+        </p:txBody>
+      </p:sp>
+      <p:pic>
+        <p:nvPicPr>
+          <p:cNvPr descr="./img/fig_c3_deservingness.svg" id="0" name="Picture 1"/>
+          <p:cNvPicPr>
+            <a:picLocks noGrp="1" noChangeAspect="1"/>
+          </p:cNvPicPr>
+          <p:nvPr/>
+        </p:nvPicPr>
+        <p:blipFill>
+          <a:blip r:embed="rId2"/>
+          <a:stretch>
+            <a:fillRect/>
+          </a:stretch>
+        </p:blipFill>
+        <p:spPr bwMode="auto">
+          <a:xfrm>
+            <a:off x="4800600" y="1193800"/>
+            <a:ext cx="3733800" cy="3390900"/>
+          </a:xfrm>
+          <a:prstGeom prst="rect">
+            <a:avLst/>
+          </a:prstGeom>
+          <a:noFill/>
+          <a:ln w="9525">
+            <a:noFill/>
+            <a:headEnd/>
+            <a:tailEnd/>
+          </a:ln>
+        </p:spPr>
+      </p:pic>
+    </p:spTree>
+  </p:cSld>
+</p:sld>
+</file>
+
+<file path=ppt/slides/slide14.xml><?xml version="1.0" encoding="utf-8"?>
+<p:sld xmlns:a="http://schemas.openxmlformats.org/drawingml/2006/main" xmlns:r="http://schemas.openxmlformats.org/officeDocument/2006/relationships" xmlns:p="http://schemas.openxmlformats.org/presentationml/2006/main">
+  <p:cSld>
+    <p:spTree>
+      <p:nvGrpSpPr>
+        <p:cNvPr id="1" name=""/>
+        <p:cNvGrpSpPr/>
+        <p:nvPr/>
+      </p:nvGrpSpPr>
+      <p:grpSpPr>
+        <a:xfrm>
+          <a:off x="0" y="0"/>
+          <a:ext cx="0" cy="0"/>
+          <a:chOff x="0" y="0"/>
+          <a:chExt cx="0" cy="0"/>
+        </a:xfrm>
+      </p:grpSpPr>
+      <p:sp>
+        <p:nvSpPr>
+          <p:cNvPr id="4" name="Text Placeholder 3"/>
+          <p:cNvSpPr>
+            <a:spLocks noGrp="1"/>
+          </p:cNvSpPr>
+          <p:nvPr>
+            <p:ph idx="2" sz="half" type="body"/>
+          </p:nvPr>
+        </p:nvSpPr>
+        <p:spPr/>
+        <p:txBody>
+          <a:bodyPr/>
+          <a:lstStyle/>
+          <a:p>
+            <a:pPr lvl="0" indent="0" marL="0">
+              <a:buNone/>
+            </a:pPr>
+            <a:r>
+              <a:rPr/>
+              <a:t>Source: European Social Survey</a:t>
+            </a:r>
+          </a:p>
+          <a:p>
+            <a:pPr lvl="0" indent="0" marL="0">
+              <a:spcBef>
+                <a:spcPts val="3000"/>
+              </a:spcBef>
+              <a:buNone/>
+            </a:pPr>
+            <a:r>
+              <a:rPr b="1"/>
+              <a:t>Beliefs about social benefits, Ireland</a:t>
+            </a:r>
+          </a:p>
+        </p:txBody>
+      </p:sp>
+      <p:pic>
+        <p:nvPicPr>
+          <p:cNvPr descr="./img/fig_c3_benefits_present.svg" id="0" name="Picture 1"/>
+          <p:cNvPicPr>
+            <a:picLocks noGrp="1" noChangeAspect="1"/>
+          </p:cNvPicPr>
+          <p:nvPr/>
+        </p:nvPicPr>
+        <p:blipFill>
+          <a:blip r:embed="rId2"/>
+          <a:stretch>
+            <a:fillRect/>
+          </a:stretch>
+        </p:blipFill>
+        <p:spPr bwMode="auto">
+          <a:xfrm>
+            <a:off x="3568700" y="444500"/>
+            <a:ext cx="5105400" cy="3898900"/>
+          </a:xfrm>
+          <a:prstGeom prst="rect">
+            <a:avLst/>
+          </a:prstGeom>
+          <a:noFill/>
+          <a:ln w="9525">
+            <a:noFill/>
+            <a:headEnd/>
+            <a:tailEnd/>
+          </a:ln>
+        </p:spPr>
+      </p:pic>
+    </p:spTree>
+  </p:cSld>
+</p:sld>
+</file>
+
+<file path=ppt/slides/slide15.xml><?xml version="1.0" encoding="utf-8"?>
+<p:sld xmlns:a="http://schemas.openxmlformats.org/drawingml/2006/main" xmlns:r="http://schemas.openxmlformats.org/officeDocument/2006/relationships" xmlns:p="http://schemas.openxmlformats.org/presentationml/2006/main">
+  <p:cSld>
+    <p:spTree>
+      <p:nvGrpSpPr>
+        <p:cNvPr id="1" name=""/>
+        <p:cNvGrpSpPr/>
+        <p:nvPr/>
+      </p:nvGrpSpPr>
+      <p:grpSpPr>
+        <a:xfrm>
+          <a:off x="0" y="0"/>
+          <a:ext cx="0" cy="0"/>
+          <a:chOff x="0" y="0"/>
+          <a:chExt cx="0" cy="0"/>
+        </a:xfrm>
+      </p:grpSpPr>
+      <p:sp>
+        <p:nvSpPr>
+          <p:cNvPr id="4" name="Text Placeholder 3"/>
+          <p:cNvSpPr>
+            <a:spLocks noGrp="1"/>
+          </p:cNvSpPr>
+          <p:nvPr>
+            <p:ph idx="2" sz="half" type="body"/>
+          </p:nvPr>
+        </p:nvSpPr>
+        <p:spPr/>
+        <p:txBody>
+          <a:bodyPr/>
+          <a:lstStyle/>
+          <a:p>
+            <a:pPr lvl="0" indent="0" marL="0">
+              <a:buNone/>
+            </a:pPr>
+            <a:r>
+              <a:rPr/>
+              <a:t>Source: European Social Survey</a:t>
+            </a:r>
+          </a:p>
+          <a:p>
+            <a:pPr lvl="0" indent="0" marL="0">
+              <a:spcBef>
+                <a:spcPts val="3000"/>
+              </a:spcBef>
+              <a:buNone/>
+            </a:pPr>
+            <a:r>
+              <a:rPr b="1"/>
+              <a:t>Perceptions on fairness</a:t>
+            </a:r>
+          </a:p>
+          <a:p>
+            <a:pPr lvl="0" indent="0" marL="1270000">
+              <a:buNone/>
+            </a:pPr>
+            <a:r>
+              <a:rPr sz="2000"/>
+              <a:t>Please think about the top 10% of employees working full-time in Ireland, earning more than €81,000 per year. In your opinion, are these incomes unfairly low, fair, or unfairly high? Please think generally about people earning this level of incomes</a:t>
+            </a:r>
+          </a:p>
+          <a:p>
+            <a:pPr lvl="0" indent="0" marL="1270000">
+              <a:buNone/>
+            </a:pPr>
+            <a:r>
+              <a:rPr sz="2000"/>
+              <a:t>And now please think about the bottom 10% of employees working full-time in Ireland, earning less than €19,000 per year.</a:t>
+            </a:r>
+          </a:p>
+          <a:p>
+            <a:pPr lvl="0" indent="0" marL="0">
+              <a:spcBef>
+                <a:spcPts val="3000"/>
+              </a:spcBef>
+              <a:buNone/>
+            </a:pPr>
+            <a:r>
+              <a:rPr b="1"/>
+              <a:t>Support for redistribution and perceived fairness of the incomes</a:t>
+            </a:r>
+          </a:p>
+        </p:txBody>
+      </p:sp>
+      <p:pic>
+        <p:nvPicPr>
+          <p:cNvPr descr="./img/fig_c3_fairness_present_none.svg" id="0" name="Picture 1"/>
+          <p:cNvPicPr>
+            <a:picLocks noGrp="1" noChangeAspect="1"/>
+          </p:cNvPicPr>
+          <p:nvPr/>
+        </p:nvPicPr>
+        <p:blipFill>
+          <a:blip r:embed="rId2"/>
+          <a:stretch>
+            <a:fillRect/>
+          </a:stretch>
+        </p:blipFill>
+        <p:spPr bwMode="auto">
+          <a:xfrm>
+            <a:off x="3568700" y="685800"/>
+            <a:ext cx="5105400" cy="3403600"/>
+          </a:xfrm>
+          <a:prstGeom prst="rect">
+            <a:avLst/>
+          </a:prstGeom>
+          <a:noFill/>
+          <a:ln w="9525">
+            <a:noFill/>
+            <a:headEnd/>
+            <a:tailEnd/>
+          </a:ln>
+        </p:spPr>
+      </p:pic>
+    </p:spTree>
+  </p:cSld>
+</p:sld>
+</file>
+
+<file path=ppt/slides/slide16.xml><?xml version="1.0" encoding="utf-8"?>
+<p:sld xmlns:a="http://schemas.openxmlformats.org/drawingml/2006/main" xmlns:r="http://schemas.openxmlformats.org/officeDocument/2006/relationships" xmlns:p="http://schemas.openxmlformats.org/presentationml/2006/main">
+  <p:cSld>
+    <p:spTree>
+      <p:nvGrpSpPr>
+        <p:cNvPr id="1" name=""/>
+        <p:cNvGrpSpPr/>
+        <p:nvPr/>
+      </p:nvGrpSpPr>
+      <p:grpSpPr>
+        <a:xfrm>
+          <a:off x="0" y="0"/>
+          <a:ext cx="0" cy="0"/>
+          <a:chOff x="0" y="0"/>
+          <a:chExt cx="0" cy="0"/>
+        </a:xfrm>
+      </p:grpSpPr>
+      <p:sp>
+        <p:nvSpPr>
+          <p:cNvPr id="4" name="Text Placeholder 3"/>
+          <p:cNvSpPr>
+            <a:spLocks noGrp="1"/>
+          </p:cNvSpPr>
+          <p:nvPr>
+            <p:ph idx="2" sz="half" type="body"/>
+          </p:nvPr>
+        </p:nvSpPr>
+        <p:spPr/>
+        <p:txBody>
+          <a:bodyPr/>
+          <a:lstStyle/>
+          <a:p>
+            <a:pPr lvl="0" indent="0" marL="0">
+              <a:buNone/>
+            </a:pPr>
+            <a:r>
+              <a:rPr/>
+              <a:t>Source: European Social Survey</a:t>
+            </a:r>
+          </a:p>
+          <a:p>
+            <a:pPr lvl="0" indent="0" marL="0">
+              <a:spcBef>
+                <a:spcPts val="3000"/>
+              </a:spcBef>
+              <a:buNone/>
+            </a:pPr>
+            <a:r>
+              <a:rPr b="1"/>
+              <a:t>Support for redistribution and perceived fairness of the incomes</a:t>
+            </a:r>
+          </a:p>
+        </p:txBody>
+      </p:sp>
+      <p:pic>
+        <p:nvPicPr>
+          <p:cNvPr descr="./img/fig_c3_fairness_present_no.svg" id="0" name="Picture 1"/>
+          <p:cNvPicPr>
+            <a:picLocks noGrp="1" noChangeAspect="1"/>
+          </p:cNvPicPr>
+          <p:nvPr/>
+        </p:nvPicPr>
+        <p:blipFill>
+          <a:blip r:embed="rId2"/>
+          <a:stretch>
+            <a:fillRect/>
+          </a:stretch>
+        </p:blipFill>
+        <p:spPr bwMode="auto">
+          <a:xfrm>
+            <a:off x="3568700" y="685800"/>
+            <a:ext cx="5105400" cy="3403600"/>
+          </a:xfrm>
+          <a:prstGeom prst="rect">
+            <a:avLst/>
+          </a:prstGeom>
+          <a:noFill/>
+          <a:ln w="9525">
+            <a:noFill/>
+            <a:headEnd/>
+            <a:tailEnd/>
+          </a:ln>
+        </p:spPr>
+      </p:pic>
+    </p:spTree>
+  </p:cSld>
+</p:sld>
+</file>
+
+<file path=ppt/slides/slide17.xml><?xml version="1.0" encoding="utf-8"?>
+<p:sld xmlns:a="http://schemas.openxmlformats.org/drawingml/2006/main" xmlns:r="http://schemas.openxmlformats.org/officeDocument/2006/relationships" xmlns:p="http://schemas.openxmlformats.org/presentationml/2006/main">
+  <p:cSld>
+    <p:spTree>
+      <p:nvGrpSpPr>
+        <p:cNvPr id="1" name=""/>
+        <p:cNvGrpSpPr/>
+        <p:nvPr/>
+      </p:nvGrpSpPr>
+      <p:grpSpPr>
+        <a:xfrm>
+          <a:off x="0" y="0"/>
+          <a:ext cx="0" cy="0"/>
+          <a:chOff x="0" y="0"/>
+          <a:chExt cx="0" cy="0"/>
+        </a:xfrm>
+      </p:grpSpPr>
+      <p:sp>
+        <p:nvSpPr>
+          <p:cNvPr id="4" name="Text Placeholder 3"/>
+          <p:cNvSpPr>
+            <a:spLocks noGrp="1"/>
+          </p:cNvSpPr>
+          <p:nvPr>
+            <p:ph idx="2" sz="half" type="body"/>
+          </p:nvPr>
+        </p:nvSpPr>
+        <p:spPr/>
+        <p:txBody>
+          <a:bodyPr/>
+          <a:lstStyle/>
+          <a:p>
+            <a:pPr lvl="0" indent="0" marL="0">
+              <a:buNone/>
+            </a:pPr>
+            <a:r>
+              <a:rPr/>
+              <a:t>Source: European Social Survey</a:t>
+            </a:r>
+          </a:p>
+          <a:p>
+            <a:pPr lvl="0" indent="0" marL="0">
+              <a:spcBef>
+                <a:spcPts val="3000"/>
+              </a:spcBef>
+              <a:buNone/>
+            </a:pPr>
+            <a:r>
+              <a:rPr b="1"/>
+              <a:t>Support for redistribution and perceived fairness of the incomes</a:t>
+            </a:r>
+          </a:p>
+        </p:txBody>
+      </p:sp>
+      <p:pic>
+        <p:nvPicPr>
+          <p:cNvPr descr="./img/fig_c3_fairness_present_pl.svg" id="0" name="Picture 1"/>
+          <p:cNvPicPr>
+            <a:picLocks noGrp="1" noChangeAspect="1"/>
+          </p:cNvPicPr>
+          <p:nvPr/>
+        </p:nvPicPr>
+        <p:blipFill>
+          <a:blip r:embed="rId2"/>
+          <a:stretch>
+            <a:fillRect/>
+          </a:stretch>
+        </p:blipFill>
+        <p:spPr bwMode="auto">
+          <a:xfrm>
+            <a:off x="3568700" y="685800"/>
+            <a:ext cx="5105400" cy="3403600"/>
+          </a:xfrm>
+          <a:prstGeom prst="rect">
+            <a:avLst/>
+          </a:prstGeom>
+          <a:noFill/>
+          <a:ln w="9525">
+            <a:noFill/>
+            <a:headEnd/>
+            <a:tailEnd/>
+          </a:ln>
+        </p:spPr>
+      </p:pic>
+    </p:spTree>
+  </p:cSld>
+</p:sld>
+</file>
+
+<file path=ppt/slides/slide18.xml><?xml version="1.0" encoding="utf-8"?>
+<p:sld xmlns:a="http://schemas.openxmlformats.org/drawingml/2006/main" xmlns:r="http://schemas.openxmlformats.org/officeDocument/2006/relationships" xmlns:p="http://schemas.openxmlformats.org/presentationml/2006/main">
+  <p:cSld>
+    <p:spTree>
+      <p:nvGrpSpPr>
+        <p:cNvPr id="1" name=""/>
+        <p:cNvGrpSpPr/>
+        <p:nvPr/>
+      </p:nvGrpSpPr>
+      <p:grpSpPr>
+        <a:xfrm>
+          <a:off x="0" y="0"/>
+          <a:ext cx="0" cy="0"/>
+          <a:chOff x="0" y="0"/>
+          <a:chExt cx="0" cy="0"/>
+        </a:xfrm>
+      </p:grpSpPr>
+      <p:sp>
+        <p:nvSpPr>
+          <p:cNvPr id="4" name="Text Placeholder 3"/>
+          <p:cNvSpPr>
+            <a:spLocks noGrp="1"/>
+          </p:cNvSpPr>
+          <p:nvPr>
+            <p:ph idx="2" sz="half" type="body"/>
+          </p:nvPr>
+        </p:nvSpPr>
+        <p:spPr/>
+        <p:txBody>
+          <a:bodyPr/>
+          <a:lstStyle/>
+          <a:p>
+            <a:pPr lvl="0" indent="0" marL="0">
+              <a:buNone/>
+            </a:pPr>
+            <a:r>
+              <a:rPr/>
+              <a:t>Source: European Social Survey</a:t>
+            </a:r>
+          </a:p>
+          <a:p>
+            <a:pPr lvl="0" indent="0" marL="0">
+              <a:spcBef>
+                <a:spcPts val="3000"/>
+              </a:spcBef>
+              <a:buNone/>
+            </a:pPr>
+            <a:r>
+              <a:rPr b="1"/>
+              <a:t>Support for redistribution and perceived fairness of the incomes</a:t>
+            </a:r>
+          </a:p>
+        </p:txBody>
+      </p:sp>
+      <p:pic>
+        <p:nvPicPr>
+          <p:cNvPr descr="./img/fig_c3_fairness_present_ie.svg" id="0" name="Picture 1"/>
+          <p:cNvPicPr>
+            <a:picLocks noGrp="1" noChangeAspect="1"/>
+          </p:cNvPicPr>
+          <p:nvPr/>
+        </p:nvPicPr>
+        <p:blipFill>
+          <a:blip r:embed="rId2"/>
+          <a:stretch>
+            <a:fillRect/>
+          </a:stretch>
+        </p:blipFill>
+        <p:spPr bwMode="auto">
+          <a:xfrm>
+            <a:off x="3568700" y="685800"/>
+            <a:ext cx="5105400" cy="3403600"/>
+          </a:xfrm>
+          <a:prstGeom prst="rect">
+            <a:avLst/>
+          </a:prstGeom>
+          <a:noFill/>
+          <a:ln w="9525">
+            <a:noFill/>
+            <a:headEnd/>
+            <a:tailEnd/>
+          </a:ln>
+        </p:spPr>
+      </p:pic>
+    </p:spTree>
+  </p:cSld>
+</p:sld>
+</file>
+
+<file path=ppt/slides/slide19.xml><?xml version="1.0" encoding="utf-8"?>
+<p:sld xmlns:a="http://schemas.openxmlformats.org/drawingml/2006/main" xmlns:r="http://schemas.openxmlformats.org/officeDocument/2006/relationships" xmlns:p="http://schemas.openxmlformats.org/presentationml/2006/main">
+  <p:cSld>
+    <p:spTree>
+      <p:nvGrpSpPr>
+        <p:cNvPr id="1" name=""/>
+        <p:cNvGrpSpPr/>
+        <p:nvPr/>
+      </p:nvGrpSpPr>
+      <p:grpSpPr>
+        <a:xfrm>
+          <a:off x="0" y="0"/>
+          <a:ext cx="0" cy="0"/>
+          <a:chOff x="0" y="0"/>
+          <a:chExt cx="0" cy="0"/>
+        </a:xfrm>
+      </p:grpSpPr>
+      <p:sp>
+        <p:nvSpPr>
+          <p:cNvPr id="4" name="Text Placeholder 3"/>
+          <p:cNvSpPr>
+            <a:spLocks noGrp="1"/>
+          </p:cNvSpPr>
+          <p:nvPr>
+            <p:ph idx="2" sz="half" type="body"/>
+          </p:nvPr>
+        </p:nvSpPr>
+        <p:spPr/>
+        <p:txBody>
+          <a:bodyPr/>
+          <a:lstStyle/>
+          <a:p>
+            <a:pPr lvl="0" indent="0" marL="0">
+              <a:buNone/>
+            </a:pPr>
+            <a:r>
+              <a:rPr/>
+              <a:t>Source: European Social Survey</a:t>
+            </a:r>
+          </a:p>
+          <a:p>
+            <a:pPr lvl="0" indent="0" marL="0">
+              <a:spcBef>
+                <a:spcPts val="3000"/>
+              </a:spcBef>
+              <a:buNone/>
+            </a:pPr>
+            <a:r>
+              <a:rPr b="1"/>
+              <a:t>Support for redistribution and perceived fairness of the incomes</a:t>
+            </a:r>
+          </a:p>
+        </p:txBody>
+      </p:sp>
+      <p:pic>
+        <p:nvPicPr>
+          <p:cNvPr descr="./img/fig_c3_fairness_present_all.svg" id="0" name="Picture 1"/>
+          <p:cNvPicPr>
+            <a:picLocks noGrp="1" noChangeAspect="1"/>
+          </p:cNvPicPr>
+          <p:nvPr/>
+        </p:nvPicPr>
+        <p:blipFill>
+          <a:blip r:embed="rId2"/>
+          <a:stretch>
+            <a:fillRect/>
+          </a:stretch>
+        </p:blipFill>
+        <p:spPr bwMode="auto">
+          <a:xfrm>
+            <a:off x="3568700" y="685800"/>
+            <a:ext cx="5105400" cy="3403600"/>
+          </a:xfrm>
+          <a:prstGeom prst="rect">
+            <a:avLst/>
+          </a:prstGeom>
+          <a:noFill/>
+          <a:ln w="9525">
+            <a:noFill/>
+            <a:headEnd/>
+            <a:tailEnd/>
+          </a:ln>
+        </p:spPr>
+      </p:pic>
+    </p:spTree>
+  </p:cSld>
+</p:sld>
+</file>
+
+<file path=ppt/slides/slide2.xml><?xml version="1.0" encoding="utf-8"?>
+<p:sld xmlns:a="http://schemas.openxmlformats.org/drawingml/2006/main" xmlns:r="http://schemas.openxmlformats.org/officeDocument/2006/relationships" xmlns:p="http://schemas.openxmlformats.org/presentationml/2006/main">
+  <p:cSld>
+    <p:spTree>
+      <p:nvGrpSpPr>
+        <p:cNvPr id="1" name=""/>
+        <p:cNvGrpSpPr/>
+        <p:nvPr/>
+      </p:nvGrpSpPr>
+      <p:grpSpPr>
+        <a:xfrm>
+          <a:off x="0" y="0"/>
+          <a:ext cx="0" cy="0"/>
+          <a:chOff x="0" y="0"/>
+          <a:chExt cx="0" cy="0"/>
+        </a:xfrm>
+      </p:grpSpPr>
+      <p:sp>
+        <p:nvSpPr>
+          <p:cNvPr id="2" name="Title 1"/>
+          <p:cNvSpPr>
+            <a:spLocks noGrp="1"/>
+          </p:cNvSpPr>
+          <p:nvPr>
+            <p:ph type="title"/>
+          </p:nvPr>
+        </p:nvSpPr>
+        <p:spPr/>
+        <p:txBody>
+          <a:bodyPr/>
+          <a:lstStyle/>
+          <a:p>
+            <a:pPr lvl="0" indent="0" marL="0">
+              <a:buNone/>
+            </a:pPr>
+            <a:r>
+              <a:rPr/>
+              <a:t>Why?</a:t>
+            </a:r>
+          </a:p>
+        </p:txBody>
+      </p:sp>
+      <p:sp>
+        <p:nvSpPr>
+          <p:cNvPr id="3" name="Content Placeholder 2"/>
+          <p:cNvSpPr>
+            <a:spLocks noGrp="1"/>
+          </p:cNvSpPr>
+          <p:nvPr>
+            <p:ph idx="1"/>
+          </p:nvPr>
+        </p:nvSpPr>
+        <p:spPr/>
+        <p:txBody>
+          <a:bodyPr/>
+          <a:lstStyle/>
+          <a:p>
+            <a:pPr lvl="0" indent="0" marL="0">
+              <a:spcBef>
+                <a:spcPts val="3000"/>
+              </a:spcBef>
+              <a:buNone/>
+            </a:pPr>
+            <a:r>
+              <a:rPr b="1"/>
+              <a:t>Questions</a:t>
+            </a:r>
+          </a:p>
+          <a:p>
+            <a:pPr lvl="0"/>
+            <a:r>
+              <a:rPr/>
+              <a:t>Is there public support for reducing income differences in Ireland?</a:t>
+            </a:r>
+          </a:p>
+          <a:p>
+            <a:pPr lvl="1"/>
+            <a:r>
+              <a:rPr/>
+              <a:t>Who supports ?</a:t>
+            </a:r>
+            <a:br/>
+          </a:p>
+          <a:p>
+            <a:pPr lvl="1"/>
+            <a:r>
+              <a:rPr/>
+              <a:t>Who should benefit ?</a:t>
+            </a:r>
+            <a:br/>
+          </a:p>
+          <a:p>
+            <a:pPr lvl="1"/>
+            <a:r>
+              <a:rPr/>
+              <a:t>Can support change over time?</a:t>
+            </a:r>
+          </a:p>
+        </p:txBody>
+      </p:sp>
+    </p:spTree>
+  </p:cSld>
+</p:sld>
+</file>
+
+<file path=ppt/slides/slide20.xml><?xml version="1.0" encoding="utf-8"?>
+<p:sld xmlns:a="http://schemas.openxmlformats.org/drawingml/2006/main" xmlns:r="http://schemas.openxmlformats.org/officeDocument/2006/relationships" xmlns:p="http://schemas.openxmlformats.org/presentationml/2006/main">
+  <p:cSld>
+    <p:spTree>
+      <p:nvGrpSpPr>
+        <p:cNvPr id="1" name=""/>
+        <p:cNvGrpSpPr/>
+        <p:nvPr/>
+      </p:nvGrpSpPr>
+      <p:grpSpPr>
+        <a:xfrm>
+          <a:off x="0" y="0"/>
+          <a:ext cx="0" cy="0"/>
+          <a:chOff x="0" y="0"/>
+          <a:chExt cx="0" cy="0"/>
+        </a:xfrm>
+      </p:grpSpPr>
+      <p:sp>
+        <p:nvSpPr>
+          <p:cNvPr id="3" name="Content Placeholder 2"/>
+          <p:cNvSpPr>
+            <a:spLocks noGrp="1"/>
+          </p:cNvSpPr>
+          <p:nvPr>
+            <p:ph idx="1"/>
+          </p:nvPr>
+        </p:nvSpPr>
+        <p:spPr/>
+        <p:txBody>
+          <a:bodyPr/>
+          <a:lstStyle/>
+          <a:p>
+            <a:pPr lvl="0" indent="0" marL="0">
+              <a:buNone/>
+            </a:pPr>
+            <a:r>
+              <a:rPr/>
+              <a:t>Source: European Social Survey</a:t>
+            </a:r>
+          </a:p>
+          <a:p>
+            <a:pPr lvl="0" indent="0" marL="0">
+              <a:spcBef>
+                <a:spcPts val="3000"/>
+              </a:spcBef>
+              <a:buNone/>
+            </a:pPr>
+            <a:r>
+              <a:rPr b="1"/>
+              <a:t>Attitudes to taxation in Ireland</a:t>
+            </a:r>
+          </a:p>
+          <a:p>
+            <a:pPr lvl="0" indent="0" marL="0">
+              <a:buNone/>
+            </a:pPr>
+          </a:p>
+          <a:p>
+            <a:pPr lvl="0"/>
+            <a:r>
+              <a:rPr/>
+              <a:t>34% of Irish residents indicate that they </a:t>
+            </a:r>
+            <a:r>
+              <a:rPr i="1"/>
+              <a:t>agree with higher taxes if it means more or better public services</a:t>
+            </a:r>
+            <a:r>
+              <a:rPr/>
+              <a:t>. This is the 6th highest percentage across 27 EU countries.</a:t>
+            </a:r>
+          </a:p>
+          <a:p>
+            <a:pPr lvl="0"/>
+            <a:r>
+              <a:rPr/>
+              <a:t>35% believe taxes are too high, another 25% think they should remain at their current level.</a:t>
+            </a:r>
+          </a:p>
+          <a:p>
+            <a:pPr lvl="0" indent="0" marL="0">
+              <a:buNone/>
+            </a:pPr>
+            <a:r>
+              <a:rPr/>
+              <a:t>Source: Eurobarometer Flash Survey 2025.</a:t>
+            </a:r>
+          </a:p>
+        </p:txBody>
+      </p:sp>
+    </p:spTree>
+  </p:cSld>
+</p:sld>
+</file>
+
+<file path=ppt/slides/slide21.xml><?xml version="1.0" encoding="utf-8"?>
+<p:sld xmlns:a="http://schemas.openxmlformats.org/drawingml/2006/main" xmlns:r="http://schemas.openxmlformats.org/officeDocument/2006/relationships" xmlns:p="http://schemas.openxmlformats.org/presentationml/2006/main">
+  <p:cSld>
+    <p:spTree>
+      <p:nvGrpSpPr>
+        <p:cNvPr id="1" name=""/>
+        <p:cNvGrpSpPr/>
+        <p:nvPr/>
+      </p:nvGrpSpPr>
+      <p:grpSpPr>
+        <a:xfrm>
+          <a:off x="0" y="0"/>
+          <a:ext cx="0" cy="0"/>
+          <a:chOff x="0" y="0"/>
+          <a:chExt cx="0" cy="0"/>
+        </a:xfrm>
+      </p:grpSpPr>
+      <p:sp>
+        <p:nvSpPr>
+          <p:cNvPr id="2" name="Title 1"/>
+          <p:cNvSpPr>
+            <a:spLocks noGrp="1"/>
+          </p:cNvSpPr>
+          <p:nvPr>
+            <p:ph type="title"/>
+          </p:nvPr>
+        </p:nvSpPr>
+        <p:spPr>
+          <a:xfrm>
+            <a:off x="457201" y="204787"/>
+            <a:ext cx="3008313" cy="871538"/>
+          </a:xfrm>
+        </p:spPr>
+        <p:txBody>
+          <a:bodyPr/>
+          <a:lstStyle/>
+          <a:p>
+            <a:pPr lvl="0" indent="0" marL="0">
+              <a:buNone/>
+            </a:pPr>
+            <a:r>
+              <a:rPr/>
+              <a:t>Change over time</a:t>
+            </a:r>
+          </a:p>
+        </p:txBody>
+      </p:sp>
+      <p:sp>
+        <p:nvSpPr>
+          <p:cNvPr id="4" name="Text Placeholder 3"/>
+          <p:cNvSpPr>
+            <a:spLocks noGrp="1"/>
+          </p:cNvSpPr>
+          <p:nvPr>
+            <p:ph idx="2" sz="half" type="body"/>
+          </p:nvPr>
+        </p:nvSpPr>
+        <p:spPr/>
+        <p:txBody>
+          <a:bodyPr/>
+          <a:lstStyle/>
+          <a:p>
+            <a:pPr lvl="0" indent="0" marL="0">
+              <a:spcBef>
+                <a:spcPts val="3000"/>
+              </a:spcBef>
+              <a:buNone/>
+            </a:pPr>
+            <a:r>
+              <a:rPr b="1"/>
+              <a:t>Support for government action reducing differences in income</a:t>
+            </a:r>
+          </a:p>
+        </p:txBody>
+      </p:sp>
+      <p:pic>
+        <p:nvPicPr>
+          <p:cNvPr descr="./img/fig_c4_eutime.svg" id="0" name="Picture 1"/>
+          <p:cNvPicPr>
+            <a:picLocks noGrp="1" noChangeAspect="1"/>
+          </p:cNvPicPr>
+          <p:nvPr/>
+        </p:nvPicPr>
+        <p:blipFill>
+          <a:blip r:embed="rId2"/>
+          <a:stretch>
+            <a:fillRect/>
+          </a:stretch>
+        </p:blipFill>
+        <p:spPr bwMode="auto">
+          <a:xfrm>
+            <a:off x="3568700" y="571500"/>
+            <a:ext cx="5105400" cy="3644900"/>
+          </a:xfrm>
+          <a:prstGeom prst="rect">
+            <a:avLst/>
+          </a:prstGeom>
+          <a:noFill/>
+          <a:ln w="9525">
+            <a:noFill/>
+            <a:headEnd/>
+            <a:tailEnd/>
+          </a:ln>
+        </p:spPr>
+      </p:pic>
+    </p:spTree>
+  </p:cSld>
+</p:sld>
+</file>
+
+<file path=ppt/slides/slide22.xml><?xml version="1.0" encoding="utf-8"?>
+<p:sld xmlns:a="http://schemas.openxmlformats.org/drawingml/2006/main" xmlns:r="http://schemas.openxmlformats.org/officeDocument/2006/relationships" xmlns:p="http://schemas.openxmlformats.org/presentationml/2006/main">
+  <p:cSld>
+    <p:spTree>
+      <p:nvGrpSpPr>
+        <p:cNvPr id="1" name=""/>
+        <p:cNvGrpSpPr/>
+        <p:nvPr/>
+      </p:nvGrpSpPr>
+      <p:grpSpPr>
+        <a:xfrm>
+          <a:off x="0" y="0"/>
+          <a:ext cx="0" cy="0"/>
+          <a:chOff x="0" y="0"/>
+          <a:chExt cx="0" cy="0"/>
+        </a:xfrm>
+      </p:grpSpPr>
+      <p:sp>
+        <p:nvSpPr>
+          <p:cNvPr id="3" name="Content Placeholder 2"/>
+          <p:cNvSpPr>
+            <a:spLocks noGrp="1"/>
+          </p:cNvSpPr>
+          <p:nvPr>
+            <p:ph idx="1"/>
+          </p:nvPr>
+        </p:nvSpPr>
+        <p:spPr/>
+        <p:txBody>
+          <a:bodyPr/>
+          <a:lstStyle/>
+          <a:p>
+            <a:pPr lvl="0" indent="0" marL="0">
+              <a:buNone/>
+            </a:pPr>
+            <a:r>
+              <a:rPr/>
+              <a:t>Source: European Social Survey</a:t>
+            </a:r>
+          </a:p>
+          <a:p>
+            <a:pPr lvl="0" indent="0" marL="0">
+              <a:spcBef>
+                <a:spcPts val="3000"/>
+              </a:spcBef>
+              <a:buNone/>
+            </a:pPr>
+            <a:r>
+              <a:rPr b="1"/>
+              <a:t>COVID-19, Ireland 2021-2022</a:t>
+            </a:r>
+          </a:p>
+        </p:txBody>
+      </p:sp>
+    </p:spTree>
+  </p:cSld>
+</p:sld>
+</file>
+
+<file path=ppt/slides/slide23.xml><?xml version="1.0" encoding="utf-8"?>
+<p:sld xmlns:a="http://schemas.openxmlformats.org/drawingml/2006/main" xmlns:r="http://schemas.openxmlformats.org/officeDocument/2006/relationships" xmlns:p="http://schemas.openxmlformats.org/presentationml/2006/main">
+  <p:cSld>
+    <p:spTree>
+      <p:nvGrpSpPr>
+        <p:cNvPr id="1" name=""/>
+        <p:cNvGrpSpPr/>
+        <p:nvPr/>
+      </p:nvGrpSpPr>
+      <p:grpSpPr>
+        <a:xfrm>
+          <a:off x="0" y="0"/>
+          <a:ext cx="0" cy="0"/>
+          <a:chOff x="0" y="0"/>
+          <a:chExt cx="0" cy="0"/>
+        </a:xfrm>
+      </p:grpSpPr>
+      <p:sp>
+        <p:nvSpPr>
+          <p:cNvPr id="3" name="Content Placeholder 2"/>
+          <p:cNvSpPr>
+            <a:spLocks noGrp="1"/>
+          </p:cNvSpPr>
+          <p:nvPr>
+            <p:ph idx="1" sz="half"/>
+          </p:nvPr>
+        </p:nvSpPr>
+        <p:spPr/>
+        <p:txBody>
+          <a:bodyPr/>
+          <a:lstStyle/>
+          <a:p>
+            <a:pPr lvl="0" indent="0" marL="0">
+              <a:buNone/>
+            </a:pPr>
+            <a:r>
+              <a:rPr/>
+              <a:t>Those who experienced job loss during the COVID-19 pandemic are more supportive of redistribution, regardless of their financial situation or social class.</a:t>
+            </a:r>
+          </a:p>
+        </p:txBody>
+      </p:sp>
+      <p:pic>
+        <p:nvPicPr>
+          <p:cNvPr descr="./img/fig_c4_covid.svg" id="0" name="Picture 1"/>
+          <p:cNvPicPr>
+            <a:picLocks noGrp="1" noChangeAspect="1"/>
+          </p:cNvPicPr>
+          <p:nvPr/>
+        </p:nvPicPr>
+        <p:blipFill>
+          <a:blip r:embed="rId2"/>
+          <a:stretch>
+            <a:fillRect/>
+          </a:stretch>
+        </p:blipFill>
+        <p:spPr bwMode="auto">
+          <a:xfrm>
+            <a:off x="4648200" y="1206500"/>
+            <a:ext cx="4038600" cy="3365500"/>
+          </a:xfrm>
+          <a:prstGeom prst="rect">
+            <a:avLst/>
+          </a:prstGeom>
+          <a:noFill/>
+          <a:ln w="9525">
+            <a:noFill/>
+            <a:headEnd/>
+            <a:tailEnd/>
+          </a:ln>
+        </p:spPr>
+      </p:pic>
+    </p:spTree>
+  </p:cSld>
+</p:sld>
+</file>
+
+<file path=ppt/slides/slide24.xml><?xml version="1.0" encoding="utf-8"?>
+<p:sld xmlns:a="http://schemas.openxmlformats.org/drawingml/2006/main" xmlns:r="http://schemas.openxmlformats.org/officeDocument/2006/relationships" xmlns:p="http://schemas.openxmlformats.org/presentationml/2006/main">
+  <p:cSld>
+    <p:spTree>
+      <p:nvGrpSpPr>
+        <p:cNvPr id="1" name=""/>
+        <p:cNvGrpSpPr/>
+        <p:nvPr/>
+      </p:nvGrpSpPr>
+      <p:grpSpPr>
+        <a:xfrm>
+          <a:off x="0" y="0"/>
+          <a:ext cx="0" cy="0"/>
+          <a:chOff x="0" y="0"/>
+          <a:chExt cx="0" cy="0"/>
+        </a:xfrm>
+      </p:grpSpPr>
+      <p:sp>
+        <p:nvSpPr>
+          <p:cNvPr id="4" name="Text Placeholder 3"/>
+          <p:cNvSpPr>
+            <a:spLocks noGrp="1"/>
+          </p:cNvSpPr>
+          <p:nvPr>
+            <p:ph idx="2" sz="half" type="body"/>
+          </p:nvPr>
+        </p:nvSpPr>
+        <p:spPr/>
+        <p:txBody>
+          <a:bodyPr/>
+          <a:lstStyle/>
+          <a:p>
+            <a:pPr lvl="0" indent="0" marL="0">
+              <a:buNone/>
+            </a:pPr>
+            <a:r>
+              <a:rPr/>
+              <a:t>Source: European Social Survey.</a:t>
+            </a:r>
+          </a:p>
+          <a:p>
+            <a:pPr lvl="0" indent="0" marL="0">
+              <a:spcBef>
+                <a:spcPts val="3000"/>
+              </a:spcBef>
+              <a:buNone/>
+            </a:pPr>
+            <a:r>
+              <a:rPr b="1"/>
+              <a:t>Irish Government campaign</a:t>
+            </a:r>
+          </a:p>
+        </p:txBody>
+      </p:sp>
+      <p:pic>
+        <p:nvPicPr>
+          <p:cNvPr descr="./img/dsp_bus.jpg" id="0" name="Picture 1"/>
+          <p:cNvPicPr>
+            <a:picLocks noGrp="1" noChangeAspect="1"/>
+          </p:cNvPicPr>
+          <p:nvPr/>
+        </p:nvPicPr>
+        <p:blipFill>
+          <a:blip r:embed="rId2"/>
+          <a:stretch>
+            <a:fillRect/>
+          </a:stretch>
+        </p:blipFill>
+        <p:spPr bwMode="auto">
+          <a:xfrm>
+            <a:off x="3568700" y="711200"/>
+            <a:ext cx="5105400" cy="3378200"/>
+          </a:xfrm>
+          <a:prstGeom prst="rect">
+            <a:avLst/>
+          </a:prstGeom>
+          <a:noFill/>
+          <a:ln w="9525">
+            <a:noFill/>
+            <a:headEnd/>
+            <a:tailEnd/>
+          </a:ln>
+        </p:spPr>
+      </p:pic>
+    </p:spTree>
+  </p:cSld>
+</p:sld>
+</file>
+
+<file path=ppt/slides/slide25.xml><?xml version="1.0" encoding="utf-8"?>
+<p:sld xmlns:a="http://schemas.openxmlformats.org/drawingml/2006/main" xmlns:r="http://schemas.openxmlformats.org/officeDocument/2006/relationships" xmlns:p="http://schemas.openxmlformats.org/presentationml/2006/main">
+  <p:cSld>
+    <p:spTree>
+      <p:nvGrpSpPr>
+        <p:cNvPr id="1" name=""/>
+        <p:cNvGrpSpPr/>
+        <p:nvPr/>
+      </p:nvGrpSpPr>
+      <p:grpSpPr>
+        <a:xfrm>
+          <a:off x="0" y="0"/>
+          <a:ext cx="0" cy="0"/>
+          <a:chOff x="0" y="0"/>
+          <a:chExt cx="0" cy="0"/>
+        </a:xfrm>
+      </p:grpSpPr>
+      <p:sp>
+        <p:nvSpPr>
+          <p:cNvPr id="3" name="Content Placeholder 2"/>
+          <p:cNvSpPr>
+            <a:spLocks noGrp="1"/>
+          </p:cNvSpPr>
+          <p:nvPr>
+            <p:ph idx="1"/>
+          </p:nvPr>
+        </p:nvSpPr>
+        <p:spPr/>
+        <p:txBody>
+          <a:bodyPr/>
+          <a:lstStyle/>
+          <a:p>
+            <a:pPr lvl="0" indent="0" marL="0">
+              <a:spcBef>
+                <a:spcPts val="3000"/>
+              </a:spcBef>
+              <a:buNone/>
+            </a:pPr>
+            <a:r>
+              <a:rPr b="1"/>
+              <a:t>Irish Government campaign</a:t>
+            </a:r>
+          </a:p>
+        </p:txBody>
+      </p:sp>
+    </p:spTree>
+  </p:cSld>
+</p:sld>
+</file>
+
+<file path=ppt/slides/slide26.xml><?xml version="1.0" encoding="utf-8"?>
+<p:sld xmlns:a="http://schemas.openxmlformats.org/drawingml/2006/main" xmlns:r="http://schemas.openxmlformats.org/officeDocument/2006/relationships" xmlns:p="http://schemas.openxmlformats.org/presentationml/2006/main">
+  <p:cSld>
+    <p:spTree>
+      <p:nvGrpSpPr>
+        <p:cNvPr id="1" name=""/>
+        <p:cNvGrpSpPr/>
+        <p:nvPr/>
+      </p:nvGrpSpPr>
+      <p:grpSpPr>
+        <a:xfrm>
+          <a:off x="0" y="0"/>
+          <a:ext cx="0" cy="0"/>
+          <a:chOff x="0" y="0"/>
+          <a:chExt cx="0" cy="0"/>
+        </a:xfrm>
+      </p:grpSpPr>
+      <p:sp>
+        <p:nvSpPr>
+          <p:cNvPr id="3" name="Content Placeholder 2"/>
+          <p:cNvSpPr>
+            <a:spLocks noGrp="1"/>
+          </p:cNvSpPr>
+          <p:nvPr>
+            <p:ph idx="1" sz="half"/>
+          </p:nvPr>
+        </p:nvSpPr>
+        <p:spPr/>
+        <p:txBody>
+          <a:bodyPr/>
+          <a:lstStyle/>
+          <a:p>
+            <a:pPr lvl="0" indent="0" marL="0">
+              <a:buNone/>
+            </a:pPr>
+            <a:r>
+              <a:rPr/>
+              <a:t>… seven-day exponential moving average of three variables in the 30-day time window around the launch of the campaign on 17 April 2017.</a:t>
+            </a:r>
+          </a:p>
+        </p:txBody>
+      </p:sp>
+      <p:pic>
+        <p:nvPicPr>
+          <p:cNvPr descr="./img/fig_c4_dsp_mean.svg" id="0" name="Picture 1"/>
+          <p:cNvPicPr>
+            <a:picLocks noGrp="1" noChangeAspect="1"/>
+          </p:cNvPicPr>
+          <p:nvPr/>
+        </p:nvPicPr>
+        <p:blipFill>
+          <a:blip r:embed="rId2"/>
+          <a:stretch>
+            <a:fillRect/>
+          </a:stretch>
+        </p:blipFill>
+        <p:spPr bwMode="auto">
+          <a:xfrm>
+            <a:off x="5461000" y="1193800"/>
+            <a:ext cx="2425700" cy="3390900"/>
+          </a:xfrm>
+          <a:prstGeom prst="rect">
+            <a:avLst/>
+          </a:prstGeom>
+          <a:noFill/>
+          <a:ln w="9525">
+            <a:noFill/>
+            <a:headEnd/>
+            <a:tailEnd/>
+          </a:ln>
+        </p:spPr>
+      </p:pic>
+    </p:spTree>
+  </p:cSld>
+</p:sld>
+</file>
+
+<file path=ppt/slides/slide27.xml><?xml version="1.0" encoding="utf-8"?>
+<p:sld xmlns:a="http://schemas.openxmlformats.org/drawingml/2006/main" xmlns:r="http://schemas.openxmlformats.org/officeDocument/2006/relationships" xmlns:p="http://schemas.openxmlformats.org/presentationml/2006/main">
+  <p:cSld>
+    <p:spTree>
+      <p:nvGrpSpPr>
+        <p:cNvPr id="1" name=""/>
+        <p:cNvGrpSpPr/>
+        <p:nvPr/>
+      </p:nvGrpSpPr>
+      <p:grpSpPr>
+        <a:xfrm>
+          <a:off x="0" y="0"/>
+          <a:ext cx="0" cy="0"/>
+          <a:chOff x="0" y="0"/>
+          <a:chExt cx="0" cy="0"/>
+        </a:xfrm>
+      </p:grpSpPr>
+      <p:sp>
+        <p:nvSpPr>
+          <p:cNvPr id="3" name="Content Placeholder 2"/>
+          <p:cNvSpPr>
+            <a:spLocks noGrp="1"/>
+          </p:cNvSpPr>
+          <p:nvPr>
+            <p:ph idx="1"/>
+          </p:nvPr>
+        </p:nvSpPr>
+        <p:spPr/>
+        <p:txBody>
+          <a:bodyPr/>
+          <a:lstStyle/>
+          <a:p>
+            <a:pPr lvl="0" indent="0" marL="0">
+              <a:buNone/>
+            </a:pPr>
+            <a:r>
+              <a:rPr/>
+              <a:t>Source: European Social Survey</a:t>
+            </a:r>
+          </a:p>
+          <a:p>
+            <a:pPr lvl="0" indent="0" marL="0">
+              <a:spcBef>
+                <a:spcPts val="3000"/>
+              </a:spcBef>
+              <a:buNone/>
+            </a:pPr>
+            <a:r>
+              <a:rPr b="1"/>
+              <a:t>Irish Government campaign</a:t>
+            </a:r>
+          </a:p>
+        </p:txBody>
+      </p:sp>
+    </p:spTree>
+  </p:cSld>
+</p:sld>
+</file>
+
+<file path=ppt/slides/slide28.xml><?xml version="1.0" encoding="utf-8"?>
+<p:sld xmlns:a="http://schemas.openxmlformats.org/drawingml/2006/main" xmlns:r="http://schemas.openxmlformats.org/officeDocument/2006/relationships" xmlns:p="http://schemas.openxmlformats.org/presentationml/2006/main">
+  <p:cSld>
+    <p:spTree>
+      <p:nvGrpSpPr>
+        <p:cNvPr id="1" name=""/>
+        <p:cNvGrpSpPr/>
+        <p:nvPr/>
+      </p:nvGrpSpPr>
+      <p:grpSpPr>
+        <a:xfrm>
+          <a:off x="0" y="0"/>
+          <a:ext cx="0" cy="0"/>
+          <a:chOff x="0" y="0"/>
+          <a:chExt cx="0" cy="0"/>
+        </a:xfrm>
+      </p:grpSpPr>
+      <p:sp>
+        <p:nvSpPr>
+          <p:cNvPr id="3" name="Content Placeholder 2"/>
+          <p:cNvSpPr>
+            <a:spLocks noGrp="1"/>
+          </p:cNvSpPr>
+          <p:nvPr>
+            <p:ph idx="1" sz="half"/>
+          </p:nvPr>
+        </p:nvSpPr>
+        <p:spPr/>
+        <p:txBody>
+          <a:bodyPr/>
+          <a:lstStyle/>
+          <a:p>
+            <a:pPr lvl="0" indent="0" marL="0">
+              <a:buNone/>
+            </a:pPr>
+            <a:r>
+              <a:rPr/>
+              <a:t>Statistically significant decrease on the level of agreement that ‘</a:t>
+            </a:r>
+            <a:r>
+              <a:rPr i="1"/>
+              <a:t>social benefits prevents poverty</a:t>
+            </a:r>
+            <a:r>
+              <a:rPr/>
+              <a:t>’ among interviews conducted after the launch of the campaign compared to those interviewed before the launch.</a:t>
+            </a:r>
+          </a:p>
+        </p:txBody>
+      </p:sp>
+      <p:pic>
+        <p:nvPicPr>
+          <p:cNvPr descr="./img/fig_c4_dsp_model.svg" id="0" name="Picture 1"/>
+          <p:cNvPicPr>
+            <a:picLocks noGrp="1" noChangeAspect="1"/>
+          </p:cNvPicPr>
+          <p:nvPr/>
+        </p:nvPicPr>
+        <p:blipFill>
+          <a:blip r:embed="rId2"/>
+          <a:stretch>
+            <a:fillRect/>
+          </a:stretch>
+        </p:blipFill>
+        <p:spPr bwMode="auto">
+          <a:xfrm>
+            <a:off x="4800600" y="1193800"/>
+            <a:ext cx="3733800" cy="3390900"/>
+          </a:xfrm>
+          <a:prstGeom prst="rect">
+            <a:avLst/>
+          </a:prstGeom>
+          <a:noFill/>
+          <a:ln w="9525">
+            <a:noFill/>
+            <a:headEnd/>
+            <a:tailEnd/>
+          </a:ln>
+        </p:spPr>
+      </p:pic>
+    </p:spTree>
+  </p:cSld>
+</p:sld>
+</file>
+
+<file path=ppt/slides/slide29.xml><?xml version="1.0" encoding="utf-8"?>
+<p:sld xmlns:a="http://schemas.openxmlformats.org/drawingml/2006/main" xmlns:r="http://schemas.openxmlformats.org/officeDocument/2006/relationships" xmlns:p="http://schemas.openxmlformats.org/presentationml/2006/main">
+  <p:cSld>
+    <p:spTree>
+      <p:nvGrpSpPr>
+        <p:cNvPr id="1" name=""/>
+        <p:cNvGrpSpPr/>
+        <p:nvPr/>
+      </p:nvGrpSpPr>
+      <p:grpSpPr>
+        <a:xfrm>
+          <a:off x="0" y="0"/>
+          <a:ext cx="0" cy="0"/>
+          <a:chOff x="0" y="0"/>
+          <a:chExt cx="0" cy="0"/>
+        </a:xfrm>
+      </p:grpSpPr>
+      <p:sp>
+        <p:nvSpPr>
+          <p:cNvPr id="3" name="Content Placeholder 2"/>
+          <p:cNvSpPr>
+            <a:spLocks noGrp="1"/>
+          </p:cNvSpPr>
+          <p:nvPr>
+            <p:ph idx="1"/>
+          </p:nvPr>
+        </p:nvSpPr>
+        <p:spPr/>
+        <p:txBody>
+          <a:bodyPr/>
+          <a:lstStyle/>
+          <a:p>
+            <a:pPr lvl="0" indent="0" marL="0">
+              <a:buNone/>
+            </a:pPr>
+            <a:r>
+              <a:rPr/>
+              <a:t>Source: European Social Survey</a:t>
+            </a:r>
+          </a:p>
+          <a:p>
+            <a:pPr lvl="0" indent="0" marL="0">
+              <a:spcBef>
+                <a:spcPts val="3000"/>
+              </a:spcBef>
+              <a:buNone/>
+            </a:pPr>
+            <a:r>
+              <a:rPr b="1"/>
+              <a:t>Conclusions and policy implications</a:t>
+            </a:r>
+          </a:p>
+          <a:p>
+            <a:pPr lvl="0"/>
+            <a:r>
+              <a:rPr/>
+              <a:t>Strong support for Irish government to reduce income differences, especially to address “unfairly low income” of those in the bottom income decile.</a:t>
+            </a:r>
+          </a:p>
+          <a:p>
+            <a:pPr lvl="0"/>
+            <a:r>
+              <a:rPr/>
+              <a:t>Support for redistribution higher among low-income households, females, younger people.</a:t>
+            </a:r>
+          </a:p>
+          <a:p>
+            <a:pPr lvl="0"/>
+            <a:r>
+              <a:rPr/>
+              <a:t>Higher than EU-average level of support for higher taxes conditional of providing better public services (may be motivated by self-interest but also related to support for redistribution)</a:t>
+            </a:r>
+          </a:p>
+          <a:p>
+            <a:pPr lvl="0" indent="0" marL="0">
+              <a:spcBef>
+                <a:spcPts val="3000"/>
+              </a:spcBef>
+              <a:buNone/>
+            </a:pPr>
+            <a:r>
+              <a:rPr b="1"/>
+              <a:t>Conclusions and policy implications</a:t>
+            </a:r>
+          </a:p>
+          <a:p>
+            <a:pPr lvl="0"/>
+            <a:r>
+              <a:rPr/>
+              <a:t>Pandemic, which saw a huge increase in government supports, was associated with an increase in support for redistribution, especially among those directly effected</a:t>
+            </a:r>
+          </a:p>
+          <a:p>
+            <a:pPr lvl="0"/>
+            <a:r>
+              <a:rPr/>
+              <a:t>Negative stereotypes about welfare recipients may undermine this support</a:t>
+            </a:r>
+          </a:p>
+          <a:p>
+            <a:pPr lvl="0"/>
+            <a:r>
+              <a:rPr/>
+              <a:t>Importance of communication of the role of social protection in addressing risks and the rights/entitlements of citizens</a:t>
+            </a:r>
+          </a:p>
+          <a:p>
+            <a:pPr lvl="0" indent="0" marL="0">
+              <a:spcBef>
+                <a:spcPts val="3000"/>
+              </a:spcBef>
+              <a:buNone/>
+            </a:pPr>
+            <a:r>
+              <a:rPr b="1"/>
+              <a:t>References</a:t>
+            </a:r>
+          </a:p>
+          <a:p>
+            <a:pPr lvl="0" indent="0" marL="0">
+              <a:buNone/>
+            </a:pPr>
+            <a:r>
+              <a:rPr/>
+              <a:t>Finseraas, Henning. 2009. “Income Inequality and Demand for Redistribution: A Multilevel Analysis of European Public Opinion.” </a:t>
+            </a:r>
+            <a:r>
+              <a:rPr i="1"/>
+              <a:t>Scandinavian Political Studies</a:t>
+            </a:r>
+            <a:r>
+              <a:rPr/>
+              <a:t> 32 (1): 94–119. </a:t>
+            </a:r>
+            <a:r>
+              <a:rPr>
+                <a:hlinkClick r:id="rId2"/>
+              </a:rPr>
+              <a:t>https://doi.org/10.1111/j.1467-9477.2008.00211.x</a:t>
+            </a:r>
+            <a:r>
+              <a:rPr/>
+              <a:t>.</a:t>
+            </a:r>
+          </a:p>
+          <a:p>
+            <a:pPr lvl="0" indent="0" marL="0">
+              <a:buNone/>
+            </a:pPr>
+            <a:r>
+              <a:rPr/>
+              <a:t>Grasso, Maria, and Rosalind Shorrocks. 2025. “Are New Generations of Women More Left-Wing Than Men? Generations and Gender Gaps in Attitudes to Inequality and Social Services.” </a:t>
+            </a:r>
+            <a:r>
+              <a:rPr i="1"/>
+              <a:t>Journal of European Public Policy</a:t>
+            </a:r>
+            <a:r>
+              <a:rPr/>
+              <a:t>, April, 1–28. </a:t>
+            </a:r>
+            <a:r>
+              <a:rPr>
+                <a:hlinkClick r:id="rId3"/>
+              </a:rPr>
+              <a:t>https://doi.org/10.1080/13501763.2025.2490811</a:t>
+            </a:r>
+            <a:r>
+              <a:rPr/>
+              <a:t>.</a:t>
+            </a:r>
+          </a:p>
+          <a:p>
+            <a:pPr lvl="0" indent="0" marL="0">
+              <a:buNone/>
+            </a:pPr>
+            <a:r>
+              <a:rPr/>
+              <a:t>Inglehart, Ronald F. 2018. </a:t>
+            </a:r>
+            <a:r>
+              <a:rPr i="1"/>
+              <a:t>Cultural Evolution: People’s Motivations Are Changing, and Reshaping the World</a:t>
+            </a:r>
+            <a:r>
+              <a:rPr/>
+              <a:t>. 1st ed. Cambridge University Press. </a:t>
+            </a:r>
+            <a:r>
+              <a:rPr>
+                <a:hlinkClick r:id="rId4"/>
+              </a:rPr>
+              <a:t>https://doi.org/10.1017/9781108613880</a:t>
+            </a:r>
+            <a:r>
+              <a:rPr/>
+              <a:t>.</a:t>
+            </a:r>
+          </a:p>
+          <a:p>
+            <a:pPr lvl="0" indent="0" marL="0">
+              <a:buNone/>
+            </a:pPr>
+            <a:r>
+              <a:rPr/>
+              <a:t>Lupu, Noam, and Jonas Pontusson, eds. 2023. </a:t>
+            </a:r>
+            <a:r>
+              <a:rPr i="1"/>
+              <a:t>Unequal Democracies: Public Policy, Responsiveness, and Redistribution in an Era of Rising Economic Inequality</a:t>
+            </a:r>
+            <a:r>
+              <a:rPr/>
+              <a:t>. 1st ed. Cambridge University Press. </a:t>
+            </a:r>
+            <a:r>
+              <a:rPr>
+                <a:hlinkClick r:id="rId5"/>
+              </a:rPr>
+              <a:t>https://doi.org/10.1017/9781009428682</a:t>
+            </a:r>
+            <a:r>
+              <a:rPr/>
+              <a:t>.</a:t>
+            </a:r>
+          </a:p>
+          <a:p>
+            <a:pPr lvl="0" indent="0" marL="0">
+              <a:buNone/>
+            </a:pPr>
+            <a:r>
+              <a:rPr/>
+              <a:t>Oorschot, Wim van, and Femke Roosma. 2017. “The Social Legitimacy of Differently Targeted Benefits.”</a:t>
+            </a:r>
+          </a:p>
+          <a:p>
+            <a:pPr lvl="0" indent="0" marL="0">
+              <a:buNone/>
+            </a:pPr>
+            <a:r>
+              <a:rPr/>
+              <a:t>Shorrocks, Rosalind, and Maria T. Grasso. 2020. “The Attitudinal Gender Gap Across Generations: Support for Redistribution and Government Spending in Contexts of High and Low Welfare Provision.” </a:t>
+            </a:r>
+            <a:r>
+              <a:rPr i="1"/>
+              <a:t>European Political Science Review</a:t>
+            </a:r>
+            <a:r>
+              <a:rPr/>
+              <a:t> 12 (3): 289–306. </a:t>
+            </a:r>
+            <a:r>
+              <a:rPr>
+                <a:hlinkClick r:id="rId6"/>
+              </a:rPr>
+              <a:t>https://doi.org/10.1017/S1755773920000120</a:t>
+            </a:r>
+            <a:r>
+              <a:rPr/>
+              <a:t>.</a:t>
+            </a:r>
+          </a:p>
+          <a:p>
+            <a:pPr lvl="0" indent="0" marL="0">
+              <a:buNone/>
+            </a:pPr>
+            <a:r>
+              <a:rPr/>
+              <a:t>Steele, Liza G., Joseph Nathan Cohen, and Joseph R. Van Der Naald. 2022. “Wealth, Income, and Preferences for Redistribution: Evidence from 30 Countries.” </a:t>
+            </a:r>
+            <a:r>
+              <a:rPr i="1"/>
+              <a:t>Social Science Research</a:t>
+            </a:r>
+            <a:r>
+              <a:rPr/>
+              <a:t> 108 (November): 102746. </a:t>
+            </a:r>
+            <a:r>
+              <a:rPr>
+                <a:hlinkClick r:id="rId7"/>
+              </a:rPr>
+              <a:t>https://doi.org/10.1016/j.ssresearch.2022.102746</a:t>
+            </a:r>
+            <a:r>
+              <a:rPr/>
+              <a:t>.</a:t>
+            </a:r>
+          </a:p>
+          <a:p>
+            <a:pPr lvl="0" indent="0" marL="0">
+              <a:buNone/>
+            </a:pPr>
+            <a:r>
+              <a:rPr/>
+              <a:t>Velev, Valentin, and Alexander W Schmidt-Catran. 2024. “Economic Inequality and Public Support for Redistribution in Europe: A Cross-Sectional and Longitudinal Multilevel Analysis.” </a:t>
+            </a:r>
+            <a:r>
+              <a:rPr i="1"/>
+              <a:t>International Journal of Public Opinion Research</a:t>
+            </a:r>
+            <a:r>
+              <a:rPr/>
+              <a:t> 36 (4): edae055. </a:t>
+            </a:r>
+            <a:r>
+              <a:rPr>
+                <a:hlinkClick r:id="rId8"/>
+              </a:rPr>
+              <a:t>https://doi.org/10.1093/ijpor/edae055</a:t>
+            </a:r>
+            <a:r>
+              <a:rPr/>
+              <a:t>.</a:t>
+            </a:r>
+          </a:p>
+        </p:txBody>
+      </p:sp>
+    </p:spTree>
+  </p:cSld>
+</p:sld>
+</file>
+
+<file path=ppt/slides/slide3.xml><?xml version="1.0" encoding="utf-8"?>
+<p:sld xmlns:a="http://schemas.openxmlformats.org/drawingml/2006/main" xmlns:r="http://schemas.openxmlformats.org/officeDocument/2006/relationships" xmlns:p="http://schemas.openxmlformats.org/presentationml/2006/main">
+  <p:cSld>
+    <p:spTree>
+      <p:nvGrpSpPr>
+        <p:cNvPr id="1" name=""/>
+        <p:cNvGrpSpPr/>
+        <p:nvPr/>
+      </p:nvGrpSpPr>
+      <p:grpSpPr>
+        <a:xfrm>
+          <a:off x="0" y="0"/>
+          <a:ext cx="0" cy="0"/>
+          <a:chOff x="0" y="0"/>
+          <a:chExt cx="0" cy="0"/>
+        </a:xfrm>
+      </p:grpSpPr>
+      <p:sp>
+        <p:nvSpPr>
+          <p:cNvPr id="2" name="Title 1"/>
+          <p:cNvSpPr>
+            <a:spLocks noGrp="1"/>
+          </p:cNvSpPr>
+          <p:nvPr>
+            <p:ph type="title"/>
+          </p:nvPr>
+        </p:nvSpPr>
+        <p:spPr/>
+        <p:txBody>
+          <a:bodyPr/>
+          <a:lstStyle/>
+          <a:p>
+            <a:pPr lvl="0" indent="0" marL="0">
+              <a:buNone/>
+            </a:pPr>
+            <a:r>
+              <a:rPr/>
+              <a:t>Literature</a:t>
+            </a:r>
+          </a:p>
+        </p:txBody>
+      </p:sp>
+      <p:sp>
+        <p:nvSpPr>
+          <p:cNvPr id="3" name="Content Placeholder 2"/>
+          <p:cNvSpPr>
+            <a:spLocks noGrp="1"/>
+          </p:cNvSpPr>
+          <p:nvPr>
+            <p:ph idx="1"/>
+          </p:nvPr>
+        </p:nvSpPr>
+        <p:spPr/>
+        <p:txBody>
+          <a:bodyPr/>
+          <a:lstStyle/>
+          <a:p>
+            <a:pPr lvl="0" indent="0" marL="0">
+              <a:spcBef>
+                <a:spcPts val="3000"/>
+              </a:spcBef>
+              <a:buNone/>
+            </a:pPr>
+            <a:r>
+              <a:rPr b="1"/>
+              <a:t>Societal level influences</a:t>
+            </a:r>
+          </a:p>
+          <a:p>
+            <a:pPr lvl="0"/>
+            <a:r>
+              <a:rPr/>
+              <a:t>Higher support for redistribution in countries with higher inequality (Velev and Schmidt-Catran 2024; Finseraas 2009)</a:t>
+            </a:r>
+          </a:p>
+          <a:p>
+            <a:pPr lvl="0"/>
+            <a:r>
+              <a:rPr/>
+              <a:t>Support for redistribution remained apparently stable over time (Lupu and Pontusson 2023) and could be related to lack of major political reaction to income inequality.</a:t>
+            </a:r>
+          </a:p>
+          <a:p>
+            <a:pPr lvl="0"/>
+            <a:r>
+              <a:rPr/>
+              <a:t>Oorschot and Roosma (2017) note that support for welfare policies, social transfers and redistribution is conditional on the social legitimacy of these policies’ target groups</a:t>
+            </a:r>
+          </a:p>
+          <a:p>
+            <a:pPr lvl="0" indent="0" marL="0">
+              <a:spcBef>
+                <a:spcPts val="3000"/>
+              </a:spcBef>
+              <a:buNone/>
+            </a:pPr>
+            <a:r>
+              <a:rPr b="1"/>
+              <a:t>Socio-demographic predictors</a:t>
+            </a:r>
+          </a:p>
+          <a:p>
+            <a:pPr lvl="0"/>
+            <a:r>
+              <a:rPr/>
+              <a:t>Women are more progressive in relation to policy preferences and support for redistribution (Shorrocks and Grasso 2020; Inglehart 2018; Grasso and Shorrocks 2025)</a:t>
+            </a:r>
+          </a:p>
+          <a:p>
+            <a:pPr lvl="0"/>
+            <a:r>
+              <a:rPr/>
+              <a:t>Steele, Cohen, and Van Der Naald (2022) find that older respondents are more favourable of income redistribution.</a:t>
+            </a:r>
+          </a:p>
+          <a:p>
+            <a:pPr lvl="0"/>
+            <a:r>
+              <a:rPr/>
+              <a:t>Grasso and Shorrocks (2025) highlights the association between gender and generation, with the cohorts of women born after 1946 being more supportive of redistribution compared to men in their cohorts</a:t>
+            </a:r>
+          </a:p>
+        </p:txBody>
+      </p:sp>
+    </p:spTree>
+  </p:cSld>
+</p:sld>
+</file>
+
+<file path=ppt/slides/slide4.xml><?xml version="1.0" encoding="utf-8"?>
+<p:sld xmlns:a="http://schemas.openxmlformats.org/drawingml/2006/main" xmlns:r="http://schemas.openxmlformats.org/officeDocument/2006/relationships" xmlns:p="http://schemas.openxmlformats.org/presentationml/2006/main">
+  <p:cSld>
+    <p:spTree>
+      <p:nvGrpSpPr>
+        <p:cNvPr id="1" name=""/>
+        <p:cNvGrpSpPr/>
+        <p:nvPr/>
+      </p:nvGrpSpPr>
+      <p:grpSpPr>
+        <a:xfrm>
+          <a:off x="0" y="0"/>
+          <a:ext cx="0" cy="0"/>
+          <a:chOff x="0" y="0"/>
+          <a:chExt cx="0" cy="0"/>
+        </a:xfrm>
+      </p:grpSpPr>
+      <p:sp>
+        <p:nvSpPr>
+          <p:cNvPr id="2" name="Title 1"/>
+          <p:cNvSpPr>
+            <a:spLocks noGrp="1"/>
+          </p:cNvSpPr>
+          <p:nvPr>
+            <p:ph type="title"/>
+          </p:nvPr>
+        </p:nvSpPr>
+        <p:spPr/>
+        <p:txBody>
+          <a:bodyPr/>
+          <a:lstStyle/>
+          <a:p>
+            <a:pPr lvl="0" indent="0" marL="0">
+              <a:buNone/>
+            </a:pPr>
+            <a:r>
+              <a:rPr/>
+              <a:t>Methods</a:t>
+            </a:r>
+          </a:p>
+        </p:txBody>
+      </p:sp>
+      <p:sp>
+        <p:nvSpPr>
+          <p:cNvPr id="3" name="Content Placeholder 2"/>
+          <p:cNvSpPr>
+            <a:spLocks noGrp="1"/>
+          </p:cNvSpPr>
+          <p:nvPr>
+            <p:ph idx="1"/>
+          </p:nvPr>
+        </p:nvSpPr>
+        <p:spPr/>
+        <p:txBody>
+          <a:bodyPr/>
+          <a:lstStyle/>
+          <a:p>
+            <a:pPr lvl="0" indent="0" marL="0">
+              <a:spcBef>
+                <a:spcPts val="3000"/>
+              </a:spcBef>
+              <a:buNone/>
+            </a:pPr>
+            <a:r>
+              <a:rPr b="1"/>
+              <a:t>Data sources</a:t>
+            </a:r>
+          </a:p>
+        </p:txBody>
+      </p:sp>
+    </p:spTree>
+  </p:cSld>
+</p:sld>
+</file>
+
+<file path=ppt/slides/slide5.xml><?xml version="1.0" encoding="utf-8"?>
+<p:sld xmlns:a="http://schemas.openxmlformats.org/drawingml/2006/main" xmlns:r="http://schemas.openxmlformats.org/officeDocument/2006/relationships" xmlns:p="http://schemas.openxmlformats.org/presentationml/2006/main">
+  <p:cSld>
+    <p:spTree>
+      <p:nvGrpSpPr>
+        <p:cNvPr id="1" name=""/>
+        <p:cNvGrpSpPr/>
+        <p:nvPr/>
+      </p:nvGrpSpPr>
+      <p:grpSpPr>
+        <a:xfrm>
+          <a:off x="0" y="0"/>
+          <a:ext cx="0" cy="0"/>
+          <a:chOff x="0" y="0"/>
+          <a:chExt cx="0" cy="0"/>
+        </a:xfrm>
+      </p:grpSpPr>
+      <p:sp>
+        <p:nvSpPr>
+          <p:cNvPr id="3" name="Content Placeholder 2"/>
+          <p:cNvSpPr>
+            <a:spLocks noGrp="1"/>
+          </p:cNvSpPr>
+          <p:nvPr>
+            <p:ph idx="1" sz="half"/>
+          </p:nvPr>
+        </p:nvSpPr>
+        <p:spPr/>
+        <p:txBody>
+          <a:bodyPr/>
+          <a:lstStyle/>
+          <a:p>
+            <a:pPr lvl="0"/>
+            <a:r>
+              <a:rPr b="1"/>
+              <a:t>European Social Survey (2002 - 2024)</a:t>
+            </a:r>
+            <a:br/>
+          </a:p>
+          <a:p>
+            <a:pPr lvl="0"/>
+            <a:r>
+              <a:rPr/>
+              <a:t>European Election Studies - Voter Survey</a:t>
+            </a:r>
+            <a:br/>
+          </a:p>
+          <a:p>
+            <a:pPr lvl="0"/>
+            <a:r>
+              <a:rPr/>
+              <a:t>Eurobarometer</a:t>
+            </a:r>
+            <a:br/>
+          </a:p>
+          <a:p>
+            <a:pPr lvl="0"/>
+            <a:r>
+              <a:rPr/>
+              <a:t>National Election and Democracy Study</a:t>
+            </a:r>
+          </a:p>
+        </p:txBody>
+      </p:sp>
+      <p:pic>
+        <p:nvPicPr>
+          <p:cNvPr descr="./img/illu_ess.jpg" id="0" name="Picture 1"/>
+          <p:cNvPicPr>
+            <a:picLocks noGrp="1" noChangeAspect="1"/>
+          </p:cNvPicPr>
+          <p:nvPr/>
+        </p:nvPicPr>
+        <p:blipFill>
+          <a:blip r:embed="rId2"/>
+          <a:stretch>
+            <a:fillRect/>
+          </a:stretch>
+        </p:blipFill>
+        <p:spPr bwMode="auto">
+          <a:xfrm>
+            <a:off x="4978400" y="1193800"/>
+            <a:ext cx="3390900" cy="3390900"/>
+          </a:xfrm>
+          <a:prstGeom prst="rect">
+            <a:avLst/>
+          </a:prstGeom>
+          <a:noFill/>
+          <a:ln w="9525">
+            <a:noFill/>
+            <a:headEnd/>
+            <a:tailEnd/>
+          </a:ln>
+        </p:spPr>
+      </p:pic>
+    </p:spTree>
+  </p:cSld>
+</p:sld>
+</file>
+
+<file path=ppt/slides/slide6.xml><?xml version="1.0" encoding="utf-8"?>
+<p:sld xmlns:a="http://schemas.openxmlformats.org/drawingml/2006/main" xmlns:r="http://schemas.openxmlformats.org/officeDocument/2006/relationships" xmlns:p="http://schemas.openxmlformats.org/presentationml/2006/main">
+  <p:cSld>
+    <p:spTree>
+      <p:nvGrpSpPr>
+        <p:cNvPr id="1" name=""/>
+        <p:cNvGrpSpPr/>
+        <p:nvPr/>
+      </p:nvGrpSpPr>
+      <p:grpSpPr>
+        <a:xfrm>
+          <a:off x="0" y="0"/>
+          <a:ext cx="0" cy="0"/>
+          <a:chOff x="0" y="0"/>
+          <a:chExt cx="0" cy="0"/>
+        </a:xfrm>
+      </p:grpSpPr>
+      <p:sp>
+        <p:nvSpPr>
+          <p:cNvPr id="2" name="Title 1"/>
+          <p:cNvSpPr>
+            <a:spLocks noGrp="1"/>
+          </p:cNvSpPr>
+          <p:nvPr>
+            <p:ph type="title"/>
+          </p:nvPr>
+        </p:nvSpPr>
+        <p:spPr>
+          <a:xfrm>
+            <a:off x="457201" y="204787"/>
+            <a:ext cx="3008313" cy="871538"/>
+          </a:xfrm>
+        </p:spPr>
+        <p:txBody>
+          <a:bodyPr/>
+          <a:lstStyle/>
+          <a:p>
+            <a:pPr lvl="0" indent="0" marL="0">
+              <a:buNone/>
+            </a:pPr>
+            <a:r>
+              <a:rPr/>
+              <a:t>Key findings</a:t>
+            </a:r>
+          </a:p>
+        </p:txBody>
+      </p:sp>
+      <p:sp>
+        <p:nvSpPr>
+          <p:cNvPr id="4" name="Text Placeholder 3"/>
+          <p:cNvSpPr>
+            <a:spLocks noGrp="1"/>
+          </p:cNvSpPr>
+          <p:nvPr>
+            <p:ph idx="2" sz="half" type="body"/>
+          </p:nvPr>
+        </p:nvSpPr>
+        <p:spPr/>
+        <p:txBody>
+          <a:bodyPr/>
+          <a:lstStyle/>
+          <a:p>
+            <a:pPr lvl="0" indent="0" marL="0">
+              <a:spcBef>
+                <a:spcPts val="3000"/>
+              </a:spcBef>
+              <a:buNone/>
+            </a:pPr>
+            <a:r>
+              <a:rPr b="1"/>
+              <a:t>Support for government action</a:t>
+            </a:r>
+          </a:p>
+          <a:p>
+            <a:pPr lvl="0" indent="0" marL="0">
+              <a:buNone/>
+            </a:pPr>
+            <a:r>
+              <a:rPr b="1"/>
+              <a:t>3 in 4</a:t>
+            </a:r>
+            <a:r>
+              <a:rPr/>
+              <a:t> Irish residents agree that the </a:t>
+            </a:r>
+            <a:r>
+              <a:rPr i="1"/>
+              <a:t>government should reduce differences in income</a:t>
+            </a:r>
+            <a:r>
+              <a:rPr/>
+              <a:t>.</a:t>
+            </a:r>
+          </a:p>
+        </p:txBody>
+      </p:sp>
+      <p:pic>
+        <p:nvPicPr>
+          <p:cNvPr descr="./img/fig_c2_eumap.svg" id="0" name="Picture 1"/>
+          <p:cNvPicPr>
+            <a:picLocks noGrp="1" noChangeAspect="1"/>
+          </p:cNvPicPr>
+          <p:nvPr/>
+        </p:nvPicPr>
+        <p:blipFill>
+          <a:blip r:embed="rId2"/>
+          <a:stretch>
+            <a:fillRect/>
+          </a:stretch>
+        </p:blipFill>
+        <p:spPr bwMode="auto">
+          <a:xfrm>
+            <a:off x="3568700" y="736600"/>
+            <a:ext cx="5105400" cy="3314700"/>
+          </a:xfrm>
+          <a:prstGeom prst="rect">
+            <a:avLst/>
+          </a:prstGeom>
+          <a:noFill/>
+          <a:ln w="9525">
+            <a:noFill/>
+            <a:headEnd/>
+            <a:tailEnd/>
+          </a:ln>
+        </p:spPr>
+      </p:pic>
+    </p:spTree>
+  </p:cSld>
+</p:sld>
+</file>
+
+<file path=ppt/slides/slide7.xml><?xml version="1.0" encoding="utf-8"?>
+<p:sld xmlns:a="http://schemas.openxmlformats.org/drawingml/2006/main" xmlns:r="http://schemas.openxmlformats.org/officeDocument/2006/relationships" xmlns:p="http://schemas.openxmlformats.org/presentationml/2006/main">
+  <p:cSld>
+    <p:spTree>
+      <p:nvGrpSpPr>
+        <p:cNvPr id="1" name=""/>
+        <p:cNvGrpSpPr/>
+        <p:nvPr/>
+      </p:nvGrpSpPr>
+      <p:grpSpPr>
+        <a:xfrm>
+          <a:off x="0" y="0"/>
+          <a:ext cx="0" cy="0"/>
+          <a:chOff x="0" y="0"/>
+          <a:chExt cx="0" cy="0"/>
+        </a:xfrm>
+      </p:grpSpPr>
+      <p:sp>
+        <p:nvSpPr>
+          <p:cNvPr id="3" name="Content Placeholder 2"/>
+          <p:cNvSpPr>
+            <a:spLocks noGrp="1"/>
+          </p:cNvSpPr>
+          <p:nvPr>
+            <p:ph idx="1"/>
+          </p:nvPr>
+        </p:nvSpPr>
+        <p:spPr/>
+        <p:txBody>
+          <a:bodyPr/>
+          <a:lstStyle/>
+          <a:p>
+            <a:pPr lvl="0" indent="0" marL="0">
+              <a:buNone/>
+            </a:pPr>
+            <a:r>
+              <a:rPr/>
+              <a:t>Source: European Social Survey</a:t>
+            </a:r>
+          </a:p>
+          <a:p>
+            <a:pPr lvl="0" indent="0" marL="0">
+              <a:spcBef>
+                <a:spcPts val="3000"/>
+              </a:spcBef>
+              <a:buNone/>
+            </a:pPr>
+            <a:r>
+              <a:rPr b="1"/>
+              <a:t>Agreement by sex, Ireland 2002–2024</a:t>
+            </a:r>
+          </a:p>
+        </p:txBody>
+      </p:sp>
+    </p:spTree>
+  </p:cSld>
+</p:sld>
+</file>
+
+<file path=ppt/slides/slide8.xml><?xml version="1.0" encoding="utf-8"?>
+<p:sld xmlns:a="http://schemas.openxmlformats.org/drawingml/2006/main" xmlns:r="http://schemas.openxmlformats.org/officeDocument/2006/relationships" xmlns:p="http://schemas.openxmlformats.org/presentationml/2006/main">
+  <p:cSld>
+    <p:spTree>
+      <p:nvGrpSpPr>
+        <p:cNvPr id="1" name=""/>
+        <p:cNvGrpSpPr/>
+        <p:nvPr/>
+      </p:nvGrpSpPr>
+      <p:grpSpPr>
+        <a:xfrm>
+          <a:off x="0" y="0"/>
+          <a:ext cx="0" cy="0"/>
+          <a:chOff x="0" y="0"/>
+          <a:chExt cx="0" cy="0"/>
+        </a:xfrm>
+      </p:grpSpPr>
+      <p:sp>
+        <p:nvSpPr>
+          <p:cNvPr id="3" name="Content Placeholder 2"/>
+          <p:cNvSpPr>
+            <a:spLocks noGrp="1"/>
+          </p:cNvSpPr>
+          <p:nvPr>
+            <p:ph idx="1" sz="half"/>
+          </p:nvPr>
+        </p:nvSpPr>
+        <p:spPr/>
+        <p:txBody>
+          <a:bodyPr/>
+          <a:lstStyle/>
+          <a:p>
+            <a:pPr lvl="0" indent="0" marL="0">
+              <a:buNone/>
+            </a:pPr>
+            <a:r>
+              <a:rPr/>
+              <a:t>Considering all 11 rounds of the ESS together, there is a significantly higher support for redistribution among female respondents compared to male respondents.</a:t>
+            </a:r>
+          </a:p>
+        </p:txBody>
+      </p:sp>
+      <p:pic>
+        <p:nvPicPr>
+          <p:cNvPr descr="./img/fig_c2_sex.svg" id="0" name="Picture 1"/>
+          <p:cNvPicPr>
+            <a:picLocks noGrp="1" noChangeAspect="1"/>
+          </p:cNvPicPr>
+          <p:nvPr/>
+        </p:nvPicPr>
+        <p:blipFill>
+          <a:blip r:embed="rId2"/>
+          <a:stretch>
+            <a:fillRect/>
+          </a:stretch>
+        </p:blipFill>
+        <p:spPr bwMode="auto">
+          <a:xfrm>
+            <a:off x="4648200" y="1206500"/>
+            <a:ext cx="4038600" cy="3365500"/>
+          </a:xfrm>
+          <a:prstGeom prst="rect">
+            <a:avLst/>
+          </a:prstGeom>
+          <a:noFill/>
+          <a:ln w="9525">
+            <a:noFill/>
+            <a:headEnd/>
+            <a:tailEnd/>
+          </a:ln>
+        </p:spPr>
+      </p:pic>
+    </p:spTree>
+  </p:cSld>
 </p:sld>
 </file>
 
@@ -5490,38 +5820,43 @@
       </p:grpSpPr>
       <p:sp>
         <p:nvSpPr>
-          <p:cNvPr id="2" name="Title 1"/>
-          <p:cNvSpPr>
-            <a:spLocks noGrp="1"/>
-          </p:cNvSpPr>
-          <p:nvPr>
-            <p:ph type="title"/>
-          </p:nvPr>
-        </p:nvSpPr>
-        <p:spPr>
-          <a:xfrm>
-            <a:off x="722313" y="3305176"/>
-            <a:ext cx="7772400" cy="1021556"/>
-          </a:xfrm>
-        </p:spPr>
-        <p:txBody>
-          <a:bodyPr/>
-          <a:lstStyle/>
-          <a:p>
-            <a:pPr marL="0" lvl="0" indent="0">
-              <a:buNone/>
-            </a:pPr>
-            <a:r>
-              <a:t>Key findings</a:t>
+          <p:cNvPr id="3" name="Content Placeholder 2"/>
+          <p:cNvSpPr>
+            <a:spLocks noGrp="1"/>
+          </p:cNvSpPr>
+          <p:nvPr>
+            <p:ph idx="1"/>
+          </p:nvPr>
+        </p:nvSpPr>
+        <p:spPr/>
+        <p:txBody>
+          <a:bodyPr/>
+          <a:lstStyle/>
+          <a:p>
+            <a:pPr lvl="0" indent="0" marL="0">
+              <a:buNone/>
+            </a:pPr>
+            <a:r>
+              <a:rPr/>
+              <a:t>Source: European Social Survey</a:t>
+            </a:r>
+          </a:p>
+          <a:p>
+            <a:pPr lvl="0" indent="0" marL="0">
+              <a:spcBef>
+                <a:spcPts val="3000"/>
+              </a:spcBef>
+              <a:buNone/>
+            </a:pPr>
+            <a:r>
+              <a:rPr b="1"/>
+              <a:t>Agreement by SES, Ireland 2002-2024</a:t>
             </a:r>
           </a:p>
         </p:txBody>
       </p:sp>
     </p:spTree>
   </p:cSld>
-  <p:clrMapOvr>
-    <a:masterClrMapping/>
-  </p:clrMapOvr>
 </p:sld>
 </file>
 
@@ -5843,4 +6178,265 @@
   </a:objectDefaults>
   <a:extraClrSchemeLst/>
 </a:theme>
+</file>
+
+<file path=ppt/theme/theme2.xml><?xml version="1.0" encoding="utf-8"?>
+<a:theme xmlns:a="http://schemas.openxmlformats.org/drawingml/2006/main" name="Office Theme">
+  <a:themeElements>
+    <a:clrScheme name="Office">
+      <a:dk1>
+        <a:sysClr val="windowText" lastClr="000000"/>
+      </a:dk1>
+      <a:lt1>
+        <a:sysClr val="window" lastClr="FFFFFF"/>
+      </a:lt1>
+      <a:dk2>
+        <a:srgbClr val="44546A"/>
+      </a:dk2>
+      <a:lt2>
+        <a:srgbClr val="E7E6E6"/>
+      </a:lt2>
+      <a:accent1>
+        <a:srgbClr val="5B9BD5"/>
+      </a:accent1>
+      <a:accent2>
+        <a:srgbClr val="ED7D31"/>
+      </a:accent2>
+      <a:accent3>
+        <a:srgbClr val="A5A5A5"/>
+      </a:accent3>
+      <a:accent4>
+        <a:srgbClr val="FFC000"/>
+      </a:accent4>
+      <a:accent5>
+        <a:srgbClr val="4472C4"/>
+      </a:accent5>
+      <a:accent6>
+        <a:srgbClr val="70AD47"/>
+      </a:accent6>
+      <a:hlink>
+        <a:srgbClr val="0563C1"/>
+      </a:hlink>
+      <a:folHlink>
+        <a:srgbClr val="954F72"/>
+      </a:folHlink>
+    </a:clrScheme>
+    <a:fontScheme name="Office">
+      <a:majorFont>
+        <a:latin typeface="Calibri Light" panose="020F0302020204030204"/>
+        <a:ea typeface=""/>
+        <a:cs typeface=""/>
+        <a:font script="Jpan" typeface="ＭＳ Ｐゴシック"/>
+        <a:font script="Hang" typeface="맑은 고딕"/>
+        <a:font script="Hans" typeface="宋体"/>
+        <a:font script="Hant" typeface="新細明體"/>
+        <a:font script="Arab" typeface="Times New Roman"/>
+        <a:font script="Hebr" typeface="Times New Roman"/>
+        <a:font script="Thai" typeface="Angsana New"/>
+        <a:font script="Ethi" typeface="Nyala"/>
+        <a:font script="Beng" typeface="Vrinda"/>
+        <a:font script="Gujr" typeface="Shruti"/>
+        <a:font script="Khmr" typeface="MoolBoran"/>
+        <a:font script="Knda" typeface="Tunga"/>
+        <a:font script="Guru" typeface="Raavi"/>
+        <a:font script="Cans" typeface="Euphemia"/>
+        <a:font script="Cher" typeface="Plantagenet Cherokee"/>
+        <a:font script="Yiii" typeface="Microsoft Yi Baiti"/>
+        <a:font script="Tibt" typeface="Microsoft Himalaya"/>
+        <a:font script="Thaa" typeface="MV Boli"/>
+        <a:font script="Deva" typeface="Mangal"/>
+        <a:font script="Telu" typeface="Gautami"/>
+        <a:font script="Taml" typeface="Latha"/>
+        <a:font script="Syrc" typeface="Estrangelo Edessa"/>
+        <a:font script="Orya" typeface="Kalinga"/>
+        <a:font script="Mlym" typeface="Kartika"/>
+        <a:font script="Laoo" typeface="DokChampa"/>
+        <a:font script="Sinh" typeface="Iskoola Pota"/>
+        <a:font script="Mong" typeface="Mongolian Baiti"/>
+        <a:font script="Viet" typeface="Times New Roman"/>
+        <a:font script="Uigh" typeface="Microsoft Uighur"/>
+        <a:font script="Geor" typeface="Sylfaen"/>
+      </a:majorFont>
+      <a:minorFont>
+        <a:latin typeface="Calibri" panose="020F0502020204030204"/>
+        <a:ea typeface=""/>
+        <a:cs typeface=""/>
+        <a:font script="Jpan" typeface="ＭＳ Ｐゴシック"/>
+        <a:font script="Hang" typeface="맑은 고딕"/>
+        <a:font script="Hans" typeface="宋体"/>
+        <a:font script="Hant" typeface="新細明體"/>
+        <a:font script="Arab" typeface="Arial"/>
+        <a:font script="Hebr" typeface="Arial"/>
+        <a:font script="Thai" typeface="Cordia New"/>
+        <a:font script="Ethi" typeface="Nyala"/>
+        <a:font script="Beng" typeface="Vrinda"/>
+        <a:font script="Gujr" typeface="Shruti"/>
+        <a:font script="Khmr" typeface="DaunPenh"/>
+        <a:font script="Knda" typeface="Tunga"/>
+        <a:font script="Guru" typeface="Raavi"/>
+        <a:font script="Cans" typeface="Euphemia"/>
+        <a:font script="Cher" typeface="Plantagenet Cherokee"/>
+        <a:font script="Yiii" typeface="Microsoft Yi Baiti"/>
+        <a:font script="Tibt" typeface="Microsoft Himalaya"/>
+        <a:font script="Thaa" typeface="MV Boli"/>
+        <a:font script="Deva" typeface="Mangal"/>
+        <a:font script="Telu" typeface="Gautami"/>
+        <a:font script="Taml" typeface="Latha"/>
+        <a:font script="Syrc" typeface="Estrangelo Edessa"/>
+        <a:font script="Orya" typeface="Kalinga"/>
+        <a:font script="Mlym" typeface="Kartika"/>
+        <a:font script="Laoo" typeface="DokChampa"/>
+        <a:font script="Sinh" typeface="Iskoola Pota"/>
+        <a:font script="Mong" typeface="Mongolian Baiti"/>
+        <a:font script="Viet" typeface="Arial"/>
+        <a:font script="Uigh" typeface="Microsoft Uighur"/>
+        <a:font script="Geor" typeface="Sylfaen"/>
+      </a:minorFont>
+    </a:fontScheme>
+    <a:fmtScheme name="Office">
+      <a:fillStyleLst>
+        <a:solidFill>
+          <a:schemeClr val="phClr"/>
+        </a:solidFill>
+        <a:gradFill rotWithShape="1">
+          <a:gsLst>
+            <a:gs pos="0">
+              <a:schemeClr val="phClr">
+                <a:lumMod val="110000"/>
+                <a:satMod val="105000"/>
+                <a:tint val="67000"/>
+              </a:schemeClr>
+            </a:gs>
+            <a:gs pos="50000">
+              <a:schemeClr val="phClr">
+                <a:lumMod val="105000"/>
+                <a:satMod val="103000"/>
+                <a:tint val="73000"/>
+              </a:schemeClr>
+            </a:gs>
+            <a:gs pos="100000">
+              <a:schemeClr val="phClr">
+                <a:lumMod val="105000"/>
+                <a:satMod val="109000"/>
+                <a:tint val="81000"/>
+              </a:schemeClr>
+            </a:gs>
+          </a:gsLst>
+          <a:lin ang="5400000" scaled="0"/>
+        </a:gradFill>
+        <a:gradFill rotWithShape="1">
+          <a:gsLst>
+            <a:gs pos="0">
+              <a:schemeClr val="phClr">
+                <a:satMod val="103000"/>
+                <a:lumMod val="102000"/>
+                <a:tint val="94000"/>
+              </a:schemeClr>
+            </a:gs>
+            <a:gs pos="50000">
+              <a:schemeClr val="phClr">
+                <a:satMod val="110000"/>
+                <a:lumMod val="100000"/>
+                <a:shade val="100000"/>
+              </a:schemeClr>
+            </a:gs>
+            <a:gs pos="100000">
+              <a:schemeClr val="phClr">
+                <a:lumMod val="99000"/>
+                <a:satMod val="120000"/>
+                <a:shade val="78000"/>
+              </a:schemeClr>
+            </a:gs>
+          </a:gsLst>
+          <a:lin ang="5400000" scaled="0"/>
+        </a:gradFill>
+      </a:fillStyleLst>
+      <a:lnStyleLst>
+        <a:ln w="6350" cap="flat" cmpd="sng" algn="ctr">
+          <a:solidFill>
+            <a:schemeClr val="phClr"/>
+          </a:solidFill>
+          <a:prstDash val="solid"/>
+          <a:miter lim="800000"/>
+        </a:ln>
+        <a:ln w="12700" cap="flat" cmpd="sng" algn="ctr">
+          <a:solidFill>
+            <a:schemeClr val="phClr"/>
+          </a:solidFill>
+          <a:prstDash val="solid"/>
+          <a:miter lim="800000"/>
+        </a:ln>
+        <a:ln w="19050" cap="flat" cmpd="sng" algn="ctr">
+          <a:solidFill>
+            <a:schemeClr val="phClr"/>
+          </a:solidFill>
+          <a:prstDash val="solid"/>
+          <a:miter lim="800000"/>
+        </a:ln>
+      </a:lnStyleLst>
+      <a:effectStyleLst>
+        <a:effectStyle>
+          <a:effectLst/>
+        </a:effectStyle>
+        <a:effectStyle>
+          <a:effectLst/>
+        </a:effectStyle>
+        <a:effectStyle>
+          <a:effectLst>
+            <a:outerShdw blurRad="57150" dist="19050" dir="5400000" algn="ctr" rotWithShape="0">
+              <a:srgbClr val="000000">
+                <a:alpha val="63000"/>
+              </a:srgbClr>
+            </a:outerShdw>
+          </a:effectLst>
+        </a:effectStyle>
+      </a:effectStyleLst>
+      <a:bgFillStyleLst>
+        <a:solidFill>
+          <a:schemeClr val="phClr"/>
+        </a:solidFill>
+        <a:solidFill>
+          <a:schemeClr val="phClr">
+            <a:tint val="95000"/>
+            <a:satMod val="170000"/>
+          </a:schemeClr>
+        </a:solidFill>
+        <a:gradFill rotWithShape="1">
+          <a:gsLst>
+            <a:gs pos="0">
+              <a:schemeClr val="phClr">
+                <a:tint val="93000"/>
+                <a:satMod val="150000"/>
+                <a:shade val="98000"/>
+                <a:lumMod val="102000"/>
+              </a:schemeClr>
+            </a:gs>
+            <a:gs pos="50000">
+              <a:schemeClr val="phClr">
+                <a:tint val="98000"/>
+                <a:satMod val="130000"/>
+                <a:shade val="90000"/>
+                <a:lumMod val="103000"/>
+              </a:schemeClr>
+            </a:gs>
+            <a:gs pos="100000">
+              <a:schemeClr val="phClr">
+                <a:shade val="63000"/>
+                <a:satMod val="120000"/>
+              </a:schemeClr>
+            </a:gs>
+          </a:gsLst>
+          <a:lin ang="5400000" scaled="0"/>
+        </a:gradFill>
+      </a:bgFillStyleLst>
+    </a:fmtScheme>
+  </a:themeElements>
+  <a:objectDefaults/>
+  <a:extraClrSchemeLst/>
+  <a:extLst>
+    <a:ext uri="{05A4C25C-085E-4340-85A3-A5531E510DB2}">
+      <thm15:themeFamily xmlns:thm15="http://schemas.microsoft.com/office/thememl/2012/main" name="Office Theme" id="{62F939B6-93AF-4DB8-9C6B-D6C7DFDC589F}" vid="{4A3C46E8-61CC-4603-A589-7422A47A8E4A}"/>
+    </a:ext>
+  </a:extLst>
+</a:theme>
 </file>